--- a/naverAd/광고 ADMIN 레이아웃.pptx
+++ b/naverAd/광고 ADMIN 레이아웃.pptx
@@ -130,7 +130,7 @@
           <p:cNvPr id="2" name="제목 1">
             <a:extLst>
               <a:ext uri="{FF2B5EF4-FFF2-40B4-BE49-F238E27FC236}">
-                <a16:creationId xmlns:a16="http://schemas.microsoft.com/office/drawing/2014/main" id="{8501A018-9010-4DB7-89A4-1864D0C8F1CA}"/>
+                <a16:creationId xmlns:a16="http://schemas.microsoft.com/office/drawing/2014/main" xmlns="" id="{8501A018-9010-4DB7-89A4-1864D0C8F1CA}"/>
               </a:ext>
             </a:extLst>
           </p:cNvPr>
@@ -167,7 +167,7 @@
           <p:cNvPr id="3" name="부제목 2">
             <a:extLst>
               <a:ext uri="{FF2B5EF4-FFF2-40B4-BE49-F238E27FC236}">
-                <a16:creationId xmlns:a16="http://schemas.microsoft.com/office/drawing/2014/main" id="{B2F57F6B-74B7-4D26-9345-68FC38EC5755}"/>
+                <a16:creationId xmlns:a16="http://schemas.microsoft.com/office/drawing/2014/main" xmlns="" id="{B2F57F6B-74B7-4D26-9345-68FC38EC5755}"/>
               </a:ext>
             </a:extLst>
           </p:cNvPr>
@@ -237,7 +237,7 @@
           <p:cNvPr id="4" name="날짜 개체 틀 3">
             <a:extLst>
               <a:ext uri="{FF2B5EF4-FFF2-40B4-BE49-F238E27FC236}">
-                <a16:creationId xmlns:a16="http://schemas.microsoft.com/office/drawing/2014/main" id="{4DB2C69E-7CE8-4BE7-B5B9-F9EE5F0E443A}"/>
+                <a16:creationId xmlns:a16="http://schemas.microsoft.com/office/drawing/2014/main" xmlns="" id="{4DB2C69E-7CE8-4BE7-B5B9-F9EE5F0E443A}"/>
               </a:ext>
             </a:extLst>
           </p:cNvPr>
@@ -255,7 +255,7 @@
           <a:p>
             <a:fld id="{AF83E163-FBD7-42B7-B3E5-75ED40F0AE29}" type="datetimeFigureOut">
               <a:rPr lang="ko-KR" altLang="en-US" smtClean="0"/>
-              <a:t>2021-06-18</a:t>
+              <a:t>2021-06-20</a:t>
             </a:fld>
             <a:endParaRPr lang="ko-KR" altLang="en-US"/>
           </a:p>
@@ -266,7 +266,7 @@
           <p:cNvPr id="5" name="바닥글 개체 틀 4">
             <a:extLst>
               <a:ext uri="{FF2B5EF4-FFF2-40B4-BE49-F238E27FC236}">
-                <a16:creationId xmlns:a16="http://schemas.microsoft.com/office/drawing/2014/main" id="{87F1A56A-664A-49C3-AD59-E03C4ACBAE25}"/>
+                <a16:creationId xmlns:a16="http://schemas.microsoft.com/office/drawing/2014/main" xmlns="" id="{87F1A56A-664A-49C3-AD59-E03C4ACBAE25}"/>
               </a:ext>
             </a:extLst>
           </p:cNvPr>
@@ -291,7 +291,7 @@
           <p:cNvPr id="6" name="슬라이드 번호 개체 틀 5">
             <a:extLst>
               <a:ext uri="{FF2B5EF4-FFF2-40B4-BE49-F238E27FC236}">
-                <a16:creationId xmlns:a16="http://schemas.microsoft.com/office/drawing/2014/main" id="{C93646ED-70A7-4481-8D00-B03811FCF5A8}"/>
+                <a16:creationId xmlns:a16="http://schemas.microsoft.com/office/drawing/2014/main" xmlns="" id="{C93646ED-70A7-4481-8D00-B03811FCF5A8}"/>
               </a:ext>
             </a:extLst>
           </p:cNvPr>
@@ -350,7 +350,7 @@
           <p:cNvPr id="2" name="제목 1">
             <a:extLst>
               <a:ext uri="{FF2B5EF4-FFF2-40B4-BE49-F238E27FC236}">
-                <a16:creationId xmlns:a16="http://schemas.microsoft.com/office/drawing/2014/main" id="{A333B3E5-1C7C-400E-9F15-4C2AE7C99AE2}"/>
+                <a16:creationId xmlns:a16="http://schemas.microsoft.com/office/drawing/2014/main" xmlns="" id="{A333B3E5-1C7C-400E-9F15-4C2AE7C99AE2}"/>
               </a:ext>
             </a:extLst>
           </p:cNvPr>
@@ -378,7 +378,7 @@
           <p:cNvPr id="3" name="세로 텍스트 개체 틀 2">
             <a:extLst>
               <a:ext uri="{FF2B5EF4-FFF2-40B4-BE49-F238E27FC236}">
-                <a16:creationId xmlns:a16="http://schemas.microsoft.com/office/drawing/2014/main" id="{24E9BFC3-C71A-4751-8307-4E9237E3463A}"/>
+                <a16:creationId xmlns:a16="http://schemas.microsoft.com/office/drawing/2014/main" xmlns="" id="{24E9BFC3-C71A-4751-8307-4E9237E3463A}"/>
               </a:ext>
             </a:extLst>
           </p:cNvPr>
@@ -435,7 +435,7 @@
           <p:cNvPr id="4" name="날짜 개체 틀 3">
             <a:extLst>
               <a:ext uri="{FF2B5EF4-FFF2-40B4-BE49-F238E27FC236}">
-                <a16:creationId xmlns:a16="http://schemas.microsoft.com/office/drawing/2014/main" id="{406AA72B-C379-4E77-8DE7-AD03CD8F12FB}"/>
+                <a16:creationId xmlns:a16="http://schemas.microsoft.com/office/drawing/2014/main" xmlns="" id="{406AA72B-C379-4E77-8DE7-AD03CD8F12FB}"/>
               </a:ext>
             </a:extLst>
           </p:cNvPr>
@@ -453,7 +453,7 @@
           <a:p>
             <a:fld id="{AF83E163-FBD7-42B7-B3E5-75ED40F0AE29}" type="datetimeFigureOut">
               <a:rPr lang="ko-KR" altLang="en-US" smtClean="0"/>
-              <a:t>2021-06-18</a:t>
+              <a:t>2021-06-20</a:t>
             </a:fld>
             <a:endParaRPr lang="ko-KR" altLang="en-US"/>
           </a:p>
@@ -464,7 +464,7 @@
           <p:cNvPr id="5" name="바닥글 개체 틀 4">
             <a:extLst>
               <a:ext uri="{FF2B5EF4-FFF2-40B4-BE49-F238E27FC236}">
-                <a16:creationId xmlns:a16="http://schemas.microsoft.com/office/drawing/2014/main" id="{9810887D-7D74-42EF-9715-08607CB35F74}"/>
+                <a16:creationId xmlns:a16="http://schemas.microsoft.com/office/drawing/2014/main" xmlns="" id="{9810887D-7D74-42EF-9715-08607CB35F74}"/>
               </a:ext>
             </a:extLst>
           </p:cNvPr>
@@ -489,7 +489,7 @@
           <p:cNvPr id="6" name="슬라이드 번호 개체 틀 5">
             <a:extLst>
               <a:ext uri="{FF2B5EF4-FFF2-40B4-BE49-F238E27FC236}">
-                <a16:creationId xmlns:a16="http://schemas.microsoft.com/office/drawing/2014/main" id="{FCF81A3E-DE08-484B-8268-FD9E0F9F56DE}"/>
+                <a16:creationId xmlns:a16="http://schemas.microsoft.com/office/drawing/2014/main" xmlns="" id="{FCF81A3E-DE08-484B-8268-FD9E0F9F56DE}"/>
               </a:ext>
             </a:extLst>
           </p:cNvPr>
@@ -548,7 +548,7 @@
           <p:cNvPr id="2" name="세로 제목 1">
             <a:extLst>
               <a:ext uri="{FF2B5EF4-FFF2-40B4-BE49-F238E27FC236}">
-                <a16:creationId xmlns:a16="http://schemas.microsoft.com/office/drawing/2014/main" id="{C63F8ED5-48C8-4421-B50F-AF74F04DCEE7}"/>
+                <a16:creationId xmlns:a16="http://schemas.microsoft.com/office/drawing/2014/main" xmlns="" id="{C63F8ED5-48C8-4421-B50F-AF74F04DCEE7}"/>
               </a:ext>
             </a:extLst>
           </p:cNvPr>
@@ -581,7 +581,7 @@
           <p:cNvPr id="3" name="세로 텍스트 개체 틀 2">
             <a:extLst>
               <a:ext uri="{FF2B5EF4-FFF2-40B4-BE49-F238E27FC236}">
-                <a16:creationId xmlns:a16="http://schemas.microsoft.com/office/drawing/2014/main" id="{3563DC36-6C2E-4626-9F44-9660F0D91124}"/>
+                <a16:creationId xmlns:a16="http://schemas.microsoft.com/office/drawing/2014/main" xmlns="" id="{3563DC36-6C2E-4626-9F44-9660F0D91124}"/>
               </a:ext>
             </a:extLst>
           </p:cNvPr>
@@ -643,7 +643,7 @@
           <p:cNvPr id="4" name="날짜 개체 틀 3">
             <a:extLst>
               <a:ext uri="{FF2B5EF4-FFF2-40B4-BE49-F238E27FC236}">
-                <a16:creationId xmlns:a16="http://schemas.microsoft.com/office/drawing/2014/main" id="{9AC47A7C-4E80-45F2-8DDE-1CBC224C00D5}"/>
+                <a16:creationId xmlns:a16="http://schemas.microsoft.com/office/drawing/2014/main" xmlns="" id="{9AC47A7C-4E80-45F2-8DDE-1CBC224C00D5}"/>
               </a:ext>
             </a:extLst>
           </p:cNvPr>
@@ -661,7 +661,7 @@
           <a:p>
             <a:fld id="{AF83E163-FBD7-42B7-B3E5-75ED40F0AE29}" type="datetimeFigureOut">
               <a:rPr lang="ko-KR" altLang="en-US" smtClean="0"/>
-              <a:t>2021-06-18</a:t>
+              <a:t>2021-06-20</a:t>
             </a:fld>
             <a:endParaRPr lang="ko-KR" altLang="en-US"/>
           </a:p>
@@ -672,7 +672,7 @@
           <p:cNvPr id="5" name="바닥글 개체 틀 4">
             <a:extLst>
               <a:ext uri="{FF2B5EF4-FFF2-40B4-BE49-F238E27FC236}">
-                <a16:creationId xmlns:a16="http://schemas.microsoft.com/office/drawing/2014/main" id="{CEA0476E-A2D8-4CCD-A1C4-3BD79996D56D}"/>
+                <a16:creationId xmlns:a16="http://schemas.microsoft.com/office/drawing/2014/main" xmlns="" id="{CEA0476E-A2D8-4CCD-A1C4-3BD79996D56D}"/>
               </a:ext>
             </a:extLst>
           </p:cNvPr>
@@ -697,7 +697,7 @@
           <p:cNvPr id="6" name="슬라이드 번호 개체 틀 5">
             <a:extLst>
               <a:ext uri="{FF2B5EF4-FFF2-40B4-BE49-F238E27FC236}">
-                <a16:creationId xmlns:a16="http://schemas.microsoft.com/office/drawing/2014/main" id="{03ED222C-AA6D-40BA-8C1A-60D06A504CD5}"/>
+                <a16:creationId xmlns:a16="http://schemas.microsoft.com/office/drawing/2014/main" xmlns="" id="{03ED222C-AA6D-40BA-8C1A-60D06A504CD5}"/>
               </a:ext>
             </a:extLst>
           </p:cNvPr>
@@ -756,7 +756,7 @@
           <p:cNvPr id="2" name="제목 1">
             <a:extLst>
               <a:ext uri="{FF2B5EF4-FFF2-40B4-BE49-F238E27FC236}">
-                <a16:creationId xmlns:a16="http://schemas.microsoft.com/office/drawing/2014/main" id="{AD79F7BE-418E-4A1F-870F-B4DF11A7EE4F}"/>
+                <a16:creationId xmlns:a16="http://schemas.microsoft.com/office/drawing/2014/main" xmlns="" id="{AD79F7BE-418E-4A1F-870F-B4DF11A7EE4F}"/>
               </a:ext>
             </a:extLst>
           </p:cNvPr>
@@ -784,7 +784,7 @@
           <p:cNvPr id="3" name="내용 개체 틀 2">
             <a:extLst>
               <a:ext uri="{FF2B5EF4-FFF2-40B4-BE49-F238E27FC236}">
-                <a16:creationId xmlns:a16="http://schemas.microsoft.com/office/drawing/2014/main" id="{239F2CB1-961D-40C6-8FA5-5DFF3FA74278}"/>
+                <a16:creationId xmlns:a16="http://schemas.microsoft.com/office/drawing/2014/main" xmlns="" id="{239F2CB1-961D-40C6-8FA5-5DFF3FA74278}"/>
               </a:ext>
             </a:extLst>
           </p:cNvPr>
@@ -841,7 +841,7 @@
           <p:cNvPr id="4" name="날짜 개체 틀 3">
             <a:extLst>
               <a:ext uri="{FF2B5EF4-FFF2-40B4-BE49-F238E27FC236}">
-                <a16:creationId xmlns:a16="http://schemas.microsoft.com/office/drawing/2014/main" id="{8426CEA8-0E09-49AD-9695-B391D45B42AB}"/>
+                <a16:creationId xmlns:a16="http://schemas.microsoft.com/office/drawing/2014/main" xmlns="" id="{8426CEA8-0E09-49AD-9695-B391D45B42AB}"/>
               </a:ext>
             </a:extLst>
           </p:cNvPr>
@@ -859,7 +859,7 @@
           <a:p>
             <a:fld id="{AF83E163-FBD7-42B7-B3E5-75ED40F0AE29}" type="datetimeFigureOut">
               <a:rPr lang="ko-KR" altLang="en-US" smtClean="0"/>
-              <a:t>2021-06-18</a:t>
+              <a:t>2021-06-20</a:t>
             </a:fld>
             <a:endParaRPr lang="ko-KR" altLang="en-US"/>
           </a:p>
@@ -870,7 +870,7 @@
           <p:cNvPr id="5" name="바닥글 개체 틀 4">
             <a:extLst>
               <a:ext uri="{FF2B5EF4-FFF2-40B4-BE49-F238E27FC236}">
-                <a16:creationId xmlns:a16="http://schemas.microsoft.com/office/drawing/2014/main" id="{357B541C-326F-4A51-A364-5CCA07D407BA}"/>
+                <a16:creationId xmlns:a16="http://schemas.microsoft.com/office/drawing/2014/main" xmlns="" id="{357B541C-326F-4A51-A364-5CCA07D407BA}"/>
               </a:ext>
             </a:extLst>
           </p:cNvPr>
@@ -895,7 +895,7 @@
           <p:cNvPr id="6" name="슬라이드 번호 개체 틀 5">
             <a:extLst>
               <a:ext uri="{FF2B5EF4-FFF2-40B4-BE49-F238E27FC236}">
-                <a16:creationId xmlns:a16="http://schemas.microsoft.com/office/drawing/2014/main" id="{881F2D61-75B0-43F5-879D-A9C2AF77E9AB}"/>
+                <a16:creationId xmlns:a16="http://schemas.microsoft.com/office/drawing/2014/main" xmlns="" id="{881F2D61-75B0-43F5-879D-A9C2AF77E9AB}"/>
               </a:ext>
             </a:extLst>
           </p:cNvPr>
@@ -954,7 +954,7 @@
           <p:cNvPr id="2" name="제목 1">
             <a:extLst>
               <a:ext uri="{FF2B5EF4-FFF2-40B4-BE49-F238E27FC236}">
-                <a16:creationId xmlns:a16="http://schemas.microsoft.com/office/drawing/2014/main" id="{AB0D3FA4-5164-499C-9B5C-E2CE46A3D9E3}"/>
+                <a16:creationId xmlns:a16="http://schemas.microsoft.com/office/drawing/2014/main" xmlns="" id="{AB0D3FA4-5164-499C-9B5C-E2CE46A3D9E3}"/>
               </a:ext>
             </a:extLst>
           </p:cNvPr>
@@ -991,7 +991,7 @@
           <p:cNvPr id="3" name="텍스트 개체 틀 2">
             <a:extLst>
               <a:ext uri="{FF2B5EF4-FFF2-40B4-BE49-F238E27FC236}">
-                <a16:creationId xmlns:a16="http://schemas.microsoft.com/office/drawing/2014/main" id="{606AC5FB-6761-4A57-911A-0D5082F8A2B9}"/>
+                <a16:creationId xmlns:a16="http://schemas.microsoft.com/office/drawing/2014/main" xmlns="" id="{606AC5FB-6761-4A57-911A-0D5082F8A2B9}"/>
               </a:ext>
             </a:extLst>
           </p:cNvPr>
@@ -1116,7 +1116,7 @@
           <p:cNvPr id="4" name="날짜 개체 틀 3">
             <a:extLst>
               <a:ext uri="{FF2B5EF4-FFF2-40B4-BE49-F238E27FC236}">
-                <a16:creationId xmlns:a16="http://schemas.microsoft.com/office/drawing/2014/main" id="{7691694E-89F5-4599-B175-4537287D009B}"/>
+                <a16:creationId xmlns:a16="http://schemas.microsoft.com/office/drawing/2014/main" xmlns="" id="{7691694E-89F5-4599-B175-4537287D009B}"/>
               </a:ext>
             </a:extLst>
           </p:cNvPr>
@@ -1134,7 +1134,7 @@
           <a:p>
             <a:fld id="{AF83E163-FBD7-42B7-B3E5-75ED40F0AE29}" type="datetimeFigureOut">
               <a:rPr lang="ko-KR" altLang="en-US" smtClean="0"/>
-              <a:t>2021-06-18</a:t>
+              <a:t>2021-06-20</a:t>
             </a:fld>
             <a:endParaRPr lang="ko-KR" altLang="en-US"/>
           </a:p>
@@ -1145,7 +1145,7 @@
           <p:cNvPr id="5" name="바닥글 개체 틀 4">
             <a:extLst>
               <a:ext uri="{FF2B5EF4-FFF2-40B4-BE49-F238E27FC236}">
-                <a16:creationId xmlns:a16="http://schemas.microsoft.com/office/drawing/2014/main" id="{C974BD9F-B14A-41FF-9FFC-A7DF91141F18}"/>
+                <a16:creationId xmlns:a16="http://schemas.microsoft.com/office/drawing/2014/main" xmlns="" id="{C974BD9F-B14A-41FF-9FFC-A7DF91141F18}"/>
               </a:ext>
             </a:extLst>
           </p:cNvPr>
@@ -1170,7 +1170,7 @@
           <p:cNvPr id="6" name="슬라이드 번호 개체 틀 5">
             <a:extLst>
               <a:ext uri="{FF2B5EF4-FFF2-40B4-BE49-F238E27FC236}">
-                <a16:creationId xmlns:a16="http://schemas.microsoft.com/office/drawing/2014/main" id="{BAB2874A-7A60-408A-A5F7-2D3BD82CB12E}"/>
+                <a16:creationId xmlns:a16="http://schemas.microsoft.com/office/drawing/2014/main" xmlns="" id="{BAB2874A-7A60-408A-A5F7-2D3BD82CB12E}"/>
               </a:ext>
             </a:extLst>
           </p:cNvPr>
@@ -1229,7 +1229,7 @@
           <p:cNvPr id="2" name="제목 1">
             <a:extLst>
               <a:ext uri="{FF2B5EF4-FFF2-40B4-BE49-F238E27FC236}">
-                <a16:creationId xmlns:a16="http://schemas.microsoft.com/office/drawing/2014/main" id="{DFBAE817-D3D8-412E-BF83-6A3389A5510C}"/>
+                <a16:creationId xmlns:a16="http://schemas.microsoft.com/office/drawing/2014/main" xmlns="" id="{DFBAE817-D3D8-412E-BF83-6A3389A5510C}"/>
               </a:ext>
             </a:extLst>
           </p:cNvPr>
@@ -1257,7 +1257,7 @@
           <p:cNvPr id="3" name="내용 개체 틀 2">
             <a:extLst>
               <a:ext uri="{FF2B5EF4-FFF2-40B4-BE49-F238E27FC236}">
-                <a16:creationId xmlns:a16="http://schemas.microsoft.com/office/drawing/2014/main" id="{263CD401-8258-44CD-9F86-F1F06B711AD6}"/>
+                <a16:creationId xmlns:a16="http://schemas.microsoft.com/office/drawing/2014/main" xmlns="" id="{263CD401-8258-44CD-9F86-F1F06B711AD6}"/>
               </a:ext>
             </a:extLst>
           </p:cNvPr>
@@ -1319,7 +1319,7 @@
           <p:cNvPr id="4" name="내용 개체 틀 3">
             <a:extLst>
               <a:ext uri="{FF2B5EF4-FFF2-40B4-BE49-F238E27FC236}">
-                <a16:creationId xmlns:a16="http://schemas.microsoft.com/office/drawing/2014/main" id="{1A2FF860-E16E-481D-A917-B46C3E92F105}"/>
+                <a16:creationId xmlns:a16="http://schemas.microsoft.com/office/drawing/2014/main" xmlns="" id="{1A2FF860-E16E-481D-A917-B46C3E92F105}"/>
               </a:ext>
             </a:extLst>
           </p:cNvPr>
@@ -1381,7 +1381,7 @@
           <p:cNvPr id="5" name="날짜 개체 틀 4">
             <a:extLst>
               <a:ext uri="{FF2B5EF4-FFF2-40B4-BE49-F238E27FC236}">
-                <a16:creationId xmlns:a16="http://schemas.microsoft.com/office/drawing/2014/main" id="{D37A1409-249E-4634-B667-5FA339EE26E4}"/>
+                <a16:creationId xmlns:a16="http://schemas.microsoft.com/office/drawing/2014/main" xmlns="" id="{D37A1409-249E-4634-B667-5FA339EE26E4}"/>
               </a:ext>
             </a:extLst>
           </p:cNvPr>
@@ -1399,7 +1399,7 @@
           <a:p>
             <a:fld id="{AF83E163-FBD7-42B7-B3E5-75ED40F0AE29}" type="datetimeFigureOut">
               <a:rPr lang="ko-KR" altLang="en-US" smtClean="0"/>
-              <a:t>2021-06-18</a:t>
+              <a:t>2021-06-20</a:t>
             </a:fld>
             <a:endParaRPr lang="ko-KR" altLang="en-US"/>
           </a:p>
@@ -1410,7 +1410,7 @@
           <p:cNvPr id="6" name="바닥글 개체 틀 5">
             <a:extLst>
               <a:ext uri="{FF2B5EF4-FFF2-40B4-BE49-F238E27FC236}">
-                <a16:creationId xmlns:a16="http://schemas.microsoft.com/office/drawing/2014/main" id="{43CFA922-0A40-489B-B1D4-45F223474F5C}"/>
+                <a16:creationId xmlns:a16="http://schemas.microsoft.com/office/drawing/2014/main" xmlns="" id="{43CFA922-0A40-489B-B1D4-45F223474F5C}"/>
               </a:ext>
             </a:extLst>
           </p:cNvPr>
@@ -1435,7 +1435,7 @@
           <p:cNvPr id="7" name="슬라이드 번호 개체 틀 6">
             <a:extLst>
               <a:ext uri="{FF2B5EF4-FFF2-40B4-BE49-F238E27FC236}">
-                <a16:creationId xmlns:a16="http://schemas.microsoft.com/office/drawing/2014/main" id="{406506D5-6475-49CD-80F3-6B4F2C68ADFE}"/>
+                <a16:creationId xmlns:a16="http://schemas.microsoft.com/office/drawing/2014/main" xmlns="" id="{406506D5-6475-49CD-80F3-6B4F2C68ADFE}"/>
               </a:ext>
             </a:extLst>
           </p:cNvPr>
@@ -1494,7 +1494,7 @@
           <p:cNvPr id="2" name="제목 1">
             <a:extLst>
               <a:ext uri="{FF2B5EF4-FFF2-40B4-BE49-F238E27FC236}">
-                <a16:creationId xmlns:a16="http://schemas.microsoft.com/office/drawing/2014/main" id="{A8C41AA3-2060-4F19-B101-A142AF8B5B87}"/>
+                <a16:creationId xmlns:a16="http://schemas.microsoft.com/office/drawing/2014/main" xmlns="" id="{A8C41AA3-2060-4F19-B101-A142AF8B5B87}"/>
               </a:ext>
             </a:extLst>
           </p:cNvPr>
@@ -1527,7 +1527,7 @@
           <p:cNvPr id="3" name="텍스트 개체 틀 2">
             <a:extLst>
               <a:ext uri="{FF2B5EF4-FFF2-40B4-BE49-F238E27FC236}">
-                <a16:creationId xmlns:a16="http://schemas.microsoft.com/office/drawing/2014/main" id="{B1439FD2-A335-4583-99CE-4155BB7BA499}"/>
+                <a16:creationId xmlns:a16="http://schemas.microsoft.com/office/drawing/2014/main" xmlns="" id="{B1439FD2-A335-4583-99CE-4155BB7BA499}"/>
               </a:ext>
             </a:extLst>
           </p:cNvPr>
@@ -1598,7 +1598,7 @@
           <p:cNvPr id="4" name="내용 개체 틀 3">
             <a:extLst>
               <a:ext uri="{FF2B5EF4-FFF2-40B4-BE49-F238E27FC236}">
-                <a16:creationId xmlns:a16="http://schemas.microsoft.com/office/drawing/2014/main" id="{239336A1-A2CE-43A8-8470-87878998416A}"/>
+                <a16:creationId xmlns:a16="http://schemas.microsoft.com/office/drawing/2014/main" xmlns="" id="{239336A1-A2CE-43A8-8470-87878998416A}"/>
               </a:ext>
             </a:extLst>
           </p:cNvPr>
@@ -1660,7 +1660,7 @@
           <p:cNvPr id="5" name="텍스트 개체 틀 4">
             <a:extLst>
               <a:ext uri="{FF2B5EF4-FFF2-40B4-BE49-F238E27FC236}">
-                <a16:creationId xmlns:a16="http://schemas.microsoft.com/office/drawing/2014/main" id="{6962CC07-3F47-488D-A92C-95780CB9544B}"/>
+                <a16:creationId xmlns:a16="http://schemas.microsoft.com/office/drawing/2014/main" xmlns="" id="{6962CC07-3F47-488D-A92C-95780CB9544B}"/>
               </a:ext>
             </a:extLst>
           </p:cNvPr>
@@ -1731,7 +1731,7 @@
           <p:cNvPr id="6" name="내용 개체 틀 5">
             <a:extLst>
               <a:ext uri="{FF2B5EF4-FFF2-40B4-BE49-F238E27FC236}">
-                <a16:creationId xmlns:a16="http://schemas.microsoft.com/office/drawing/2014/main" id="{5DF0D4EC-86CD-4389-8B11-EB87C505D9B6}"/>
+                <a16:creationId xmlns:a16="http://schemas.microsoft.com/office/drawing/2014/main" xmlns="" id="{5DF0D4EC-86CD-4389-8B11-EB87C505D9B6}"/>
               </a:ext>
             </a:extLst>
           </p:cNvPr>
@@ -1793,7 +1793,7 @@
           <p:cNvPr id="7" name="날짜 개체 틀 6">
             <a:extLst>
               <a:ext uri="{FF2B5EF4-FFF2-40B4-BE49-F238E27FC236}">
-                <a16:creationId xmlns:a16="http://schemas.microsoft.com/office/drawing/2014/main" id="{E1DCAC65-4F7C-4284-B3CF-95A51A16DC6A}"/>
+                <a16:creationId xmlns:a16="http://schemas.microsoft.com/office/drawing/2014/main" xmlns="" id="{E1DCAC65-4F7C-4284-B3CF-95A51A16DC6A}"/>
               </a:ext>
             </a:extLst>
           </p:cNvPr>
@@ -1811,7 +1811,7 @@
           <a:p>
             <a:fld id="{AF83E163-FBD7-42B7-B3E5-75ED40F0AE29}" type="datetimeFigureOut">
               <a:rPr lang="ko-KR" altLang="en-US" smtClean="0"/>
-              <a:t>2021-06-18</a:t>
+              <a:t>2021-06-20</a:t>
             </a:fld>
             <a:endParaRPr lang="ko-KR" altLang="en-US"/>
           </a:p>
@@ -1822,7 +1822,7 @@
           <p:cNvPr id="8" name="바닥글 개체 틀 7">
             <a:extLst>
               <a:ext uri="{FF2B5EF4-FFF2-40B4-BE49-F238E27FC236}">
-                <a16:creationId xmlns:a16="http://schemas.microsoft.com/office/drawing/2014/main" id="{1A9515FF-57B7-4645-9A34-F2A876B41714}"/>
+                <a16:creationId xmlns:a16="http://schemas.microsoft.com/office/drawing/2014/main" xmlns="" id="{1A9515FF-57B7-4645-9A34-F2A876B41714}"/>
               </a:ext>
             </a:extLst>
           </p:cNvPr>
@@ -1847,7 +1847,7 @@
           <p:cNvPr id="9" name="슬라이드 번호 개체 틀 8">
             <a:extLst>
               <a:ext uri="{FF2B5EF4-FFF2-40B4-BE49-F238E27FC236}">
-                <a16:creationId xmlns:a16="http://schemas.microsoft.com/office/drawing/2014/main" id="{A3EEE897-305C-4758-A1FE-03C35D776936}"/>
+                <a16:creationId xmlns:a16="http://schemas.microsoft.com/office/drawing/2014/main" xmlns="" id="{A3EEE897-305C-4758-A1FE-03C35D776936}"/>
               </a:ext>
             </a:extLst>
           </p:cNvPr>
@@ -1906,7 +1906,7 @@
           <p:cNvPr id="2" name="제목 1">
             <a:extLst>
               <a:ext uri="{FF2B5EF4-FFF2-40B4-BE49-F238E27FC236}">
-                <a16:creationId xmlns:a16="http://schemas.microsoft.com/office/drawing/2014/main" id="{9D060326-4BF5-4949-BF8D-896561BF0EE3}"/>
+                <a16:creationId xmlns:a16="http://schemas.microsoft.com/office/drawing/2014/main" xmlns="" id="{9D060326-4BF5-4949-BF8D-896561BF0EE3}"/>
               </a:ext>
             </a:extLst>
           </p:cNvPr>
@@ -1934,7 +1934,7 @@
           <p:cNvPr id="3" name="날짜 개체 틀 2">
             <a:extLst>
               <a:ext uri="{FF2B5EF4-FFF2-40B4-BE49-F238E27FC236}">
-                <a16:creationId xmlns:a16="http://schemas.microsoft.com/office/drawing/2014/main" id="{B3F37F61-0E6E-4426-8FA6-85C945DA6170}"/>
+                <a16:creationId xmlns:a16="http://schemas.microsoft.com/office/drawing/2014/main" xmlns="" id="{B3F37F61-0E6E-4426-8FA6-85C945DA6170}"/>
               </a:ext>
             </a:extLst>
           </p:cNvPr>
@@ -1952,7 +1952,7 @@
           <a:p>
             <a:fld id="{AF83E163-FBD7-42B7-B3E5-75ED40F0AE29}" type="datetimeFigureOut">
               <a:rPr lang="ko-KR" altLang="en-US" smtClean="0"/>
-              <a:t>2021-06-18</a:t>
+              <a:t>2021-06-20</a:t>
             </a:fld>
             <a:endParaRPr lang="ko-KR" altLang="en-US"/>
           </a:p>
@@ -1963,7 +1963,7 @@
           <p:cNvPr id="4" name="바닥글 개체 틀 3">
             <a:extLst>
               <a:ext uri="{FF2B5EF4-FFF2-40B4-BE49-F238E27FC236}">
-                <a16:creationId xmlns:a16="http://schemas.microsoft.com/office/drawing/2014/main" id="{E8AC3201-8657-437B-918D-6E78CF23686B}"/>
+                <a16:creationId xmlns:a16="http://schemas.microsoft.com/office/drawing/2014/main" xmlns="" id="{E8AC3201-8657-437B-918D-6E78CF23686B}"/>
               </a:ext>
             </a:extLst>
           </p:cNvPr>
@@ -1988,7 +1988,7 @@
           <p:cNvPr id="5" name="슬라이드 번호 개체 틀 4">
             <a:extLst>
               <a:ext uri="{FF2B5EF4-FFF2-40B4-BE49-F238E27FC236}">
-                <a16:creationId xmlns:a16="http://schemas.microsoft.com/office/drawing/2014/main" id="{BE6234A5-48EE-4716-8DF0-6AE13E188852}"/>
+                <a16:creationId xmlns:a16="http://schemas.microsoft.com/office/drawing/2014/main" xmlns="" id="{BE6234A5-48EE-4716-8DF0-6AE13E188852}"/>
               </a:ext>
             </a:extLst>
           </p:cNvPr>
@@ -2047,7 +2047,7 @@
           <p:cNvPr id="2" name="날짜 개체 틀 1">
             <a:extLst>
               <a:ext uri="{FF2B5EF4-FFF2-40B4-BE49-F238E27FC236}">
-                <a16:creationId xmlns:a16="http://schemas.microsoft.com/office/drawing/2014/main" id="{D98D62B5-BB49-4138-8D18-2DB48EAF4566}"/>
+                <a16:creationId xmlns:a16="http://schemas.microsoft.com/office/drawing/2014/main" xmlns="" id="{D98D62B5-BB49-4138-8D18-2DB48EAF4566}"/>
               </a:ext>
             </a:extLst>
           </p:cNvPr>
@@ -2065,7 +2065,7 @@
           <a:p>
             <a:fld id="{AF83E163-FBD7-42B7-B3E5-75ED40F0AE29}" type="datetimeFigureOut">
               <a:rPr lang="ko-KR" altLang="en-US" smtClean="0"/>
-              <a:t>2021-06-18</a:t>
+              <a:t>2021-06-20</a:t>
             </a:fld>
             <a:endParaRPr lang="ko-KR" altLang="en-US"/>
           </a:p>
@@ -2076,7 +2076,7 @@
           <p:cNvPr id="3" name="바닥글 개체 틀 2">
             <a:extLst>
               <a:ext uri="{FF2B5EF4-FFF2-40B4-BE49-F238E27FC236}">
-                <a16:creationId xmlns:a16="http://schemas.microsoft.com/office/drawing/2014/main" id="{DA146E9D-97D1-4728-8774-72F7E02EF902}"/>
+                <a16:creationId xmlns:a16="http://schemas.microsoft.com/office/drawing/2014/main" xmlns="" id="{DA146E9D-97D1-4728-8774-72F7E02EF902}"/>
               </a:ext>
             </a:extLst>
           </p:cNvPr>
@@ -2101,7 +2101,7 @@
           <p:cNvPr id="4" name="슬라이드 번호 개체 틀 3">
             <a:extLst>
               <a:ext uri="{FF2B5EF4-FFF2-40B4-BE49-F238E27FC236}">
-                <a16:creationId xmlns:a16="http://schemas.microsoft.com/office/drawing/2014/main" id="{8CC4D20B-E411-49C1-A706-CCDB3EFA69DF}"/>
+                <a16:creationId xmlns:a16="http://schemas.microsoft.com/office/drawing/2014/main" xmlns="" id="{8CC4D20B-E411-49C1-A706-CCDB3EFA69DF}"/>
               </a:ext>
             </a:extLst>
           </p:cNvPr>
@@ -2160,7 +2160,7 @@
           <p:cNvPr id="2" name="제목 1">
             <a:extLst>
               <a:ext uri="{FF2B5EF4-FFF2-40B4-BE49-F238E27FC236}">
-                <a16:creationId xmlns:a16="http://schemas.microsoft.com/office/drawing/2014/main" id="{68258BC8-1A91-42E4-8FB8-34C5E46C7D86}"/>
+                <a16:creationId xmlns:a16="http://schemas.microsoft.com/office/drawing/2014/main" xmlns="" id="{68258BC8-1A91-42E4-8FB8-34C5E46C7D86}"/>
               </a:ext>
             </a:extLst>
           </p:cNvPr>
@@ -2197,7 +2197,7 @@
           <p:cNvPr id="3" name="내용 개체 틀 2">
             <a:extLst>
               <a:ext uri="{FF2B5EF4-FFF2-40B4-BE49-F238E27FC236}">
-                <a16:creationId xmlns:a16="http://schemas.microsoft.com/office/drawing/2014/main" id="{BC736289-F402-4771-BF37-89CFFD7A7621}"/>
+                <a16:creationId xmlns:a16="http://schemas.microsoft.com/office/drawing/2014/main" xmlns="" id="{BC736289-F402-4771-BF37-89CFFD7A7621}"/>
               </a:ext>
             </a:extLst>
           </p:cNvPr>
@@ -2287,7 +2287,7 @@
           <p:cNvPr id="4" name="텍스트 개체 틀 3">
             <a:extLst>
               <a:ext uri="{FF2B5EF4-FFF2-40B4-BE49-F238E27FC236}">
-                <a16:creationId xmlns:a16="http://schemas.microsoft.com/office/drawing/2014/main" id="{304F4A5F-6F27-4E56-88D7-A83A9ABE3786}"/>
+                <a16:creationId xmlns:a16="http://schemas.microsoft.com/office/drawing/2014/main" xmlns="" id="{304F4A5F-6F27-4E56-88D7-A83A9ABE3786}"/>
               </a:ext>
             </a:extLst>
           </p:cNvPr>
@@ -2358,7 +2358,7 @@
           <p:cNvPr id="5" name="날짜 개체 틀 4">
             <a:extLst>
               <a:ext uri="{FF2B5EF4-FFF2-40B4-BE49-F238E27FC236}">
-                <a16:creationId xmlns:a16="http://schemas.microsoft.com/office/drawing/2014/main" id="{506B1F13-C0FA-4F6A-A772-19D0E5BF5D77}"/>
+                <a16:creationId xmlns:a16="http://schemas.microsoft.com/office/drawing/2014/main" xmlns="" id="{506B1F13-C0FA-4F6A-A772-19D0E5BF5D77}"/>
               </a:ext>
             </a:extLst>
           </p:cNvPr>
@@ -2376,7 +2376,7 @@
           <a:p>
             <a:fld id="{AF83E163-FBD7-42B7-B3E5-75ED40F0AE29}" type="datetimeFigureOut">
               <a:rPr lang="ko-KR" altLang="en-US" smtClean="0"/>
-              <a:t>2021-06-18</a:t>
+              <a:t>2021-06-20</a:t>
             </a:fld>
             <a:endParaRPr lang="ko-KR" altLang="en-US"/>
           </a:p>
@@ -2387,7 +2387,7 @@
           <p:cNvPr id="6" name="바닥글 개체 틀 5">
             <a:extLst>
               <a:ext uri="{FF2B5EF4-FFF2-40B4-BE49-F238E27FC236}">
-                <a16:creationId xmlns:a16="http://schemas.microsoft.com/office/drawing/2014/main" id="{75AC497D-7ABD-43D6-9995-36B79CC85A4D}"/>
+                <a16:creationId xmlns:a16="http://schemas.microsoft.com/office/drawing/2014/main" xmlns="" id="{75AC497D-7ABD-43D6-9995-36B79CC85A4D}"/>
               </a:ext>
             </a:extLst>
           </p:cNvPr>
@@ -2412,7 +2412,7 @@
           <p:cNvPr id="7" name="슬라이드 번호 개체 틀 6">
             <a:extLst>
               <a:ext uri="{FF2B5EF4-FFF2-40B4-BE49-F238E27FC236}">
-                <a16:creationId xmlns:a16="http://schemas.microsoft.com/office/drawing/2014/main" id="{3403DF1E-0244-4581-8877-36791A7115E8}"/>
+                <a16:creationId xmlns:a16="http://schemas.microsoft.com/office/drawing/2014/main" xmlns="" id="{3403DF1E-0244-4581-8877-36791A7115E8}"/>
               </a:ext>
             </a:extLst>
           </p:cNvPr>
@@ -2471,7 +2471,7 @@
           <p:cNvPr id="2" name="제목 1">
             <a:extLst>
               <a:ext uri="{FF2B5EF4-FFF2-40B4-BE49-F238E27FC236}">
-                <a16:creationId xmlns:a16="http://schemas.microsoft.com/office/drawing/2014/main" id="{174037CD-5DF6-42DB-97FD-77A2ACFF2358}"/>
+                <a16:creationId xmlns:a16="http://schemas.microsoft.com/office/drawing/2014/main" xmlns="" id="{174037CD-5DF6-42DB-97FD-77A2ACFF2358}"/>
               </a:ext>
             </a:extLst>
           </p:cNvPr>
@@ -2508,7 +2508,7 @@
           <p:cNvPr id="3" name="그림 개체 틀 2">
             <a:extLst>
               <a:ext uri="{FF2B5EF4-FFF2-40B4-BE49-F238E27FC236}">
-                <a16:creationId xmlns:a16="http://schemas.microsoft.com/office/drawing/2014/main" id="{67591FC1-D4AA-4ED0-87F5-9E6A83A604C8}"/>
+                <a16:creationId xmlns:a16="http://schemas.microsoft.com/office/drawing/2014/main" xmlns="" id="{67591FC1-D4AA-4ED0-87F5-9E6A83A604C8}"/>
               </a:ext>
             </a:extLst>
           </p:cNvPr>
@@ -2575,7 +2575,7 @@
           <p:cNvPr id="4" name="텍스트 개체 틀 3">
             <a:extLst>
               <a:ext uri="{FF2B5EF4-FFF2-40B4-BE49-F238E27FC236}">
-                <a16:creationId xmlns:a16="http://schemas.microsoft.com/office/drawing/2014/main" id="{6A498104-496D-4C37-A787-720D488B6320}"/>
+                <a16:creationId xmlns:a16="http://schemas.microsoft.com/office/drawing/2014/main" xmlns="" id="{6A498104-496D-4C37-A787-720D488B6320}"/>
               </a:ext>
             </a:extLst>
           </p:cNvPr>
@@ -2646,7 +2646,7 @@
           <p:cNvPr id="5" name="날짜 개체 틀 4">
             <a:extLst>
               <a:ext uri="{FF2B5EF4-FFF2-40B4-BE49-F238E27FC236}">
-                <a16:creationId xmlns:a16="http://schemas.microsoft.com/office/drawing/2014/main" id="{56F3DEA0-1360-4636-B855-7ECD87EABCF8}"/>
+                <a16:creationId xmlns:a16="http://schemas.microsoft.com/office/drawing/2014/main" xmlns="" id="{56F3DEA0-1360-4636-B855-7ECD87EABCF8}"/>
               </a:ext>
             </a:extLst>
           </p:cNvPr>
@@ -2664,7 +2664,7 @@
           <a:p>
             <a:fld id="{AF83E163-FBD7-42B7-B3E5-75ED40F0AE29}" type="datetimeFigureOut">
               <a:rPr lang="ko-KR" altLang="en-US" smtClean="0"/>
-              <a:t>2021-06-18</a:t>
+              <a:t>2021-06-20</a:t>
             </a:fld>
             <a:endParaRPr lang="ko-KR" altLang="en-US"/>
           </a:p>
@@ -2675,7 +2675,7 @@
           <p:cNvPr id="6" name="바닥글 개체 틀 5">
             <a:extLst>
               <a:ext uri="{FF2B5EF4-FFF2-40B4-BE49-F238E27FC236}">
-                <a16:creationId xmlns:a16="http://schemas.microsoft.com/office/drawing/2014/main" id="{6B59E623-02CB-44BD-9E6B-342C7FCBDDAD}"/>
+                <a16:creationId xmlns:a16="http://schemas.microsoft.com/office/drawing/2014/main" xmlns="" id="{6B59E623-02CB-44BD-9E6B-342C7FCBDDAD}"/>
               </a:ext>
             </a:extLst>
           </p:cNvPr>
@@ -2700,7 +2700,7 @@
           <p:cNvPr id="7" name="슬라이드 번호 개체 틀 6">
             <a:extLst>
               <a:ext uri="{FF2B5EF4-FFF2-40B4-BE49-F238E27FC236}">
-                <a16:creationId xmlns:a16="http://schemas.microsoft.com/office/drawing/2014/main" id="{BDC258C1-96BD-4302-9D9F-E0AD6540EFEF}"/>
+                <a16:creationId xmlns:a16="http://schemas.microsoft.com/office/drawing/2014/main" xmlns="" id="{BDC258C1-96BD-4302-9D9F-E0AD6540EFEF}"/>
               </a:ext>
             </a:extLst>
           </p:cNvPr>
@@ -2764,7 +2764,7 @@
           <p:cNvPr id="2" name="제목 개체 틀 1">
             <a:extLst>
               <a:ext uri="{FF2B5EF4-FFF2-40B4-BE49-F238E27FC236}">
-                <a16:creationId xmlns:a16="http://schemas.microsoft.com/office/drawing/2014/main" id="{6FB88E9D-D2DC-4108-9170-BE4E5197ADB4}"/>
+                <a16:creationId xmlns:a16="http://schemas.microsoft.com/office/drawing/2014/main" xmlns="" id="{6FB88E9D-D2DC-4108-9170-BE4E5197ADB4}"/>
               </a:ext>
             </a:extLst>
           </p:cNvPr>
@@ -2802,7 +2802,7 @@
           <p:cNvPr id="3" name="텍스트 개체 틀 2">
             <a:extLst>
               <a:ext uri="{FF2B5EF4-FFF2-40B4-BE49-F238E27FC236}">
-                <a16:creationId xmlns:a16="http://schemas.microsoft.com/office/drawing/2014/main" id="{0AF6BCC4-DD9C-48D7-A5CF-DF568D10DDD2}"/>
+                <a16:creationId xmlns:a16="http://schemas.microsoft.com/office/drawing/2014/main" xmlns="" id="{0AF6BCC4-DD9C-48D7-A5CF-DF568D10DDD2}"/>
               </a:ext>
             </a:extLst>
           </p:cNvPr>
@@ -2869,7 +2869,7 @@
           <p:cNvPr id="4" name="날짜 개체 틀 3">
             <a:extLst>
               <a:ext uri="{FF2B5EF4-FFF2-40B4-BE49-F238E27FC236}">
-                <a16:creationId xmlns:a16="http://schemas.microsoft.com/office/drawing/2014/main" id="{8E874712-A6E2-41CF-9E56-7FB6E84B0E5C}"/>
+                <a16:creationId xmlns:a16="http://schemas.microsoft.com/office/drawing/2014/main" xmlns="" id="{8E874712-A6E2-41CF-9E56-7FB6E84B0E5C}"/>
               </a:ext>
             </a:extLst>
           </p:cNvPr>
@@ -2905,7 +2905,7 @@
           <a:p>
             <a:fld id="{AF83E163-FBD7-42B7-B3E5-75ED40F0AE29}" type="datetimeFigureOut">
               <a:rPr lang="ko-KR" altLang="en-US" smtClean="0"/>
-              <a:t>2021-06-18</a:t>
+              <a:t>2021-06-20</a:t>
             </a:fld>
             <a:endParaRPr lang="ko-KR" altLang="en-US"/>
           </a:p>
@@ -2916,7 +2916,7 @@
           <p:cNvPr id="5" name="바닥글 개체 틀 4">
             <a:extLst>
               <a:ext uri="{FF2B5EF4-FFF2-40B4-BE49-F238E27FC236}">
-                <a16:creationId xmlns:a16="http://schemas.microsoft.com/office/drawing/2014/main" id="{863AEF45-0C54-4695-801C-B83F0371BDB6}"/>
+                <a16:creationId xmlns:a16="http://schemas.microsoft.com/office/drawing/2014/main" xmlns="" id="{863AEF45-0C54-4695-801C-B83F0371BDB6}"/>
               </a:ext>
             </a:extLst>
           </p:cNvPr>
@@ -2959,7 +2959,7 @@
           <p:cNvPr id="6" name="슬라이드 번호 개체 틀 5">
             <a:extLst>
               <a:ext uri="{FF2B5EF4-FFF2-40B4-BE49-F238E27FC236}">
-                <a16:creationId xmlns:a16="http://schemas.microsoft.com/office/drawing/2014/main" id="{33531DB1-C1A1-4B23-835A-60CAFDB9DD6B}"/>
+                <a16:creationId xmlns:a16="http://schemas.microsoft.com/office/drawing/2014/main" xmlns="" id="{33531DB1-C1A1-4B23-835A-60CAFDB9DD6B}"/>
               </a:ext>
             </a:extLst>
           </p:cNvPr>
@@ -3327,7 +3327,7 @@
           <p:cNvPr id="4" name="직사각형 3">
             <a:extLst>
               <a:ext uri="{FF2B5EF4-FFF2-40B4-BE49-F238E27FC236}">
-                <a16:creationId xmlns:a16="http://schemas.microsoft.com/office/drawing/2014/main" id="{7FCC0554-9C1C-4188-BE6B-D9EFED8A7BA2}"/>
+                <a16:creationId xmlns:a16="http://schemas.microsoft.com/office/drawing/2014/main" xmlns="" id="{7FCC0554-9C1C-4188-BE6B-D9EFED8A7BA2}"/>
               </a:ext>
             </a:extLst>
           </p:cNvPr>
@@ -3377,7 +3377,7 @@
           <p:cNvPr id="15" name="직사각형 14">
             <a:extLst>
               <a:ext uri="{FF2B5EF4-FFF2-40B4-BE49-F238E27FC236}">
-                <a16:creationId xmlns:a16="http://schemas.microsoft.com/office/drawing/2014/main" id="{32444BD8-578C-4652-A6D1-9549BD5126E5}"/>
+                <a16:creationId xmlns:a16="http://schemas.microsoft.com/office/drawing/2014/main" xmlns="" id="{32444BD8-578C-4652-A6D1-9549BD5126E5}"/>
               </a:ext>
             </a:extLst>
           </p:cNvPr>
@@ -3423,7 +3423,7 @@
           <p:cNvPr id="7" name="직사각형 6">
             <a:extLst>
               <a:ext uri="{FF2B5EF4-FFF2-40B4-BE49-F238E27FC236}">
-                <a16:creationId xmlns:a16="http://schemas.microsoft.com/office/drawing/2014/main" id="{CAFB7B42-DA73-43AF-93E6-8D6FAA7A42E3}"/>
+                <a16:creationId xmlns:a16="http://schemas.microsoft.com/office/drawing/2014/main" xmlns="" id="{CAFB7B42-DA73-43AF-93E6-8D6FAA7A42E3}"/>
               </a:ext>
             </a:extLst>
           </p:cNvPr>
@@ -3473,7 +3473,7 @@
           <p:cNvPr id="8" name="직사각형 7">
             <a:extLst>
               <a:ext uri="{FF2B5EF4-FFF2-40B4-BE49-F238E27FC236}">
-                <a16:creationId xmlns:a16="http://schemas.microsoft.com/office/drawing/2014/main" id="{F2A02047-38B7-46CB-8833-13852E1C7DF0}"/>
+                <a16:creationId xmlns:a16="http://schemas.microsoft.com/office/drawing/2014/main" xmlns="" id="{F2A02047-38B7-46CB-8833-13852E1C7DF0}"/>
               </a:ext>
             </a:extLst>
           </p:cNvPr>
@@ -3546,7 +3546,7 @@
           <p:cNvPr id="18" name="직사각형 17">
             <a:extLst>
               <a:ext uri="{FF2B5EF4-FFF2-40B4-BE49-F238E27FC236}">
-                <a16:creationId xmlns:a16="http://schemas.microsoft.com/office/drawing/2014/main" id="{4B2A0FB5-993E-479A-85FB-9BB80515D45F}"/>
+                <a16:creationId xmlns:a16="http://schemas.microsoft.com/office/drawing/2014/main" xmlns="" id="{4B2A0FB5-993E-479A-85FB-9BB80515D45F}"/>
               </a:ext>
             </a:extLst>
           </p:cNvPr>
@@ -3598,7 +3598,7 @@
           <p:cNvPr id="19" name="직사각형 18">
             <a:extLst>
               <a:ext uri="{FF2B5EF4-FFF2-40B4-BE49-F238E27FC236}">
-                <a16:creationId xmlns:a16="http://schemas.microsoft.com/office/drawing/2014/main" id="{8C1E69F7-E17F-4CDB-ADB8-7D31DFF70EF8}"/>
+                <a16:creationId xmlns:a16="http://schemas.microsoft.com/office/drawing/2014/main" xmlns="" id="{8C1E69F7-E17F-4CDB-ADB8-7D31DFF70EF8}"/>
               </a:ext>
             </a:extLst>
           </p:cNvPr>
@@ -3650,7 +3650,7 @@
           <p:cNvPr id="5" name="직사각형 4">
             <a:extLst>
               <a:ext uri="{FF2B5EF4-FFF2-40B4-BE49-F238E27FC236}">
-                <a16:creationId xmlns:a16="http://schemas.microsoft.com/office/drawing/2014/main" id="{DF4A529C-CEA8-4248-8CA9-E9CEE8D611BE}"/>
+                <a16:creationId xmlns:a16="http://schemas.microsoft.com/office/drawing/2014/main" xmlns="" id="{DF4A529C-CEA8-4248-8CA9-E9CEE8D611BE}"/>
               </a:ext>
             </a:extLst>
           </p:cNvPr>
@@ -3699,7 +3699,7 @@
           <p:cNvPr id="22" name="직사각형 21">
             <a:extLst>
               <a:ext uri="{FF2B5EF4-FFF2-40B4-BE49-F238E27FC236}">
-                <a16:creationId xmlns:a16="http://schemas.microsoft.com/office/drawing/2014/main" id="{0DA3DC81-7144-44D3-8D05-08E951DEB844}"/>
+                <a16:creationId xmlns:a16="http://schemas.microsoft.com/office/drawing/2014/main" xmlns="" id="{0DA3DC81-7144-44D3-8D05-08E951DEB844}"/>
               </a:ext>
             </a:extLst>
           </p:cNvPr>
@@ -3748,7 +3748,7 @@
           <p:cNvPr id="23" name="직사각형 22">
             <a:extLst>
               <a:ext uri="{FF2B5EF4-FFF2-40B4-BE49-F238E27FC236}">
-                <a16:creationId xmlns:a16="http://schemas.microsoft.com/office/drawing/2014/main" id="{954ABD9C-6B6E-4629-A093-6B08A6F5B2AA}"/>
+                <a16:creationId xmlns:a16="http://schemas.microsoft.com/office/drawing/2014/main" xmlns="" id="{954ABD9C-6B6E-4629-A093-6B08A6F5B2AA}"/>
               </a:ext>
             </a:extLst>
           </p:cNvPr>
@@ -3797,7 +3797,7 @@
           <p:cNvPr id="6" name="직사각형 5">
             <a:extLst>
               <a:ext uri="{FF2B5EF4-FFF2-40B4-BE49-F238E27FC236}">
-                <a16:creationId xmlns:a16="http://schemas.microsoft.com/office/drawing/2014/main" id="{0B551ABD-0C3E-4B89-8892-411A5019CD30}"/>
+                <a16:creationId xmlns:a16="http://schemas.microsoft.com/office/drawing/2014/main" xmlns="" id="{0B551ABD-0C3E-4B89-8892-411A5019CD30}"/>
               </a:ext>
             </a:extLst>
           </p:cNvPr>
@@ -3854,7 +3854,7 @@
           <p:cNvPr id="25" name="직사각형 24">
             <a:extLst>
               <a:ext uri="{FF2B5EF4-FFF2-40B4-BE49-F238E27FC236}">
-                <a16:creationId xmlns:a16="http://schemas.microsoft.com/office/drawing/2014/main" id="{CD20D9BA-484E-4A96-BFDD-608AAEC0034C}"/>
+                <a16:creationId xmlns:a16="http://schemas.microsoft.com/office/drawing/2014/main" xmlns="" id="{CD20D9BA-484E-4A96-BFDD-608AAEC0034C}"/>
               </a:ext>
             </a:extLst>
           </p:cNvPr>
@@ -3912,7 +3912,7 @@
           <p:cNvPr id="26" name="직사각형 25">
             <a:extLst>
               <a:ext uri="{FF2B5EF4-FFF2-40B4-BE49-F238E27FC236}">
-                <a16:creationId xmlns:a16="http://schemas.microsoft.com/office/drawing/2014/main" id="{0589F64C-66B2-4781-B009-C81DE02230BE}"/>
+                <a16:creationId xmlns:a16="http://schemas.microsoft.com/office/drawing/2014/main" xmlns="" id="{0589F64C-66B2-4781-B009-C81DE02230BE}"/>
               </a:ext>
             </a:extLst>
           </p:cNvPr>
@@ -3970,7 +3970,7 @@
           <p:cNvPr id="33" name="그림 32">
             <a:extLst>
               <a:ext uri="{FF2B5EF4-FFF2-40B4-BE49-F238E27FC236}">
-                <a16:creationId xmlns:a16="http://schemas.microsoft.com/office/drawing/2014/main" id="{3B662A48-D5E8-46C7-A613-7F0AE7BBCEB3}"/>
+                <a16:creationId xmlns:a16="http://schemas.microsoft.com/office/drawing/2014/main" xmlns="" id="{3B662A48-D5E8-46C7-A613-7F0AE7BBCEB3}"/>
               </a:ext>
             </a:extLst>
           </p:cNvPr>
@@ -3999,7 +3999,7 @@
           <p:cNvPr id="13" name="직사각형 12">
             <a:extLst>
               <a:ext uri="{FF2B5EF4-FFF2-40B4-BE49-F238E27FC236}">
-                <a16:creationId xmlns:a16="http://schemas.microsoft.com/office/drawing/2014/main" id="{617A50F4-C826-4E04-9D81-1D4BA00084B8}"/>
+                <a16:creationId xmlns:a16="http://schemas.microsoft.com/office/drawing/2014/main" xmlns="" id="{617A50F4-C826-4E04-9D81-1D4BA00084B8}"/>
               </a:ext>
             </a:extLst>
           </p:cNvPr>
@@ -4075,7 +4075,7 @@
           <p:cNvPr id="14" name="직사각형 13">
             <a:extLst>
               <a:ext uri="{FF2B5EF4-FFF2-40B4-BE49-F238E27FC236}">
-                <a16:creationId xmlns:a16="http://schemas.microsoft.com/office/drawing/2014/main" id="{781553B8-0460-4CB6-842D-A930D51E2172}"/>
+                <a16:creationId xmlns:a16="http://schemas.microsoft.com/office/drawing/2014/main" xmlns="" id="{781553B8-0460-4CB6-842D-A930D51E2172}"/>
               </a:ext>
             </a:extLst>
           </p:cNvPr>
@@ -4151,7 +4151,7 @@
           <p:cNvPr id="20" name="직사각형 19">
             <a:extLst>
               <a:ext uri="{FF2B5EF4-FFF2-40B4-BE49-F238E27FC236}">
-                <a16:creationId xmlns:a16="http://schemas.microsoft.com/office/drawing/2014/main" id="{DB433129-E1E7-4D41-99AE-C5677B5D9EDC}"/>
+                <a16:creationId xmlns:a16="http://schemas.microsoft.com/office/drawing/2014/main" xmlns="" id="{DB433129-E1E7-4D41-99AE-C5677B5D9EDC}"/>
               </a:ext>
             </a:extLst>
           </p:cNvPr>
@@ -4200,7 +4200,7 @@
           <p:cNvPr id="21" name="직사각형 20">
             <a:extLst>
               <a:ext uri="{FF2B5EF4-FFF2-40B4-BE49-F238E27FC236}">
-                <a16:creationId xmlns:a16="http://schemas.microsoft.com/office/drawing/2014/main" id="{524BB07A-CA6F-4545-A290-C1647F832260}"/>
+                <a16:creationId xmlns:a16="http://schemas.microsoft.com/office/drawing/2014/main" xmlns="" id="{524BB07A-CA6F-4545-A290-C1647F832260}"/>
               </a:ext>
             </a:extLst>
           </p:cNvPr>
@@ -4249,7 +4249,7 @@
           <p:cNvPr id="36" name="직사각형 35">
             <a:extLst>
               <a:ext uri="{FF2B5EF4-FFF2-40B4-BE49-F238E27FC236}">
-                <a16:creationId xmlns:a16="http://schemas.microsoft.com/office/drawing/2014/main" id="{8B6E51E2-8A5E-4351-BF1B-668341C809F8}"/>
+                <a16:creationId xmlns:a16="http://schemas.microsoft.com/office/drawing/2014/main" xmlns="" id="{8B6E51E2-8A5E-4351-BF1B-668341C809F8}"/>
               </a:ext>
             </a:extLst>
           </p:cNvPr>
@@ -4301,7 +4301,7 @@
           <p:cNvPr id="37" name="직사각형 36">
             <a:extLst>
               <a:ext uri="{FF2B5EF4-FFF2-40B4-BE49-F238E27FC236}">
-                <a16:creationId xmlns:a16="http://schemas.microsoft.com/office/drawing/2014/main" id="{6EBE8186-4FCB-4464-BF2B-7D26D89F5661}"/>
+                <a16:creationId xmlns:a16="http://schemas.microsoft.com/office/drawing/2014/main" xmlns="" id="{6EBE8186-4FCB-4464-BF2B-7D26D89F5661}"/>
               </a:ext>
             </a:extLst>
           </p:cNvPr>
@@ -4350,7 +4350,7 @@
           <p:cNvPr id="38" name="직사각형 37">
             <a:extLst>
               <a:ext uri="{FF2B5EF4-FFF2-40B4-BE49-F238E27FC236}">
-                <a16:creationId xmlns:a16="http://schemas.microsoft.com/office/drawing/2014/main" id="{D2D33256-2616-4945-AB1D-BD49A0E27776}"/>
+                <a16:creationId xmlns:a16="http://schemas.microsoft.com/office/drawing/2014/main" xmlns="" id="{D2D33256-2616-4945-AB1D-BD49A0E27776}"/>
               </a:ext>
             </a:extLst>
           </p:cNvPr>
@@ -4400,7 +4400,7 @@
           <p:cNvPr id="39" name="직사각형 38">
             <a:extLst>
               <a:ext uri="{FF2B5EF4-FFF2-40B4-BE49-F238E27FC236}">
-                <a16:creationId xmlns:a16="http://schemas.microsoft.com/office/drawing/2014/main" id="{93B7B6E9-F5EC-4A3A-971F-E59D88696885}"/>
+                <a16:creationId xmlns:a16="http://schemas.microsoft.com/office/drawing/2014/main" xmlns="" id="{93B7B6E9-F5EC-4A3A-971F-E59D88696885}"/>
               </a:ext>
             </a:extLst>
           </p:cNvPr>
@@ -4452,7 +4452,7 @@
           <p:cNvPr id="40" name="직사각형 39">
             <a:extLst>
               <a:ext uri="{FF2B5EF4-FFF2-40B4-BE49-F238E27FC236}">
-                <a16:creationId xmlns:a16="http://schemas.microsoft.com/office/drawing/2014/main" id="{7083E5CD-D813-4B27-AF2B-E3588A422E5E}"/>
+                <a16:creationId xmlns:a16="http://schemas.microsoft.com/office/drawing/2014/main" xmlns="" id="{7083E5CD-D813-4B27-AF2B-E3588A422E5E}"/>
               </a:ext>
             </a:extLst>
           </p:cNvPr>
@@ -4501,7 +4501,7 @@
           <p:cNvPr id="41" name="직사각형 40">
             <a:extLst>
               <a:ext uri="{FF2B5EF4-FFF2-40B4-BE49-F238E27FC236}">
-                <a16:creationId xmlns:a16="http://schemas.microsoft.com/office/drawing/2014/main" id="{AA011D08-46D9-4131-8BC6-6CE41E1913A7}"/>
+                <a16:creationId xmlns:a16="http://schemas.microsoft.com/office/drawing/2014/main" xmlns="" id="{AA011D08-46D9-4131-8BC6-6CE41E1913A7}"/>
               </a:ext>
             </a:extLst>
           </p:cNvPr>
@@ -4551,7 +4551,7 @@
           <p:cNvPr id="42" name="직사각형 41">
             <a:extLst>
               <a:ext uri="{FF2B5EF4-FFF2-40B4-BE49-F238E27FC236}">
-                <a16:creationId xmlns:a16="http://schemas.microsoft.com/office/drawing/2014/main" id="{FEE6448A-5DD4-4852-8B2D-FDA4E3E169D2}"/>
+                <a16:creationId xmlns:a16="http://schemas.microsoft.com/office/drawing/2014/main" xmlns="" id="{FEE6448A-5DD4-4852-8B2D-FDA4E3E169D2}"/>
               </a:ext>
             </a:extLst>
           </p:cNvPr>
@@ -4603,7 +4603,7 @@
           <p:cNvPr id="43" name="직사각형 42">
             <a:extLst>
               <a:ext uri="{FF2B5EF4-FFF2-40B4-BE49-F238E27FC236}">
-                <a16:creationId xmlns:a16="http://schemas.microsoft.com/office/drawing/2014/main" id="{44FB13AB-C83C-44AB-97E3-A819C5197C84}"/>
+                <a16:creationId xmlns:a16="http://schemas.microsoft.com/office/drawing/2014/main" xmlns="" id="{44FB13AB-C83C-44AB-97E3-A819C5197C84}"/>
               </a:ext>
             </a:extLst>
           </p:cNvPr>
@@ -4652,7 +4652,7 @@
           <p:cNvPr id="44" name="직사각형 43">
             <a:extLst>
               <a:ext uri="{FF2B5EF4-FFF2-40B4-BE49-F238E27FC236}">
-                <a16:creationId xmlns:a16="http://schemas.microsoft.com/office/drawing/2014/main" id="{19AB7D70-4E17-48B5-80F9-4EC509BE4EF7}"/>
+                <a16:creationId xmlns:a16="http://schemas.microsoft.com/office/drawing/2014/main" xmlns="" id="{19AB7D70-4E17-48B5-80F9-4EC509BE4EF7}"/>
               </a:ext>
             </a:extLst>
           </p:cNvPr>
@@ -4702,7 +4702,7 @@
           <p:cNvPr id="55" name="직사각형 54">
             <a:extLst>
               <a:ext uri="{FF2B5EF4-FFF2-40B4-BE49-F238E27FC236}">
-                <a16:creationId xmlns:a16="http://schemas.microsoft.com/office/drawing/2014/main" id="{01B17684-597B-4FD5-947E-34B07FAC167F}"/>
+                <a16:creationId xmlns:a16="http://schemas.microsoft.com/office/drawing/2014/main" xmlns="" id="{01B17684-597B-4FD5-947E-34B07FAC167F}"/>
               </a:ext>
             </a:extLst>
           </p:cNvPr>
@@ -4751,7 +4751,7 @@
           <p:cNvPr id="56" name="직사각형 55">
             <a:extLst>
               <a:ext uri="{FF2B5EF4-FFF2-40B4-BE49-F238E27FC236}">
-                <a16:creationId xmlns:a16="http://schemas.microsoft.com/office/drawing/2014/main" id="{1E23C401-8569-425A-99A8-E1C21031929C}"/>
+                <a16:creationId xmlns:a16="http://schemas.microsoft.com/office/drawing/2014/main" xmlns="" id="{1E23C401-8569-425A-99A8-E1C21031929C}"/>
               </a:ext>
             </a:extLst>
           </p:cNvPr>
@@ -4819,7 +4819,7 @@
           <p:cNvPr id="57" name="직사각형 56">
             <a:extLst>
               <a:ext uri="{FF2B5EF4-FFF2-40B4-BE49-F238E27FC236}">
-                <a16:creationId xmlns:a16="http://schemas.microsoft.com/office/drawing/2014/main" id="{60A520DA-CA03-419B-A28A-221FE3084621}"/>
+                <a16:creationId xmlns:a16="http://schemas.microsoft.com/office/drawing/2014/main" xmlns="" id="{60A520DA-CA03-419B-A28A-221FE3084621}"/>
               </a:ext>
             </a:extLst>
           </p:cNvPr>
@@ -4868,7 +4868,7 @@
           <p:cNvPr id="59" name="직사각형 58">
             <a:extLst>
               <a:ext uri="{FF2B5EF4-FFF2-40B4-BE49-F238E27FC236}">
-                <a16:creationId xmlns:a16="http://schemas.microsoft.com/office/drawing/2014/main" id="{D1FDD95E-A577-4AA5-A8C7-6795AE4726B9}"/>
+                <a16:creationId xmlns:a16="http://schemas.microsoft.com/office/drawing/2014/main" xmlns="" id="{D1FDD95E-A577-4AA5-A8C7-6795AE4726B9}"/>
               </a:ext>
             </a:extLst>
           </p:cNvPr>
@@ -4928,7 +4928,7 @@
           <p:cNvPr id="60" name="직사각형 59">
             <a:extLst>
               <a:ext uri="{FF2B5EF4-FFF2-40B4-BE49-F238E27FC236}">
-                <a16:creationId xmlns:a16="http://schemas.microsoft.com/office/drawing/2014/main" id="{A81D1C24-DAE1-4B1A-A86B-19F7DDEFE536}"/>
+                <a16:creationId xmlns:a16="http://schemas.microsoft.com/office/drawing/2014/main" xmlns="" id="{A81D1C24-DAE1-4B1A-A86B-19F7DDEFE536}"/>
               </a:ext>
             </a:extLst>
           </p:cNvPr>
@@ -4977,7 +4977,7 @@
           <p:cNvPr id="62" name="직사각형 61">
             <a:extLst>
               <a:ext uri="{FF2B5EF4-FFF2-40B4-BE49-F238E27FC236}">
-                <a16:creationId xmlns:a16="http://schemas.microsoft.com/office/drawing/2014/main" id="{769C978A-429C-4037-B17D-28183BD06B49}"/>
+                <a16:creationId xmlns:a16="http://schemas.microsoft.com/office/drawing/2014/main" xmlns="" id="{769C978A-429C-4037-B17D-28183BD06B49}"/>
               </a:ext>
             </a:extLst>
           </p:cNvPr>
@@ -5037,7 +5037,7 @@
           <p:cNvPr id="63" name="직사각형 62">
             <a:extLst>
               <a:ext uri="{FF2B5EF4-FFF2-40B4-BE49-F238E27FC236}">
-                <a16:creationId xmlns:a16="http://schemas.microsoft.com/office/drawing/2014/main" id="{32F70EFA-E9DC-4608-B17F-F04C727E7699}"/>
+                <a16:creationId xmlns:a16="http://schemas.microsoft.com/office/drawing/2014/main" xmlns="" id="{32F70EFA-E9DC-4608-B17F-F04C727E7699}"/>
               </a:ext>
             </a:extLst>
           </p:cNvPr>
@@ -5086,7 +5086,7 @@
           <p:cNvPr id="65" name="타원 64">
             <a:extLst>
               <a:ext uri="{FF2B5EF4-FFF2-40B4-BE49-F238E27FC236}">
-                <a16:creationId xmlns:a16="http://schemas.microsoft.com/office/drawing/2014/main" id="{6F5EDD28-6DC2-4787-A894-E0C7EAA417FA}"/>
+                <a16:creationId xmlns:a16="http://schemas.microsoft.com/office/drawing/2014/main" xmlns="" id="{6F5EDD28-6DC2-4787-A894-E0C7EAA417FA}"/>
               </a:ext>
             </a:extLst>
           </p:cNvPr>
@@ -5136,7 +5136,7 @@
           <p:cNvPr id="66" name="직사각형 65">
             <a:extLst>
               <a:ext uri="{FF2B5EF4-FFF2-40B4-BE49-F238E27FC236}">
-                <a16:creationId xmlns:a16="http://schemas.microsoft.com/office/drawing/2014/main" id="{6872134B-B62E-4929-855E-1B5476862633}"/>
+                <a16:creationId xmlns:a16="http://schemas.microsoft.com/office/drawing/2014/main" xmlns="" id="{6872134B-B62E-4929-855E-1B5476862633}"/>
               </a:ext>
             </a:extLst>
           </p:cNvPr>
@@ -5202,7 +5202,7 @@
           <p:cNvPr id="68" name="직사각형 67">
             <a:extLst>
               <a:ext uri="{FF2B5EF4-FFF2-40B4-BE49-F238E27FC236}">
-                <a16:creationId xmlns:a16="http://schemas.microsoft.com/office/drawing/2014/main" id="{ABEF8BB4-3B77-4FF6-8E38-C8678C101321}"/>
+                <a16:creationId xmlns:a16="http://schemas.microsoft.com/office/drawing/2014/main" xmlns="" id="{ABEF8BB4-3B77-4FF6-8E38-C8678C101321}"/>
               </a:ext>
             </a:extLst>
           </p:cNvPr>
@@ -5268,7 +5268,7 @@
           <p:cNvPr id="69" name="직사각형 68">
             <a:extLst>
               <a:ext uri="{FF2B5EF4-FFF2-40B4-BE49-F238E27FC236}">
-                <a16:creationId xmlns:a16="http://schemas.microsoft.com/office/drawing/2014/main" id="{E360B523-A066-40A4-BB51-16F96A6A94D7}"/>
+                <a16:creationId xmlns:a16="http://schemas.microsoft.com/office/drawing/2014/main" xmlns="" id="{E360B523-A066-40A4-BB51-16F96A6A94D7}"/>
               </a:ext>
             </a:extLst>
           </p:cNvPr>
@@ -5334,7 +5334,7 @@
           <p:cNvPr id="70" name="직사각형 69">
             <a:extLst>
               <a:ext uri="{FF2B5EF4-FFF2-40B4-BE49-F238E27FC236}">
-                <a16:creationId xmlns:a16="http://schemas.microsoft.com/office/drawing/2014/main" id="{F54115CA-917B-4574-A82F-583FA331ACDC}"/>
+                <a16:creationId xmlns:a16="http://schemas.microsoft.com/office/drawing/2014/main" xmlns="" id="{F54115CA-917B-4574-A82F-583FA331ACDC}"/>
               </a:ext>
             </a:extLst>
           </p:cNvPr>
@@ -5392,7 +5392,7 @@
           <p:cNvPr id="71" name="직사각형 70">
             <a:extLst>
               <a:ext uri="{FF2B5EF4-FFF2-40B4-BE49-F238E27FC236}">
-                <a16:creationId xmlns:a16="http://schemas.microsoft.com/office/drawing/2014/main" id="{E6F50F9A-B305-4C1A-A4E6-E54414C6691F}"/>
+                <a16:creationId xmlns:a16="http://schemas.microsoft.com/office/drawing/2014/main" xmlns="" id="{E6F50F9A-B305-4C1A-A4E6-E54414C6691F}"/>
               </a:ext>
             </a:extLst>
           </p:cNvPr>
@@ -5430,9 +5430,10 @@
           <a:p>
             <a:pPr algn="ctr"/>
             <a:r>
-              <a:rPr lang="ko-KR" altLang="en-US" sz="1000" dirty="0"/>
-              <a:t>로그 이력</a:t>
-            </a:r>
+              <a:rPr lang="ko-KR" altLang="en-US" sz="1000" dirty="0" err="1" smtClean="0"/>
+              <a:t>상태창</a:t>
+            </a:r>
+            <a:endParaRPr lang="ko-KR" altLang="en-US" sz="1000" dirty="0"/>
           </a:p>
         </p:txBody>
       </p:sp>
@@ -5441,7 +5442,7 @@
           <p:cNvPr id="72" name="타원 71">
             <a:extLst>
               <a:ext uri="{FF2B5EF4-FFF2-40B4-BE49-F238E27FC236}">
-                <a16:creationId xmlns:a16="http://schemas.microsoft.com/office/drawing/2014/main" id="{2C680906-43C9-4C71-B45F-CEF82C5D2213}"/>
+                <a16:creationId xmlns:a16="http://schemas.microsoft.com/office/drawing/2014/main" xmlns="" id="{2C680906-43C9-4C71-B45F-CEF82C5D2213}"/>
               </a:ext>
             </a:extLst>
           </p:cNvPr>
@@ -5491,7 +5492,7 @@
           <p:cNvPr id="73" name="직사각형 72">
             <a:extLst>
               <a:ext uri="{FF2B5EF4-FFF2-40B4-BE49-F238E27FC236}">
-                <a16:creationId xmlns:a16="http://schemas.microsoft.com/office/drawing/2014/main" id="{C3AC6B8A-C29A-40DD-B35F-F65E6F66B05F}"/>
+                <a16:creationId xmlns:a16="http://schemas.microsoft.com/office/drawing/2014/main" xmlns="" id="{C3AC6B8A-C29A-40DD-B35F-F65E6F66B05F}"/>
               </a:ext>
             </a:extLst>
           </p:cNvPr>
@@ -5544,7 +5545,7 @@
           <p:cNvPr id="74" name="직사각형 73">
             <a:extLst>
               <a:ext uri="{FF2B5EF4-FFF2-40B4-BE49-F238E27FC236}">
-                <a16:creationId xmlns:a16="http://schemas.microsoft.com/office/drawing/2014/main" id="{6F013CB6-C648-4706-AA47-CC34D922AD52}"/>
+                <a16:creationId xmlns:a16="http://schemas.microsoft.com/office/drawing/2014/main" xmlns="" id="{6F013CB6-C648-4706-AA47-CC34D922AD52}"/>
               </a:ext>
             </a:extLst>
           </p:cNvPr>
@@ -5597,7 +5598,7 @@
           <p:cNvPr id="75" name="직사각형 74">
             <a:extLst>
               <a:ext uri="{FF2B5EF4-FFF2-40B4-BE49-F238E27FC236}">
-                <a16:creationId xmlns:a16="http://schemas.microsoft.com/office/drawing/2014/main" id="{9CCD6EC5-5D0A-4DC4-8F07-F98FB504F79B}"/>
+                <a16:creationId xmlns:a16="http://schemas.microsoft.com/office/drawing/2014/main" xmlns="" id="{9CCD6EC5-5D0A-4DC4-8F07-F98FB504F79B}"/>
               </a:ext>
             </a:extLst>
           </p:cNvPr>
@@ -5650,7 +5651,7 @@
           <p:cNvPr id="76" name="직사각형 75">
             <a:extLst>
               <a:ext uri="{FF2B5EF4-FFF2-40B4-BE49-F238E27FC236}">
-                <a16:creationId xmlns:a16="http://schemas.microsoft.com/office/drawing/2014/main" id="{40F93126-907B-44A5-B273-ED1E6092CB53}"/>
+                <a16:creationId xmlns:a16="http://schemas.microsoft.com/office/drawing/2014/main" xmlns="" id="{40F93126-907B-44A5-B273-ED1E6092CB53}"/>
               </a:ext>
             </a:extLst>
           </p:cNvPr>
@@ -5719,7 +5720,7 @@
           <p:cNvPr id="77" name="직사각형 76">
             <a:extLst>
               <a:ext uri="{FF2B5EF4-FFF2-40B4-BE49-F238E27FC236}">
-                <a16:creationId xmlns:a16="http://schemas.microsoft.com/office/drawing/2014/main" id="{9ECB35A4-7AB1-4A64-8F58-F9424E5C14C1}"/>
+                <a16:creationId xmlns:a16="http://schemas.microsoft.com/office/drawing/2014/main" xmlns="" id="{9ECB35A4-7AB1-4A64-8F58-F9424E5C14C1}"/>
               </a:ext>
             </a:extLst>
           </p:cNvPr>
@@ -5772,7 +5773,7 @@
           <p:cNvPr id="78" name="직사각형 77">
             <a:extLst>
               <a:ext uri="{FF2B5EF4-FFF2-40B4-BE49-F238E27FC236}">
-                <a16:creationId xmlns:a16="http://schemas.microsoft.com/office/drawing/2014/main" id="{DB67AF3E-95E5-46EB-A276-A1E59AEE51D0}"/>
+                <a16:creationId xmlns:a16="http://schemas.microsoft.com/office/drawing/2014/main" xmlns="" id="{DB67AF3E-95E5-46EB-A276-A1E59AEE51D0}"/>
               </a:ext>
             </a:extLst>
           </p:cNvPr>
@@ -5825,7 +5826,7 @@
           <p:cNvPr id="81" name="직사각형 80">
             <a:extLst>
               <a:ext uri="{FF2B5EF4-FFF2-40B4-BE49-F238E27FC236}">
-                <a16:creationId xmlns:a16="http://schemas.microsoft.com/office/drawing/2014/main" id="{B15874B6-479E-4D74-95FA-C8337494D65C}"/>
+                <a16:creationId xmlns:a16="http://schemas.microsoft.com/office/drawing/2014/main" xmlns="" id="{B15874B6-479E-4D74-95FA-C8337494D65C}"/>
               </a:ext>
             </a:extLst>
           </p:cNvPr>
@@ -5878,7 +5879,7 @@
           <p:cNvPr id="84" name="직사각형 83">
             <a:extLst>
               <a:ext uri="{FF2B5EF4-FFF2-40B4-BE49-F238E27FC236}">
-                <a16:creationId xmlns:a16="http://schemas.microsoft.com/office/drawing/2014/main" id="{E65D4DD3-6A7B-40E6-9641-272649AE70E5}"/>
+                <a16:creationId xmlns:a16="http://schemas.microsoft.com/office/drawing/2014/main" xmlns="" id="{E65D4DD3-6A7B-40E6-9641-272649AE70E5}"/>
               </a:ext>
             </a:extLst>
           </p:cNvPr>
@@ -5944,7 +5945,7 @@
           <p:cNvPr id="88" name="직사각형 87">
             <a:extLst>
               <a:ext uri="{FF2B5EF4-FFF2-40B4-BE49-F238E27FC236}">
-                <a16:creationId xmlns:a16="http://schemas.microsoft.com/office/drawing/2014/main" id="{5F8B4544-276F-4DF1-A4E5-A05D7C0EC1A0}"/>
+                <a16:creationId xmlns:a16="http://schemas.microsoft.com/office/drawing/2014/main" xmlns="" id="{5F8B4544-276F-4DF1-A4E5-A05D7C0EC1A0}"/>
               </a:ext>
             </a:extLst>
           </p:cNvPr>
@@ -6002,7 +6003,7 @@
           <p:cNvPr id="89" name="직사각형 88">
             <a:extLst>
               <a:ext uri="{FF2B5EF4-FFF2-40B4-BE49-F238E27FC236}">
-                <a16:creationId xmlns:a16="http://schemas.microsoft.com/office/drawing/2014/main" id="{A381535A-2D8A-404C-AF68-570969631203}"/>
+                <a16:creationId xmlns:a16="http://schemas.microsoft.com/office/drawing/2014/main" xmlns="" id="{A381535A-2D8A-404C-AF68-570969631203}"/>
               </a:ext>
             </a:extLst>
           </p:cNvPr>
@@ -6040,9 +6041,10 @@
           <a:p>
             <a:pPr algn="ctr"/>
             <a:r>
-              <a:rPr lang="ko-KR" altLang="en-US" sz="1000" dirty="0"/>
-              <a:t>로그 이력</a:t>
-            </a:r>
+              <a:rPr lang="ko-KR" altLang="en-US" sz="1000" dirty="0" err="1"/>
+              <a:t>상태창</a:t>
+            </a:r>
+            <a:endParaRPr lang="ko-KR" altLang="en-US" sz="1000" dirty="0"/>
           </a:p>
         </p:txBody>
       </p:sp>
@@ -6051,7 +6053,7 @@
           <p:cNvPr id="90" name="직사각형 89">
             <a:extLst>
               <a:ext uri="{FF2B5EF4-FFF2-40B4-BE49-F238E27FC236}">
-                <a16:creationId xmlns:a16="http://schemas.microsoft.com/office/drawing/2014/main" id="{9FCFBD19-89A4-45A7-B61B-EEE537C8AAF7}"/>
+                <a16:creationId xmlns:a16="http://schemas.microsoft.com/office/drawing/2014/main" xmlns="" id="{9FCFBD19-89A4-45A7-B61B-EEE537C8AAF7}"/>
               </a:ext>
             </a:extLst>
           </p:cNvPr>
@@ -6105,7 +6107,7 @@
           <p:cNvPr id="91" name="직사각형 90">
             <a:extLst>
               <a:ext uri="{FF2B5EF4-FFF2-40B4-BE49-F238E27FC236}">
-                <a16:creationId xmlns:a16="http://schemas.microsoft.com/office/drawing/2014/main" id="{BC3FF537-9B99-49F9-B482-A2EC7BBB8540}"/>
+                <a16:creationId xmlns:a16="http://schemas.microsoft.com/office/drawing/2014/main" xmlns="" id="{BC3FF537-9B99-49F9-B482-A2EC7BBB8540}"/>
               </a:ext>
             </a:extLst>
           </p:cNvPr>
@@ -6158,7 +6160,7 @@
           <p:cNvPr id="92" name="직사각형 91">
             <a:extLst>
               <a:ext uri="{FF2B5EF4-FFF2-40B4-BE49-F238E27FC236}">
-                <a16:creationId xmlns:a16="http://schemas.microsoft.com/office/drawing/2014/main" id="{F8CB2CE3-4DD4-4EB6-884B-0D4B658DD6CD}"/>
+                <a16:creationId xmlns:a16="http://schemas.microsoft.com/office/drawing/2014/main" xmlns="" id="{F8CB2CE3-4DD4-4EB6-884B-0D4B658DD6CD}"/>
               </a:ext>
             </a:extLst>
           </p:cNvPr>
@@ -6211,7 +6213,7 @@
           <p:cNvPr id="93" name="직사각형 92">
             <a:extLst>
               <a:ext uri="{FF2B5EF4-FFF2-40B4-BE49-F238E27FC236}">
-                <a16:creationId xmlns:a16="http://schemas.microsoft.com/office/drawing/2014/main" id="{062B7E94-371F-4301-82B0-162539055B17}"/>
+                <a16:creationId xmlns:a16="http://schemas.microsoft.com/office/drawing/2014/main" xmlns="" id="{062B7E94-371F-4301-82B0-162539055B17}"/>
               </a:ext>
             </a:extLst>
           </p:cNvPr>
@@ -6268,7 +6270,7 @@
           <p:cNvPr id="10" name="직사각형 9">
             <a:extLst>
               <a:ext uri="{FF2B5EF4-FFF2-40B4-BE49-F238E27FC236}">
-                <a16:creationId xmlns:a16="http://schemas.microsoft.com/office/drawing/2014/main" id="{318B42CB-E0B6-46F0-BAA6-291DD24C4804}"/>
+                <a16:creationId xmlns:a16="http://schemas.microsoft.com/office/drawing/2014/main" xmlns="" id="{318B42CB-E0B6-46F0-BAA6-291DD24C4804}"/>
               </a:ext>
             </a:extLst>
           </p:cNvPr>
@@ -6318,7 +6320,7 @@
           <p:cNvPr id="106" name="직사각형 105">
             <a:extLst>
               <a:ext uri="{FF2B5EF4-FFF2-40B4-BE49-F238E27FC236}">
-                <a16:creationId xmlns:a16="http://schemas.microsoft.com/office/drawing/2014/main" id="{BF504308-551E-418A-AA72-84BA49EC95E2}"/>
+                <a16:creationId xmlns:a16="http://schemas.microsoft.com/office/drawing/2014/main" xmlns="" id="{BF504308-551E-418A-AA72-84BA49EC95E2}"/>
               </a:ext>
             </a:extLst>
           </p:cNvPr>
@@ -6368,7 +6370,7 @@
           <p:cNvPr id="107" name="직사각형 106">
             <a:extLst>
               <a:ext uri="{FF2B5EF4-FFF2-40B4-BE49-F238E27FC236}">
-                <a16:creationId xmlns:a16="http://schemas.microsoft.com/office/drawing/2014/main" id="{F44621CF-ED08-4EAA-B976-8B3A5C37A34E}"/>
+                <a16:creationId xmlns:a16="http://schemas.microsoft.com/office/drawing/2014/main" xmlns="" id="{F44621CF-ED08-4EAA-B976-8B3A5C37A34E}"/>
               </a:ext>
             </a:extLst>
           </p:cNvPr>
@@ -6425,7 +6427,7 @@
           <p:cNvPr id="108" name="직사각형 107">
             <a:extLst>
               <a:ext uri="{FF2B5EF4-FFF2-40B4-BE49-F238E27FC236}">
-                <a16:creationId xmlns:a16="http://schemas.microsoft.com/office/drawing/2014/main" id="{9B8A010A-F788-4334-8390-569FD2F6F8EF}"/>
+                <a16:creationId xmlns:a16="http://schemas.microsoft.com/office/drawing/2014/main" xmlns="" id="{9B8A010A-F788-4334-8390-569FD2F6F8EF}"/>
               </a:ext>
             </a:extLst>
           </p:cNvPr>
@@ -6473,7 +6475,7 @@
           <p:cNvPr id="110" name="직사각형 109">
             <a:extLst>
               <a:ext uri="{FF2B5EF4-FFF2-40B4-BE49-F238E27FC236}">
-                <a16:creationId xmlns:a16="http://schemas.microsoft.com/office/drawing/2014/main" id="{891633B7-4388-476D-B59C-2F6A5F7F0551}"/>
+                <a16:creationId xmlns:a16="http://schemas.microsoft.com/office/drawing/2014/main" xmlns="" id="{891633B7-4388-476D-B59C-2F6A5F7F0551}"/>
               </a:ext>
             </a:extLst>
           </p:cNvPr>
@@ -6522,7 +6524,7 @@
           <p:cNvPr id="113" name="직사각형 112">
             <a:extLst>
               <a:ext uri="{FF2B5EF4-FFF2-40B4-BE49-F238E27FC236}">
-                <a16:creationId xmlns:a16="http://schemas.microsoft.com/office/drawing/2014/main" id="{F6921F2E-2D8C-4E2C-BC6C-02937EB24BB7}"/>
+                <a16:creationId xmlns:a16="http://schemas.microsoft.com/office/drawing/2014/main" xmlns="" id="{F6921F2E-2D8C-4E2C-BC6C-02937EB24BB7}"/>
               </a:ext>
             </a:extLst>
           </p:cNvPr>
@@ -6584,7 +6586,7 @@
           <p:cNvPr id="115" name="직사각형 114">
             <a:extLst>
               <a:ext uri="{FF2B5EF4-FFF2-40B4-BE49-F238E27FC236}">
-                <a16:creationId xmlns:a16="http://schemas.microsoft.com/office/drawing/2014/main" id="{79DF6276-0182-4845-863C-D626CEDDC8B9}"/>
+                <a16:creationId xmlns:a16="http://schemas.microsoft.com/office/drawing/2014/main" xmlns="" id="{79DF6276-0182-4845-863C-D626CEDDC8B9}"/>
               </a:ext>
             </a:extLst>
           </p:cNvPr>
@@ -6634,7 +6636,7 @@
           <p:cNvPr id="116" name="직사각형 115">
             <a:extLst>
               <a:ext uri="{FF2B5EF4-FFF2-40B4-BE49-F238E27FC236}">
-                <a16:creationId xmlns:a16="http://schemas.microsoft.com/office/drawing/2014/main" id="{5E83815E-198C-4F21-AC95-09B76F3C8DE0}"/>
+                <a16:creationId xmlns:a16="http://schemas.microsoft.com/office/drawing/2014/main" xmlns="" id="{5E83815E-198C-4F21-AC95-09B76F3C8DE0}"/>
               </a:ext>
             </a:extLst>
           </p:cNvPr>
@@ -6684,7 +6686,7 @@
           <p:cNvPr id="117" name="직사각형 116">
             <a:extLst>
               <a:ext uri="{FF2B5EF4-FFF2-40B4-BE49-F238E27FC236}">
-                <a16:creationId xmlns:a16="http://schemas.microsoft.com/office/drawing/2014/main" id="{59491258-DE83-4600-B802-CCE37F5702D0}"/>
+                <a16:creationId xmlns:a16="http://schemas.microsoft.com/office/drawing/2014/main" xmlns="" id="{59491258-DE83-4600-B802-CCE37F5702D0}"/>
               </a:ext>
             </a:extLst>
           </p:cNvPr>
@@ -6734,7 +6736,7 @@
           <p:cNvPr id="118" name="직사각형 117">
             <a:extLst>
               <a:ext uri="{FF2B5EF4-FFF2-40B4-BE49-F238E27FC236}">
-                <a16:creationId xmlns:a16="http://schemas.microsoft.com/office/drawing/2014/main" id="{554AE0F4-0332-4950-A5CE-389202CE69EC}"/>
+                <a16:creationId xmlns:a16="http://schemas.microsoft.com/office/drawing/2014/main" xmlns="" id="{554AE0F4-0332-4950-A5CE-389202CE69EC}"/>
               </a:ext>
             </a:extLst>
           </p:cNvPr>
@@ -6784,7 +6786,7 @@
           <p:cNvPr id="119" name="직사각형 118">
             <a:extLst>
               <a:ext uri="{FF2B5EF4-FFF2-40B4-BE49-F238E27FC236}">
-                <a16:creationId xmlns:a16="http://schemas.microsoft.com/office/drawing/2014/main" id="{368F064A-5D94-49B3-B708-AA42B099B37A}"/>
+                <a16:creationId xmlns:a16="http://schemas.microsoft.com/office/drawing/2014/main" xmlns="" id="{368F064A-5D94-49B3-B708-AA42B099B37A}"/>
               </a:ext>
             </a:extLst>
           </p:cNvPr>
@@ -6834,7 +6836,7 @@
           <p:cNvPr id="120" name="직사각형 119">
             <a:extLst>
               <a:ext uri="{FF2B5EF4-FFF2-40B4-BE49-F238E27FC236}">
-                <a16:creationId xmlns:a16="http://schemas.microsoft.com/office/drawing/2014/main" id="{157B121B-9985-43BB-B3A2-03A4C2A30728}"/>
+                <a16:creationId xmlns:a16="http://schemas.microsoft.com/office/drawing/2014/main" xmlns="" id="{157B121B-9985-43BB-B3A2-03A4C2A30728}"/>
               </a:ext>
             </a:extLst>
           </p:cNvPr>
@@ -6884,7 +6886,7 @@
           <p:cNvPr id="125" name="직사각형 124">
             <a:extLst>
               <a:ext uri="{FF2B5EF4-FFF2-40B4-BE49-F238E27FC236}">
-                <a16:creationId xmlns:a16="http://schemas.microsoft.com/office/drawing/2014/main" id="{C6C59A4F-98DD-44AC-B669-1B8DF1572BC2}"/>
+                <a16:creationId xmlns:a16="http://schemas.microsoft.com/office/drawing/2014/main" xmlns="" id="{C6C59A4F-98DD-44AC-B669-1B8DF1572BC2}"/>
               </a:ext>
             </a:extLst>
           </p:cNvPr>
@@ -6938,7 +6940,7 @@
           <p:cNvPr id="126" name="직사각형 125">
             <a:extLst>
               <a:ext uri="{FF2B5EF4-FFF2-40B4-BE49-F238E27FC236}">
-                <a16:creationId xmlns:a16="http://schemas.microsoft.com/office/drawing/2014/main" id="{D2C2F8E3-8FDE-4A1E-B549-2811ABE75A95}"/>
+                <a16:creationId xmlns:a16="http://schemas.microsoft.com/office/drawing/2014/main" xmlns="" id="{D2C2F8E3-8FDE-4A1E-B549-2811ABE75A95}"/>
               </a:ext>
             </a:extLst>
           </p:cNvPr>
@@ -7000,7 +7002,7 @@
           <p:cNvPr id="127" name="직사각형 126">
             <a:extLst>
               <a:ext uri="{FF2B5EF4-FFF2-40B4-BE49-F238E27FC236}">
-                <a16:creationId xmlns:a16="http://schemas.microsoft.com/office/drawing/2014/main" id="{DEFBF645-CF8A-4AFE-B84C-BD87DAEAB0A6}"/>
+                <a16:creationId xmlns:a16="http://schemas.microsoft.com/office/drawing/2014/main" xmlns="" id="{DEFBF645-CF8A-4AFE-B84C-BD87DAEAB0A6}"/>
               </a:ext>
             </a:extLst>
           </p:cNvPr>
@@ -7049,7 +7051,7 @@
           <p:cNvPr id="137" name="직사각형 136">
             <a:extLst>
               <a:ext uri="{FF2B5EF4-FFF2-40B4-BE49-F238E27FC236}">
-                <a16:creationId xmlns:a16="http://schemas.microsoft.com/office/drawing/2014/main" id="{8702418E-C916-40D2-8C8F-812C988AAC2C}"/>
+                <a16:creationId xmlns:a16="http://schemas.microsoft.com/office/drawing/2014/main" xmlns="" id="{8702418E-C916-40D2-8C8F-812C988AAC2C}"/>
               </a:ext>
             </a:extLst>
           </p:cNvPr>
@@ -7115,7 +7117,7 @@
           <p:cNvPr id="138" name="직사각형 137">
             <a:extLst>
               <a:ext uri="{FF2B5EF4-FFF2-40B4-BE49-F238E27FC236}">
-                <a16:creationId xmlns:a16="http://schemas.microsoft.com/office/drawing/2014/main" id="{25CDF546-49E3-4634-BF70-D0A6BCFB49A3}"/>
+                <a16:creationId xmlns:a16="http://schemas.microsoft.com/office/drawing/2014/main" xmlns="" id="{25CDF546-49E3-4634-BF70-D0A6BCFB49A3}"/>
               </a:ext>
             </a:extLst>
           </p:cNvPr>
@@ -7181,7 +7183,7 @@
           <p:cNvPr id="86" name="직사각형 85">
             <a:extLst>
               <a:ext uri="{FF2B5EF4-FFF2-40B4-BE49-F238E27FC236}">
-                <a16:creationId xmlns:a16="http://schemas.microsoft.com/office/drawing/2014/main" id="{15CC9011-D578-4A8F-8FF8-CCBE6182F035}"/>
+                <a16:creationId xmlns:a16="http://schemas.microsoft.com/office/drawing/2014/main" xmlns="" id="{15CC9011-D578-4A8F-8FF8-CCBE6182F035}"/>
               </a:ext>
             </a:extLst>
           </p:cNvPr>
@@ -7240,7 +7242,7 @@
           <p:cNvPr id="87" name="직사각형 86">
             <a:extLst>
               <a:ext uri="{FF2B5EF4-FFF2-40B4-BE49-F238E27FC236}">
-                <a16:creationId xmlns:a16="http://schemas.microsoft.com/office/drawing/2014/main" id="{A3F8F1AF-F0A6-4FE2-99B9-F8C0C7E4DD9C}"/>
+                <a16:creationId xmlns:a16="http://schemas.microsoft.com/office/drawing/2014/main" xmlns="" id="{A3F8F1AF-F0A6-4FE2-99B9-F8C0C7E4DD9C}"/>
               </a:ext>
             </a:extLst>
           </p:cNvPr>
@@ -7301,7 +7303,7 @@
           <p:cNvPr id="94" name="직사각형 93">
             <a:extLst>
               <a:ext uri="{FF2B5EF4-FFF2-40B4-BE49-F238E27FC236}">
-                <a16:creationId xmlns:a16="http://schemas.microsoft.com/office/drawing/2014/main" id="{B40EE1D5-E028-4B23-BEC0-A7EC357E7E7C}"/>
+                <a16:creationId xmlns:a16="http://schemas.microsoft.com/office/drawing/2014/main" xmlns="" id="{B40EE1D5-E028-4B23-BEC0-A7EC357E7E7C}"/>
               </a:ext>
             </a:extLst>
           </p:cNvPr>
@@ -7358,7 +7360,7 @@
           <p:cNvPr id="98" name="직사각형 97">
             <a:extLst>
               <a:ext uri="{FF2B5EF4-FFF2-40B4-BE49-F238E27FC236}">
-                <a16:creationId xmlns:a16="http://schemas.microsoft.com/office/drawing/2014/main" id="{50C47454-43E9-4A72-A506-B1BE3313218E}"/>
+                <a16:creationId xmlns:a16="http://schemas.microsoft.com/office/drawing/2014/main" xmlns="" id="{50C47454-43E9-4A72-A506-B1BE3313218E}"/>
               </a:ext>
             </a:extLst>
           </p:cNvPr>
@@ -7430,7 +7432,7 @@
           <p:cNvPr id="121" name="직사각형 120">
             <a:extLst>
               <a:ext uri="{FF2B5EF4-FFF2-40B4-BE49-F238E27FC236}">
-                <a16:creationId xmlns:a16="http://schemas.microsoft.com/office/drawing/2014/main" id="{2572F0FA-E4D7-419A-A58A-253CBB798E80}"/>
+                <a16:creationId xmlns:a16="http://schemas.microsoft.com/office/drawing/2014/main" xmlns="" id="{2572F0FA-E4D7-419A-A58A-253CBB798E80}"/>
               </a:ext>
             </a:extLst>
           </p:cNvPr>
@@ -7496,7 +7498,7 @@
           <p:cNvPr id="122" name="직사각형 121">
             <a:extLst>
               <a:ext uri="{FF2B5EF4-FFF2-40B4-BE49-F238E27FC236}">
-                <a16:creationId xmlns:a16="http://schemas.microsoft.com/office/drawing/2014/main" id="{DACA5A4D-C9B0-4173-87D0-CA48A076129F}"/>
+                <a16:creationId xmlns:a16="http://schemas.microsoft.com/office/drawing/2014/main" xmlns="" id="{DACA5A4D-C9B0-4173-87D0-CA48A076129F}"/>
               </a:ext>
             </a:extLst>
           </p:cNvPr>
@@ -7562,7 +7564,7 @@
           <p:cNvPr id="123" name="직사각형 122">
             <a:extLst>
               <a:ext uri="{FF2B5EF4-FFF2-40B4-BE49-F238E27FC236}">
-                <a16:creationId xmlns:a16="http://schemas.microsoft.com/office/drawing/2014/main" id="{C517AD94-5906-4EE5-BB15-E802FC800AC3}"/>
+                <a16:creationId xmlns:a16="http://schemas.microsoft.com/office/drawing/2014/main" xmlns="" id="{C517AD94-5906-4EE5-BB15-E802FC800AC3}"/>
               </a:ext>
             </a:extLst>
           </p:cNvPr>
@@ -7641,7 +7643,7 @@
           <p:cNvPr id="124" name="직사각형 123">
             <a:extLst>
               <a:ext uri="{FF2B5EF4-FFF2-40B4-BE49-F238E27FC236}">
-                <a16:creationId xmlns:a16="http://schemas.microsoft.com/office/drawing/2014/main" id="{089D8DB6-3B5D-4836-8286-F6E5B4B93528}"/>
+                <a16:creationId xmlns:a16="http://schemas.microsoft.com/office/drawing/2014/main" xmlns="" id="{089D8DB6-3B5D-4836-8286-F6E5B4B93528}"/>
               </a:ext>
             </a:extLst>
           </p:cNvPr>
@@ -7713,7 +7715,7 @@
           <p:cNvPr id="128" name="직사각형 127">
             <a:extLst>
               <a:ext uri="{FF2B5EF4-FFF2-40B4-BE49-F238E27FC236}">
-                <a16:creationId xmlns:a16="http://schemas.microsoft.com/office/drawing/2014/main" id="{7FB6D4B7-ED45-44C4-A6B2-E4CC0CDCE3CF}"/>
+                <a16:creationId xmlns:a16="http://schemas.microsoft.com/office/drawing/2014/main" xmlns="" id="{7FB6D4B7-ED45-44C4-A6B2-E4CC0CDCE3CF}"/>
               </a:ext>
             </a:extLst>
           </p:cNvPr>
@@ -7784,7 +7786,7 @@
           <p:cNvPr id="130" name="직사각형 129">
             <a:extLst>
               <a:ext uri="{FF2B5EF4-FFF2-40B4-BE49-F238E27FC236}">
-                <a16:creationId xmlns:a16="http://schemas.microsoft.com/office/drawing/2014/main" id="{66F98FBD-9AD9-4859-B399-98736371C7B5}"/>
+                <a16:creationId xmlns:a16="http://schemas.microsoft.com/office/drawing/2014/main" xmlns="" id="{66F98FBD-9AD9-4859-B399-98736371C7B5}"/>
               </a:ext>
             </a:extLst>
           </p:cNvPr>
@@ -7895,7 +7897,7 @@
           <p:cNvPr id="131" name="직사각형 130">
             <a:extLst>
               <a:ext uri="{FF2B5EF4-FFF2-40B4-BE49-F238E27FC236}">
-                <a16:creationId xmlns:a16="http://schemas.microsoft.com/office/drawing/2014/main" id="{C8450865-4ED2-4E7B-8E3B-EDA381B7D3E3}"/>
+                <a16:creationId xmlns:a16="http://schemas.microsoft.com/office/drawing/2014/main" xmlns="" id="{C8450865-4ED2-4E7B-8E3B-EDA381B7D3E3}"/>
               </a:ext>
             </a:extLst>
           </p:cNvPr>
@@ -7944,7 +7946,7 @@
           <p:cNvPr id="132" name="직사각형 131">
             <a:extLst>
               <a:ext uri="{FF2B5EF4-FFF2-40B4-BE49-F238E27FC236}">
-                <a16:creationId xmlns:a16="http://schemas.microsoft.com/office/drawing/2014/main" id="{002D5B23-216C-438D-AD99-80F98BE1B117}"/>
+                <a16:creationId xmlns:a16="http://schemas.microsoft.com/office/drawing/2014/main" xmlns="" id="{002D5B23-216C-438D-AD99-80F98BE1B117}"/>
               </a:ext>
             </a:extLst>
           </p:cNvPr>
@@ -7993,7 +7995,7 @@
           <p:cNvPr id="133" name="직사각형 132">
             <a:extLst>
               <a:ext uri="{FF2B5EF4-FFF2-40B4-BE49-F238E27FC236}">
-                <a16:creationId xmlns:a16="http://schemas.microsoft.com/office/drawing/2014/main" id="{1126C0E0-461F-4202-AEA8-36A5EC13A0FD}"/>
+                <a16:creationId xmlns:a16="http://schemas.microsoft.com/office/drawing/2014/main" xmlns="" id="{1126C0E0-461F-4202-AEA8-36A5EC13A0FD}"/>
               </a:ext>
             </a:extLst>
           </p:cNvPr>
@@ -8042,7 +8044,7 @@
           <p:cNvPr id="134" name="직사각형 133">
             <a:extLst>
               <a:ext uri="{FF2B5EF4-FFF2-40B4-BE49-F238E27FC236}">
-                <a16:creationId xmlns:a16="http://schemas.microsoft.com/office/drawing/2014/main" id="{397F8246-2346-4D63-A33D-D193FA016D76}"/>
+                <a16:creationId xmlns:a16="http://schemas.microsoft.com/office/drawing/2014/main" xmlns="" id="{397F8246-2346-4D63-A33D-D193FA016D76}"/>
               </a:ext>
             </a:extLst>
           </p:cNvPr>
@@ -8091,7 +8093,7 @@
           <p:cNvPr id="135" name="직사각형 134">
             <a:extLst>
               <a:ext uri="{FF2B5EF4-FFF2-40B4-BE49-F238E27FC236}">
-                <a16:creationId xmlns:a16="http://schemas.microsoft.com/office/drawing/2014/main" id="{8EECBE0F-D445-4B8C-A199-53966EEE8D83}"/>
+                <a16:creationId xmlns:a16="http://schemas.microsoft.com/office/drawing/2014/main" xmlns="" id="{8EECBE0F-D445-4B8C-A199-53966EEE8D83}"/>
               </a:ext>
             </a:extLst>
           </p:cNvPr>
@@ -8140,7 +8142,7 @@
           <p:cNvPr id="136" name="직사각형 135">
             <a:extLst>
               <a:ext uri="{FF2B5EF4-FFF2-40B4-BE49-F238E27FC236}">
-                <a16:creationId xmlns:a16="http://schemas.microsoft.com/office/drawing/2014/main" id="{A1E22FC3-3251-4FC5-9B62-20A17926AAC4}"/>
+                <a16:creationId xmlns:a16="http://schemas.microsoft.com/office/drawing/2014/main" xmlns="" id="{A1E22FC3-3251-4FC5-9B62-20A17926AAC4}"/>
               </a:ext>
             </a:extLst>
           </p:cNvPr>
@@ -8181,6 +8183,81 @@
               <a:rPr lang="en-US" altLang="ko-KR" sz="1400" dirty="0"/>
               <a:t>X</a:t>
             </a:r>
+          </a:p>
+        </p:txBody>
+      </p:sp>
+      <p:sp>
+        <p:nvSpPr>
+          <p:cNvPr id="3" name="TextBox 2"/>
+          <p:cNvSpPr txBox="1"/>
+          <p:nvPr/>
+        </p:nvSpPr>
+        <p:spPr>
+          <a:xfrm>
+            <a:off x="806540" y="6020872"/>
+            <a:ext cx="3530617" cy="923330"/>
+          </a:xfrm>
+          <a:prstGeom prst="rect">
+            <a:avLst/>
+          </a:prstGeom>
+          <a:noFill/>
+        </p:spPr>
+        <p:txBody>
+          <a:bodyPr wrap="square" rtlCol="0">
+            <a:spAutoFit/>
+          </a:bodyPr>
+          <a:lstStyle/>
+          <a:p>
+            <a:r>
+              <a:rPr lang="ko-KR" altLang="en-US" dirty="0" smtClean="0"/>
+              <a:t>열 추가 버튼</a:t>
+            </a:r>
+            <a:endParaRPr lang="en-US" altLang="ko-KR" dirty="0" smtClean="0"/>
+          </a:p>
+          <a:p>
+            <a:r>
+              <a:rPr lang="ko-KR" altLang="en-US" dirty="0" smtClean="0"/>
+              <a:t>열 삭제 버튼</a:t>
+            </a:r>
+            <a:r>
+              <a:rPr lang="en-US" altLang="ko-KR" dirty="0" smtClean="0"/>
+              <a:t>(</a:t>
+            </a:r>
+            <a:r>
+              <a:rPr lang="ko-KR" altLang="en-US" dirty="0" smtClean="0"/>
+              <a:t>각각</a:t>
+            </a:r>
+            <a:r>
+              <a:rPr lang="en-US" altLang="ko-KR" dirty="0" smtClean="0"/>
+              <a:t>)</a:t>
+            </a:r>
+          </a:p>
+          <a:p>
+            <a:r>
+              <a:rPr lang="ko-KR" altLang="en-US" dirty="0" smtClean="0"/>
+              <a:t>열 </a:t>
+            </a:r>
+            <a:r>
+              <a:rPr lang="ko-KR" altLang="en-US" dirty="0" err="1" smtClean="0"/>
+              <a:t>즐겨찾기</a:t>
+            </a:r>
+            <a:r>
+              <a:rPr lang="ko-KR" altLang="en-US" dirty="0" smtClean="0"/>
+              <a:t> 버튼</a:t>
+            </a:r>
+            <a:r>
+              <a:rPr lang="en-US" altLang="ko-KR" dirty="0" smtClean="0"/>
+              <a:t>(</a:t>
+            </a:r>
+            <a:r>
+              <a:rPr lang="ko-KR" altLang="en-US" dirty="0" smtClean="0"/>
+              <a:t>각각</a:t>
+            </a:r>
+            <a:r>
+              <a:rPr lang="en-US" altLang="ko-KR" dirty="0" smtClean="0"/>
+              <a:t>)</a:t>
+            </a:r>
+            <a:endParaRPr lang="ko-KR" altLang="en-US" dirty="0"/>
           </a:p>
         </p:txBody>
       </p:sp>
@@ -8516,7 +8593,7 @@
   <a:extraClrSchemeLst/>
   <a:extLst>
     <a:ext uri="{05A4C25C-085E-4340-85A3-A5531E510DB2}">
-      <thm15:themeFamily xmlns:thm15="http://schemas.microsoft.com/office/thememl/2012/main" name="Office Theme" id="{62F939B6-93AF-4DB8-9C6B-D6C7DFDC589F}" vid="{4A3C46E8-61CC-4603-A589-7422A47A8E4A}"/>
+      <thm15:themeFamily xmlns:thm15="http://schemas.microsoft.com/office/thememl/2012/main" xmlns="" name="Office Theme" id="{62F939B6-93AF-4DB8-9C6B-D6C7DFDC589F}" vid="{4A3C46E8-61CC-4603-A589-7422A47A8E4A}"/>
     </a:ext>
   </a:extLst>
 </a:theme>

--- a/naverAd/광고 ADMIN 레이아웃.pptx
+++ b/naverAd/광고 ADMIN 레이아웃.pptx
@@ -105,6 +105,22 @@
       </a:defRPr>
     </a:lvl9pPr>
   </p:defaultTextStyle>
+  <p:extLst>
+    <p:ext uri="{EFAFB233-063F-42B5-8137-9DF3F51BA10A}">
+      <p15:sldGuideLst xmlns:p15="http://schemas.microsoft.com/office/powerpoint/2012/main">
+        <p15:guide id="1" orient="horz" pos="2160">
+          <p15:clr>
+            <a:srgbClr val="A4A3A4"/>
+          </p15:clr>
+        </p15:guide>
+        <p15:guide id="2" pos="3840">
+          <p15:clr>
+            <a:srgbClr val="A4A3A4"/>
+          </p15:clr>
+        </p15:guide>
+      </p15:sldGuideLst>
+    </p:ext>
+  </p:extLst>
 </p:presentation>
 </file>
 
@@ -130,7 +146,7 @@
           <p:cNvPr id="2" name="제목 1">
             <a:extLst>
               <a:ext uri="{FF2B5EF4-FFF2-40B4-BE49-F238E27FC236}">
-                <a16:creationId xmlns:a16="http://schemas.microsoft.com/office/drawing/2014/main" xmlns="" id="{8501A018-9010-4DB7-89A4-1864D0C8F1CA}"/>
+                <a16:creationId xmlns:a16="http://schemas.microsoft.com/office/drawing/2014/main" id="{8501A018-9010-4DB7-89A4-1864D0C8F1CA}"/>
               </a:ext>
             </a:extLst>
           </p:cNvPr>
@@ -167,7 +183,7 @@
           <p:cNvPr id="3" name="부제목 2">
             <a:extLst>
               <a:ext uri="{FF2B5EF4-FFF2-40B4-BE49-F238E27FC236}">
-                <a16:creationId xmlns:a16="http://schemas.microsoft.com/office/drawing/2014/main" xmlns="" id="{B2F57F6B-74B7-4D26-9345-68FC38EC5755}"/>
+                <a16:creationId xmlns:a16="http://schemas.microsoft.com/office/drawing/2014/main" id="{B2F57F6B-74B7-4D26-9345-68FC38EC5755}"/>
               </a:ext>
             </a:extLst>
           </p:cNvPr>
@@ -237,7 +253,7 @@
           <p:cNvPr id="4" name="날짜 개체 틀 3">
             <a:extLst>
               <a:ext uri="{FF2B5EF4-FFF2-40B4-BE49-F238E27FC236}">
-                <a16:creationId xmlns:a16="http://schemas.microsoft.com/office/drawing/2014/main" xmlns="" id="{4DB2C69E-7CE8-4BE7-B5B9-F9EE5F0E443A}"/>
+                <a16:creationId xmlns:a16="http://schemas.microsoft.com/office/drawing/2014/main" id="{4DB2C69E-7CE8-4BE7-B5B9-F9EE5F0E443A}"/>
               </a:ext>
             </a:extLst>
           </p:cNvPr>
@@ -255,7 +271,7 @@
           <a:p>
             <a:fld id="{AF83E163-FBD7-42B7-B3E5-75ED40F0AE29}" type="datetimeFigureOut">
               <a:rPr lang="ko-KR" altLang="en-US" smtClean="0"/>
-              <a:t>2021-06-20</a:t>
+              <a:t>2021-06-24</a:t>
             </a:fld>
             <a:endParaRPr lang="ko-KR" altLang="en-US"/>
           </a:p>
@@ -266,7 +282,7 @@
           <p:cNvPr id="5" name="바닥글 개체 틀 4">
             <a:extLst>
               <a:ext uri="{FF2B5EF4-FFF2-40B4-BE49-F238E27FC236}">
-                <a16:creationId xmlns:a16="http://schemas.microsoft.com/office/drawing/2014/main" xmlns="" id="{87F1A56A-664A-49C3-AD59-E03C4ACBAE25}"/>
+                <a16:creationId xmlns:a16="http://schemas.microsoft.com/office/drawing/2014/main" id="{87F1A56A-664A-49C3-AD59-E03C4ACBAE25}"/>
               </a:ext>
             </a:extLst>
           </p:cNvPr>
@@ -291,7 +307,7 @@
           <p:cNvPr id="6" name="슬라이드 번호 개체 틀 5">
             <a:extLst>
               <a:ext uri="{FF2B5EF4-FFF2-40B4-BE49-F238E27FC236}">
-                <a16:creationId xmlns:a16="http://schemas.microsoft.com/office/drawing/2014/main" xmlns="" id="{C93646ED-70A7-4481-8D00-B03811FCF5A8}"/>
+                <a16:creationId xmlns:a16="http://schemas.microsoft.com/office/drawing/2014/main" id="{C93646ED-70A7-4481-8D00-B03811FCF5A8}"/>
               </a:ext>
             </a:extLst>
           </p:cNvPr>
@@ -350,7 +366,7 @@
           <p:cNvPr id="2" name="제목 1">
             <a:extLst>
               <a:ext uri="{FF2B5EF4-FFF2-40B4-BE49-F238E27FC236}">
-                <a16:creationId xmlns:a16="http://schemas.microsoft.com/office/drawing/2014/main" xmlns="" id="{A333B3E5-1C7C-400E-9F15-4C2AE7C99AE2}"/>
+                <a16:creationId xmlns:a16="http://schemas.microsoft.com/office/drawing/2014/main" id="{A333B3E5-1C7C-400E-9F15-4C2AE7C99AE2}"/>
               </a:ext>
             </a:extLst>
           </p:cNvPr>
@@ -378,7 +394,7 @@
           <p:cNvPr id="3" name="세로 텍스트 개체 틀 2">
             <a:extLst>
               <a:ext uri="{FF2B5EF4-FFF2-40B4-BE49-F238E27FC236}">
-                <a16:creationId xmlns:a16="http://schemas.microsoft.com/office/drawing/2014/main" xmlns="" id="{24E9BFC3-C71A-4751-8307-4E9237E3463A}"/>
+                <a16:creationId xmlns:a16="http://schemas.microsoft.com/office/drawing/2014/main" id="{24E9BFC3-C71A-4751-8307-4E9237E3463A}"/>
               </a:ext>
             </a:extLst>
           </p:cNvPr>
@@ -435,7 +451,7 @@
           <p:cNvPr id="4" name="날짜 개체 틀 3">
             <a:extLst>
               <a:ext uri="{FF2B5EF4-FFF2-40B4-BE49-F238E27FC236}">
-                <a16:creationId xmlns:a16="http://schemas.microsoft.com/office/drawing/2014/main" xmlns="" id="{406AA72B-C379-4E77-8DE7-AD03CD8F12FB}"/>
+                <a16:creationId xmlns:a16="http://schemas.microsoft.com/office/drawing/2014/main" id="{406AA72B-C379-4E77-8DE7-AD03CD8F12FB}"/>
               </a:ext>
             </a:extLst>
           </p:cNvPr>
@@ -453,7 +469,7 @@
           <a:p>
             <a:fld id="{AF83E163-FBD7-42B7-B3E5-75ED40F0AE29}" type="datetimeFigureOut">
               <a:rPr lang="ko-KR" altLang="en-US" smtClean="0"/>
-              <a:t>2021-06-20</a:t>
+              <a:t>2021-06-24</a:t>
             </a:fld>
             <a:endParaRPr lang="ko-KR" altLang="en-US"/>
           </a:p>
@@ -464,7 +480,7 @@
           <p:cNvPr id="5" name="바닥글 개체 틀 4">
             <a:extLst>
               <a:ext uri="{FF2B5EF4-FFF2-40B4-BE49-F238E27FC236}">
-                <a16:creationId xmlns:a16="http://schemas.microsoft.com/office/drawing/2014/main" xmlns="" id="{9810887D-7D74-42EF-9715-08607CB35F74}"/>
+                <a16:creationId xmlns:a16="http://schemas.microsoft.com/office/drawing/2014/main" id="{9810887D-7D74-42EF-9715-08607CB35F74}"/>
               </a:ext>
             </a:extLst>
           </p:cNvPr>
@@ -489,7 +505,7 @@
           <p:cNvPr id="6" name="슬라이드 번호 개체 틀 5">
             <a:extLst>
               <a:ext uri="{FF2B5EF4-FFF2-40B4-BE49-F238E27FC236}">
-                <a16:creationId xmlns:a16="http://schemas.microsoft.com/office/drawing/2014/main" xmlns="" id="{FCF81A3E-DE08-484B-8268-FD9E0F9F56DE}"/>
+                <a16:creationId xmlns:a16="http://schemas.microsoft.com/office/drawing/2014/main" id="{FCF81A3E-DE08-484B-8268-FD9E0F9F56DE}"/>
               </a:ext>
             </a:extLst>
           </p:cNvPr>
@@ -548,7 +564,7 @@
           <p:cNvPr id="2" name="세로 제목 1">
             <a:extLst>
               <a:ext uri="{FF2B5EF4-FFF2-40B4-BE49-F238E27FC236}">
-                <a16:creationId xmlns:a16="http://schemas.microsoft.com/office/drawing/2014/main" xmlns="" id="{C63F8ED5-48C8-4421-B50F-AF74F04DCEE7}"/>
+                <a16:creationId xmlns:a16="http://schemas.microsoft.com/office/drawing/2014/main" id="{C63F8ED5-48C8-4421-B50F-AF74F04DCEE7}"/>
               </a:ext>
             </a:extLst>
           </p:cNvPr>
@@ -581,7 +597,7 @@
           <p:cNvPr id="3" name="세로 텍스트 개체 틀 2">
             <a:extLst>
               <a:ext uri="{FF2B5EF4-FFF2-40B4-BE49-F238E27FC236}">
-                <a16:creationId xmlns:a16="http://schemas.microsoft.com/office/drawing/2014/main" xmlns="" id="{3563DC36-6C2E-4626-9F44-9660F0D91124}"/>
+                <a16:creationId xmlns:a16="http://schemas.microsoft.com/office/drawing/2014/main" id="{3563DC36-6C2E-4626-9F44-9660F0D91124}"/>
               </a:ext>
             </a:extLst>
           </p:cNvPr>
@@ -643,7 +659,7 @@
           <p:cNvPr id="4" name="날짜 개체 틀 3">
             <a:extLst>
               <a:ext uri="{FF2B5EF4-FFF2-40B4-BE49-F238E27FC236}">
-                <a16:creationId xmlns:a16="http://schemas.microsoft.com/office/drawing/2014/main" xmlns="" id="{9AC47A7C-4E80-45F2-8DDE-1CBC224C00D5}"/>
+                <a16:creationId xmlns:a16="http://schemas.microsoft.com/office/drawing/2014/main" id="{9AC47A7C-4E80-45F2-8DDE-1CBC224C00D5}"/>
               </a:ext>
             </a:extLst>
           </p:cNvPr>
@@ -661,7 +677,7 @@
           <a:p>
             <a:fld id="{AF83E163-FBD7-42B7-B3E5-75ED40F0AE29}" type="datetimeFigureOut">
               <a:rPr lang="ko-KR" altLang="en-US" smtClean="0"/>
-              <a:t>2021-06-20</a:t>
+              <a:t>2021-06-24</a:t>
             </a:fld>
             <a:endParaRPr lang="ko-KR" altLang="en-US"/>
           </a:p>
@@ -672,7 +688,7 @@
           <p:cNvPr id="5" name="바닥글 개체 틀 4">
             <a:extLst>
               <a:ext uri="{FF2B5EF4-FFF2-40B4-BE49-F238E27FC236}">
-                <a16:creationId xmlns:a16="http://schemas.microsoft.com/office/drawing/2014/main" xmlns="" id="{CEA0476E-A2D8-4CCD-A1C4-3BD79996D56D}"/>
+                <a16:creationId xmlns:a16="http://schemas.microsoft.com/office/drawing/2014/main" id="{CEA0476E-A2D8-4CCD-A1C4-3BD79996D56D}"/>
               </a:ext>
             </a:extLst>
           </p:cNvPr>
@@ -697,7 +713,7 @@
           <p:cNvPr id="6" name="슬라이드 번호 개체 틀 5">
             <a:extLst>
               <a:ext uri="{FF2B5EF4-FFF2-40B4-BE49-F238E27FC236}">
-                <a16:creationId xmlns:a16="http://schemas.microsoft.com/office/drawing/2014/main" xmlns="" id="{03ED222C-AA6D-40BA-8C1A-60D06A504CD5}"/>
+                <a16:creationId xmlns:a16="http://schemas.microsoft.com/office/drawing/2014/main" id="{03ED222C-AA6D-40BA-8C1A-60D06A504CD5}"/>
               </a:ext>
             </a:extLst>
           </p:cNvPr>
@@ -756,7 +772,7 @@
           <p:cNvPr id="2" name="제목 1">
             <a:extLst>
               <a:ext uri="{FF2B5EF4-FFF2-40B4-BE49-F238E27FC236}">
-                <a16:creationId xmlns:a16="http://schemas.microsoft.com/office/drawing/2014/main" xmlns="" id="{AD79F7BE-418E-4A1F-870F-B4DF11A7EE4F}"/>
+                <a16:creationId xmlns:a16="http://schemas.microsoft.com/office/drawing/2014/main" id="{AD79F7BE-418E-4A1F-870F-B4DF11A7EE4F}"/>
               </a:ext>
             </a:extLst>
           </p:cNvPr>
@@ -784,7 +800,7 @@
           <p:cNvPr id="3" name="내용 개체 틀 2">
             <a:extLst>
               <a:ext uri="{FF2B5EF4-FFF2-40B4-BE49-F238E27FC236}">
-                <a16:creationId xmlns:a16="http://schemas.microsoft.com/office/drawing/2014/main" xmlns="" id="{239F2CB1-961D-40C6-8FA5-5DFF3FA74278}"/>
+                <a16:creationId xmlns:a16="http://schemas.microsoft.com/office/drawing/2014/main" id="{239F2CB1-961D-40C6-8FA5-5DFF3FA74278}"/>
               </a:ext>
             </a:extLst>
           </p:cNvPr>
@@ -841,7 +857,7 @@
           <p:cNvPr id="4" name="날짜 개체 틀 3">
             <a:extLst>
               <a:ext uri="{FF2B5EF4-FFF2-40B4-BE49-F238E27FC236}">
-                <a16:creationId xmlns:a16="http://schemas.microsoft.com/office/drawing/2014/main" xmlns="" id="{8426CEA8-0E09-49AD-9695-B391D45B42AB}"/>
+                <a16:creationId xmlns:a16="http://schemas.microsoft.com/office/drawing/2014/main" id="{8426CEA8-0E09-49AD-9695-B391D45B42AB}"/>
               </a:ext>
             </a:extLst>
           </p:cNvPr>
@@ -859,7 +875,7 @@
           <a:p>
             <a:fld id="{AF83E163-FBD7-42B7-B3E5-75ED40F0AE29}" type="datetimeFigureOut">
               <a:rPr lang="ko-KR" altLang="en-US" smtClean="0"/>
-              <a:t>2021-06-20</a:t>
+              <a:t>2021-06-24</a:t>
             </a:fld>
             <a:endParaRPr lang="ko-KR" altLang="en-US"/>
           </a:p>
@@ -870,7 +886,7 @@
           <p:cNvPr id="5" name="바닥글 개체 틀 4">
             <a:extLst>
               <a:ext uri="{FF2B5EF4-FFF2-40B4-BE49-F238E27FC236}">
-                <a16:creationId xmlns:a16="http://schemas.microsoft.com/office/drawing/2014/main" xmlns="" id="{357B541C-326F-4A51-A364-5CCA07D407BA}"/>
+                <a16:creationId xmlns:a16="http://schemas.microsoft.com/office/drawing/2014/main" id="{357B541C-326F-4A51-A364-5CCA07D407BA}"/>
               </a:ext>
             </a:extLst>
           </p:cNvPr>
@@ -895,7 +911,7 @@
           <p:cNvPr id="6" name="슬라이드 번호 개체 틀 5">
             <a:extLst>
               <a:ext uri="{FF2B5EF4-FFF2-40B4-BE49-F238E27FC236}">
-                <a16:creationId xmlns:a16="http://schemas.microsoft.com/office/drawing/2014/main" xmlns="" id="{881F2D61-75B0-43F5-879D-A9C2AF77E9AB}"/>
+                <a16:creationId xmlns:a16="http://schemas.microsoft.com/office/drawing/2014/main" id="{881F2D61-75B0-43F5-879D-A9C2AF77E9AB}"/>
               </a:ext>
             </a:extLst>
           </p:cNvPr>
@@ -954,7 +970,7 @@
           <p:cNvPr id="2" name="제목 1">
             <a:extLst>
               <a:ext uri="{FF2B5EF4-FFF2-40B4-BE49-F238E27FC236}">
-                <a16:creationId xmlns:a16="http://schemas.microsoft.com/office/drawing/2014/main" xmlns="" id="{AB0D3FA4-5164-499C-9B5C-E2CE46A3D9E3}"/>
+                <a16:creationId xmlns:a16="http://schemas.microsoft.com/office/drawing/2014/main" id="{AB0D3FA4-5164-499C-9B5C-E2CE46A3D9E3}"/>
               </a:ext>
             </a:extLst>
           </p:cNvPr>
@@ -991,7 +1007,7 @@
           <p:cNvPr id="3" name="텍스트 개체 틀 2">
             <a:extLst>
               <a:ext uri="{FF2B5EF4-FFF2-40B4-BE49-F238E27FC236}">
-                <a16:creationId xmlns:a16="http://schemas.microsoft.com/office/drawing/2014/main" xmlns="" id="{606AC5FB-6761-4A57-911A-0D5082F8A2B9}"/>
+                <a16:creationId xmlns:a16="http://schemas.microsoft.com/office/drawing/2014/main" id="{606AC5FB-6761-4A57-911A-0D5082F8A2B9}"/>
               </a:ext>
             </a:extLst>
           </p:cNvPr>
@@ -1116,7 +1132,7 @@
           <p:cNvPr id="4" name="날짜 개체 틀 3">
             <a:extLst>
               <a:ext uri="{FF2B5EF4-FFF2-40B4-BE49-F238E27FC236}">
-                <a16:creationId xmlns:a16="http://schemas.microsoft.com/office/drawing/2014/main" xmlns="" id="{7691694E-89F5-4599-B175-4537287D009B}"/>
+                <a16:creationId xmlns:a16="http://schemas.microsoft.com/office/drawing/2014/main" id="{7691694E-89F5-4599-B175-4537287D009B}"/>
               </a:ext>
             </a:extLst>
           </p:cNvPr>
@@ -1134,7 +1150,7 @@
           <a:p>
             <a:fld id="{AF83E163-FBD7-42B7-B3E5-75ED40F0AE29}" type="datetimeFigureOut">
               <a:rPr lang="ko-KR" altLang="en-US" smtClean="0"/>
-              <a:t>2021-06-20</a:t>
+              <a:t>2021-06-24</a:t>
             </a:fld>
             <a:endParaRPr lang="ko-KR" altLang="en-US"/>
           </a:p>
@@ -1145,7 +1161,7 @@
           <p:cNvPr id="5" name="바닥글 개체 틀 4">
             <a:extLst>
               <a:ext uri="{FF2B5EF4-FFF2-40B4-BE49-F238E27FC236}">
-                <a16:creationId xmlns:a16="http://schemas.microsoft.com/office/drawing/2014/main" xmlns="" id="{C974BD9F-B14A-41FF-9FFC-A7DF91141F18}"/>
+                <a16:creationId xmlns:a16="http://schemas.microsoft.com/office/drawing/2014/main" id="{C974BD9F-B14A-41FF-9FFC-A7DF91141F18}"/>
               </a:ext>
             </a:extLst>
           </p:cNvPr>
@@ -1170,7 +1186,7 @@
           <p:cNvPr id="6" name="슬라이드 번호 개체 틀 5">
             <a:extLst>
               <a:ext uri="{FF2B5EF4-FFF2-40B4-BE49-F238E27FC236}">
-                <a16:creationId xmlns:a16="http://schemas.microsoft.com/office/drawing/2014/main" xmlns="" id="{BAB2874A-7A60-408A-A5F7-2D3BD82CB12E}"/>
+                <a16:creationId xmlns:a16="http://schemas.microsoft.com/office/drawing/2014/main" id="{BAB2874A-7A60-408A-A5F7-2D3BD82CB12E}"/>
               </a:ext>
             </a:extLst>
           </p:cNvPr>
@@ -1229,7 +1245,7 @@
           <p:cNvPr id="2" name="제목 1">
             <a:extLst>
               <a:ext uri="{FF2B5EF4-FFF2-40B4-BE49-F238E27FC236}">
-                <a16:creationId xmlns:a16="http://schemas.microsoft.com/office/drawing/2014/main" xmlns="" id="{DFBAE817-D3D8-412E-BF83-6A3389A5510C}"/>
+                <a16:creationId xmlns:a16="http://schemas.microsoft.com/office/drawing/2014/main" id="{DFBAE817-D3D8-412E-BF83-6A3389A5510C}"/>
               </a:ext>
             </a:extLst>
           </p:cNvPr>
@@ -1257,7 +1273,7 @@
           <p:cNvPr id="3" name="내용 개체 틀 2">
             <a:extLst>
               <a:ext uri="{FF2B5EF4-FFF2-40B4-BE49-F238E27FC236}">
-                <a16:creationId xmlns:a16="http://schemas.microsoft.com/office/drawing/2014/main" xmlns="" id="{263CD401-8258-44CD-9F86-F1F06B711AD6}"/>
+                <a16:creationId xmlns:a16="http://schemas.microsoft.com/office/drawing/2014/main" id="{263CD401-8258-44CD-9F86-F1F06B711AD6}"/>
               </a:ext>
             </a:extLst>
           </p:cNvPr>
@@ -1319,7 +1335,7 @@
           <p:cNvPr id="4" name="내용 개체 틀 3">
             <a:extLst>
               <a:ext uri="{FF2B5EF4-FFF2-40B4-BE49-F238E27FC236}">
-                <a16:creationId xmlns:a16="http://schemas.microsoft.com/office/drawing/2014/main" xmlns="" id="{1A2FF860-E16E-481D-A917-B46C3E92F105}"/>
+                <a16:creationId xmlns:a16="http://schemas.microsoft.com/office/drawing/2014/main" id="{1A2FF860-E16E-481D-A917-B46C3E92F105}"/>
               </a:ext>
             </a:extLst>
           </p:cNvPr>
@@ -1381,7 +1397,7 @@
           <p:cNvPr id="5" name="날짜 개체 틀 4">
             <a:extLst>
               <a:ext uri="{FF2B5EF4-FFF2-40B4-BE49-F238E27FC236}">
-                <a16:creationId xmlns:a16="http://schemas.microsoft.com/office/drawing/2014/main" xmlns="" id="{D37A1409-249E-4634-B667-5FA339EE26E4}"/>
+                <a16:creationId xmlns:a16="http://schemas.microsoft.com/office/drawing/2014/main" id="{D37A1409-249E-4634-B667-5FA339EE26E4}"/>
               </a:ext>
             </a:extLst>
           </p:cNvPr>
@@ -1399,7 +1415,7 @@
           <a:p>
             <a:fld id="{AF83E163-FBD7-42B7-B3E5-75ED40F0AE29}" type="datetimeFigureOut">
               <a:rPr lang="ko-KR" altLang="en-US" smtClean="0"/>
-              <a:t>2021-06-20</a:t>
+              <a:t>2021-06-24</a:t>
             </a:fld>
             <a:endParaRPr lang="ko-KR" altLang="en-US"/>
           </a:p>
@@ -1410,7 +1426,7 @@
           <p:cNvPr id="6" name="바닥글 개체 틀 5">
             <a:extLst>
               <a:ext uri="{FF2B5EF4-FFF2-40B4-BE49-F238E27FC236}">
-                <a16:creationId xmlns:a16="http://schemas.microsoft.com/office/drawing/2014/main" xmlns="" id="{43CFA922-0A40-489B-B1D4-45F223474F5C}"/>
+                <a16:creationId xmlns:a16="http://schemas.microsoft.com/office/drawing/2014/main" id="{43CFA922-0A40-489B-B1D4-45F223474F5C}"/>
               </a:ext>
             </a:extLst>
           </p:cNvPr>
@@ -1435,7 +1451,7 @@
           <p:cNvPr id="7" name="슬라이드 번호 개체 틀 6">
             <a:extLst>
               <a:ext uri="{FF2B5EF4-FFF2-40B4-BE49-F238E27FC236}">
-                <a16:creationId xmlns:a16="http://schemas.microsoft.com/office/drawing/2014/main" xmlns="" id="{406506D5-6475-49CD-80F3-6B4F2C68ADFE}"/>
+                <a16:creationId xmlns:a16="http://schemas.microsoft.com/office/drawing/2014/main" id="{406506D5-6475-49CD-80F3-6B4F2C68ADFE}"/>
               </a:ext>
             </a:extLst>
           </p:cNvPr>
@@ -1494,7 +1510,7 @@
           <p:cNvPr id="2" name="제목 1">
             <a:extLst>
               <a:ext uri="{FF2B5EF4-FFF2-40B4-BE49-F238E27FC236}">
-                <a16:creationId xmlns:a16="http://schemas.microsoft.com/office/drawing/2014/main" xmlns="" id="{A8C41AA3-2060-4F19-B101-A142AF8B5B87}"/>
+                <a16:creationId xmlns:a16="http://schemas.microsoft.com/office/drawing/2014/main" id="{A8C41AA3-2060-4F19-B101-A142AF8B5B87}"/>
               </a:ext>
             </a:extLst>
           </p:cNvPr>
@@ -1527,7 +1543,7 @@
           <p:cNvPr id="3" name="텍스트 개체 틀 2">
             <a:extLst>
               <a:ext uri="{FF2B5EF4-FFF2-40B4-BE49-F238E27FC236}">
-                <a16:creationId xmlns:a16="http://schemas.microsoft.com/office/drawing/2014/main" xmlns="" id="{B1439FD2-A335-4583-99CE-4155BB7BA499}"/>
+                <a16:creationId xmlns:a16="http://schemas.microsoft.com/office/drawing/2014/main" id="{B1439FD2-A335-4583-99CE-4155BB7BA499}"/>
               </a:ext>
             </a:extLst>
           </p:cNvPr>
@@ -1598,7 +1614,7 @@
           <p:cNvPr id="4" name="내용 개체 틀 3">
             <a:extLst>
               <a:ext uri="{FF2B5EF4-FFF2-40B4-BE49-F238E27FC236}">
-                <a16:creationId xmlns:a16="http://schemas.microsoft.com/office/drawing/2014/main" xmlns="" id="{239336A1-A2CE-43A8-8470-87878998416A}"/>
+                <a16:creationId xmlns:a16="http://schemas.microsoft.com/office/drawing/2014/main" id="{239336A1-A2CE-43A8-8470-87878998416A}"/>
               </a:ext>
             </a:extLst>
           </p:cNvPr>
@@ -1660,7 +1676,7 @@
           <p:cNvPr id="5" name="텍스트 개체 틀 4">
             <a:extLst>
               <a:ext uri="{FF2B5EF4-FFF2-40B4-BE49-F238E27FC236}">
-                <a16:creationId xmlns:a16="http://schemas.microsoft.com/office/drawing/2014/main" xmlns="" id="{6962CC07-3F47-488D-A92C-95780CB9544B}"/>
+                <a16:creationId xmlns:a16="http://schemas.microsoft.com/office/drawing/2014/main" id="{6962CC07-3F47-488D-A92C-95780CB9544B}"/>
               </a:ext>
             </a:extLst>
           </p:cNvPr>
@@ -1731,7 +1747,7 @@
           <p:cNvPr id="6" name="내용 개체 틀 5">
             <a:extLst>
               <a:ext uri="{FF2B5EF4-FFF2-40B4-BE49-F238E27FC236}">
-                <a16:creationId xmlns:a16="http://schemas.microsoft.com/office/drawing/2014/main" xmlns="" id="{5DF0D4EC-86CD-4389-8B11-EB87C505D9B6}"/>
+                <a16:creationId xmlns:a16="http://schemas.microsoft.com/office/drawing/2014/main" id="{5DF0D4EC-86CD-4389-8B11-EB87C505D9B6}"/>
               </a:ext>
             </a:extLst>
           </p:cNvPr>
@@ -1793,7 +1809,7 @@
           <p:cNvPr id="7" name="날짜 개체 틀 6">
             <a:extLst>
               <a:ext uri="{FF2B5EF4-FFF2-40B4-BE49-F238E27FC236}">
-                <a16:creationId xmlns:a16="http://schemas.microsoft.com/office/drawing/2014/main" xmlns="" id="{E1DCAC65-4F7C-4284-B3CF-95A51A16DC6A}"/>
+                <a16:creationId xmlns:a16="http://schemas.microsoft.com/office/drawing/2014/main" id="{E1DCAC65-4F7C-4284-B3CF-95A51A16DC6A}"/>
               </a:ext>
             </a:extLst>
           </p:cNvPr>
@@ -1811,7 +1827,7 @@
           <a:p>
             <a:fld id="{AF83E163-FBD7-42B7-B3E5-75ED40F0AE29}" type="datetimeFigureOut">
               <a:rPr lang="ko-KR" altLang="en-US" smtClean="0"/>
-              <a:t>2021-06-20</a:t>
+              <a:t>2021-06-24</a:t>
             </a:fld>
             <a:endParaRPr lang="ko-KR" altLang="en-US"/>
           </a:p>
@@ -1822,7 +1838,7 @@
           <p:cNvPr id="8" name="바닥글 개체 틀 7">
             <a:extLst>
               <a:ext uri="{FF2B5EF4-FFF2-40B4-BE49-F238E27FC236}">
-                <a16:creationId xmlns:a16="http://schemas.microsoft.com/office/drawing/2014/main" xmlns="" id="{1A9515FF-57B7-4645-9A34-F2A876B41714}"/>
+                <a16:creationId xmlns:a16="http://schemas.microsoft.com/office/drawing/2014/main" id="{1A9515FF-57B7-4645-9A34-F2A876B41714}"/>
               </a:ext>
             </a:extLst>
           </p:cNvPr>
@@ -1847,7 +1863,7 @@
           <p:cNvPr id="9" name="슬라이드 번호 개체 틀 8">
             <a:extLst>
               <a:ext uri="{FF2B5EF4-FFF2-40B4-BE49-F238E27FC236}">
-                <a16:creationId xmlns:a16="http://schemas.microsoft.com/office/drawing/2014/main" xmlns="" id="{A3EEE897-305C-4758-A1FE-03C35D776936}"/>
+                <a16:creationId xmlns:a16="http://schemas.microsoft.com/office/drawing/2014/main" id="{A3EEE897-305C-4758-A1FE-03C35D776936}"/>
               </a:ext>
             </a:extLst>
           </p:cNvPr>
@@ -1906,7 +1922,7 @@
           <p:cNvPr id="2" name="제목 1">
             <a:extLst>
               <a:ext uri="{FF2B5EF4-FFF2-40B4-BE49-F238E27FC236}">
-                <a16:creationId xmlns:a16="http://schemas.microsoft.com/office/drawing/2014/main" xmlns="" id="{9D060326-4BF5-4949-BF8D-896561BF0EE3}"/>
+                <a16:creationId xmlns:a16="http://schemas.microsoft.com/office/drawing/2014/main" id="{9D060326-4BF5-4949-BF8D-896561BF0EE3}"/>
               </a:ext>
             </a:extLst>
           </p:cNvPr>
@@ -1934,7 +1950,7 @@
           <p:cNvPr id="3" name="날짜 개체 틀 2">
             <a:extLst>
               <a:ext uri="{FF2B5EF4-FFF2-40B4-BE49-F238E27FC236}">
-                <a16:creationId xmlns:a16="http://schemas.microsoft.com/office/drawing/2014/main" xmlns="" id="{B3F37F61-0E6E-4426-8FA6-85C945DA6170}"/>
+                <a16:creationId xmlns:a16="http://schemas.microsoft.com/office/drawing/2014/main" id="{B3F37F61-0E6E-4426-8FA6-85C945DA6170}"/>
               </a:ext>
             </a:extLst>
           </p:cNvPr>
@@ -1952,7 +1968,7 @@
           <a:p>
             <a:fld id="{AF83E163-FBD7-42B7-B3E5-75ED40F0AE29}" type="datetimeFigureOut">
               <a:rPr lang="ko-KR" altLang="en-US" smtClean="0"/>
-              <a:t>2021-06-20</a:t>
+              <a:t>2021-06-24</a:t>
             </a:fld>
             <a:endParaRPr lang="ko-KR" altLang="en-US"/>
           </a:p>
@@ -1963,7 +1979,7 @@
           <p:cNvPr id="4" name="바닥글 개체 틀 3">
             <a:extLst>
               <a:ext uri="{FF2B5EF4-FFF2-40B4-BE49-F238E27FC236}">
-                <a16:creationId xmlns:a16="http://schemas.microsoft.com/office/drawing/2014/main" xmlns="" id="{E8AC3201-8657-437B-918D-6E78CF23686B}"/>
+                <a16:creationId xmlns:a16="http://schemas.microsoft.com/office/drawing/2014/main" id="{E8AC3201-8657-437B-918D-6E78CF23686B}"/>
               </a:ext>
             </a:extLst>
           </p:cNvPr>
@@ -1988,7 +2004,7 @@
           <p:cNvPr id="5" name="슬라이드 번호 개체 틀 4">
             <a:extLst>
               <a:ext uri="{FF2B5EF4-FFF2-40B4-BE49-F238E27FC236}">
-                <a16:creationId xmlns:a16="http://schemas.microsoft.com/office/drawing/2014/main" xmlns="" id="{BE6234A5-48EE-4716-8DF0-6AE13E188852}"/>
+                <a16:creationId xmlns:a16="http://schemas.microsoft.com/office/drawing/2014/main" id="{BE6234A5-48EE-4716-8DF0-6AE13E188852}"/>
               </a:ext>
             </a:extLst>
           </p:cNvPr>
@@ -2047,7 +2063,7 @@
           <p:cNvPr id="2" name="날짜 개체 틀 1">
             <a:extLst>
               <a:ext uri="{FF2B5EF4-FFF2-40B4-BE49-F238E27FC236}">
-                <a16:creationId xmlns:a16="http://schemas.microsoft.com/office/drawing/2014/main" xmlns="" id="{D98D62B5-BB49-4138-8D18-2DB48EAF4566}"/>
+                <a16:creationId xmlns:a16="http://schemas.microsoft.com/office/drawing/2014/main" id="{D98D62B5-BB49-4138-8D18-2DB48EAF4566}"/>
               </a:ext>
             </a:extLst>
           </p:cNvPr>
@@ -2065,7 +2081,7 @@
           <a:p>
             <a:fld id="{AF83E163-FBD7-42B7-B3E5-75ED40F0AE29}" type="datetimeFigureOut">
               <a:rPr lang="ko-KR" altLang="en-US" smtClean="0"/>
-              <a:t>2021-06-20</a:t>
+              <a:t>2021-06-24</a:t>
             </a:fld>
             <a:endParaRPr lang="ko-KR" altLang="en-US"/>
           </a:p>
@@ -2076,7 +2092,7 @@
           <p:cNvPr id="3" name="바닥글 개체 틀 2">
             <a:extLst>
               <a:ext uri="{FF2B5EF4-FFF2-40B4-BE49-F238E27FC236}">
-                <a16:creationId xmlns:a16="http://schemas.microsoft.com/office/drawing/2014/main" xmlns="" id="{DA146E9D-97D1-4728-8774-72F7E02EF902}"/>
+                <a16:creationId xmlns:a16="http://schemas.microsoft.com/office/drawing/2014/main" id="{DA146E9D-97D1-4728-8774-72F7E02EF902}"/>
               </a:ext>
             </a:extLst>
           </p:cNvPr>
@@ -2101,7 +2117,7 @@
           <p:cNvPr id="4" name="슬라이드 번호 개체 틀 3">
             <a:extLst>
               <a:ext uri="{FF2B5EF4-FFF2-40B4-BE49-F238E27FC236}">
-                <a16:creationId xmlns:a16="http://schemas.microsoft.com/office/drawing/2014/main" xmlns="" id="{8CC4D20B-E411-49C1-A706-CCDB3EFA69DF}"/>
+                <a16:creationId xmlns:a16="http://schemas.microsoft.com/office/drawing/2014/main" id="{8CC4D20B-E411-49C1-A706-CCDB3EFA69DF}"/>
               </a:ext>
             </a:extLst>
           </p:cNvPr>
@@ -2160,7 +2176,7 @@
           <p:cNvPr id="2" name="제목 1">
             <a:extLst>
               <a:ext uri="{FF2B5EF4-FFF2-40B4-BE49-F238E27FC236}">
-                <a16:creationId xmlns:a16="http://schemas.microsoft.com/office/drawing/2014/main" xmlns="" id="{68258BC8-1A91-42E4-8FB8-34C5E46C7D86}"/>
+                <a16:creationId xmlns:a16="http://schemas.microsoft.com/office/drawing/2014/main" id="{68258BC8-1A91-42E4-8FB8-34C5E46C7D86}"/>
               </a:ext>
             </a:extLst>
           </p:cNvPr>
@@ -2197,7 +2213,7 @@
           <p:cNvPr id="3" name="내용 개체 틀 2">
             <a:extLst>
               <a:ext uri="{FF2B5EF4-FFF2-40B4-BE49-F238E27FC236}">
-                <a16:creationId xmlns:a16="http://schemas.microsoft.com/office/drawing/2014/main" xmlns="" id="{BC736289-F402-4771-BF37-89CFFD7A7621}"/>
+                <a16:creationId xmlns:a16="http://schemas.microsoft.com/office/drawing/2014/main" id="{BC736289-F402-4771-BF37-89CFFD7A7621}"/>
               </a:ext>
             </a:extLst>
           </p:cNvPr>
@@ -2287,7 +2303,7 @@
           <p:cNvPr id="4" name="텍스트 개체 틀 3">
             <a:extLst>
               <a:ext uri="{FF2B5EF4-FFF2-40B4-BE49-F238E27FC236}">
-                <a16:creationId xmlns:a16="http://schemas.microsoft.com/office/drawing/2014/main" xmlns="" id="{304F4A5F-6F27-4E56-88D7-A83A9ABE3786}"/>
+                <a16:creationId xmlns:a16="http://schemas.microsoft.com/office/drawing/2014/main" id="{304F4A5F-6F27-4E56-88D7-A83A9ABE3786}"/>
               </a:ext>
             </a:extLst>
           </p:cNvPr>
@@ -2358,7 +2374,7 @@
           <p:cNvPr id="5" name="날짜 개체 틀 4">
             <a:extLst>
               <a:ext uri="{FF2B5EF4-FFF2-40B4-BE49-F238E27FC236}">
-                <a16:creationId xmlns:a16="http://schemas.microsoft.com/office/drawing/2014/main" xmlns="" id="{506B1F13-C0FA-4F6A-A772-19D0E5BF5D77}"/>
+                <a16:creationId xmlns:a16="http://schemas.microsoft.com/office/drawing/2014/main" id="{506B1F13-C0FA-4F6A-A772-19D0E5BF5D77}"/>
               </a:ext>
             </a:extLst>
           </p:cNvPr>
@@ -2376,7 +2392,7 @@
           <a:p>
             <a:fld id="{AF83E163-FBD7-42B7-B3E5-75ED40F0AE29}" type="datetimeFigureOut">
               <a:rPr lang="ko-KR" altLang="en-US" smtClean="0"/>
-              <a:t>2021-06-20</a:t>
+              <a:t>2021-06-24</a:t>
             </a:fld>
             <a:endParaRPr lang="ko-KR" altLang="en-US"/>
           </a:p>
@@ -2387,7 +2403,7 @@
           <p:cNvPr id="6" name="바닥글 개체 틀 5">
             <a:extLst>
               <a:ext uri="{FF2B5EF4-FFF2-40B4-BE49-F238E27FC236}">
-                <a16:creationId xmlns:a16="http://schemas.microsoft.com/office/drawing/2014/main" xmlns="" id="{75AC497D-7ABD-43D6-9995-36B79CC85A4D}"/>
+                <a16:creationId xmlns:a16="http://schemas.microsoft.com/office/drawing/2014/main" id="{75AC497D-7ABD-43D6-9995-36B79CC85A4D}"/>
               </a:ext>
             </a:extLst>
           </p:cNvPr>
@@ -2412,7 +2428,7 @@
           <p:cNvPr id="7" name="슬라이드 번호 개체 틀 6">
             <a:extLst>
               <a:ext uri="{FF2B5EF4-FFF2-40B4-BE49-F238E27FC236}">
-                <a16:creationId xmlns:a16="http://schemas.microsoft.com/office/drawing/2014/main" xmlns="" id="{3403DF1E-0244-4581-8877-36791A7115E8}"/>
+                <a16:creationId xmlns:a16="http://schemas.microsoft.com/office/drawing/2014/main" id="{3403DF1E-0244-4581-8877-36791A7115E8}"/>
               </a:ext>
             </a:extLst>
           </p:cNvPr>
@@ -2471,7 +2487,7 @@
           <p:cNvPr id="2" name="제목 1">
             <a:extLst>
               <a:ext uri="{FF2B5EF4-FFF2-40B4-BE49-F238E27FC236}">
-                <a16:creationId xmlns:a16="http://schemas.microsoft.com/office/drawing/2014/main" xmlns="" id="{174037CD-5DF6-42DB-97FD-77A2ACFF2358}"/>
+                <a16:creationId xmlns:a16="http://schemas.microsoft.com/office/drawing/2014/main" id="{174037CD-5DF6-42DB-97FD-77A2ACFF2358}"/>
               </a:ext>
             </a:extLst>
           </p:cNvPr>
@@ -2508,7 +2524,7 @@
           <p:cNvPr id="3" name="그림 개체 틀 2">
             <a:extLst>
               <a:ext uri="{FF2B5EF4-FFF2-40B4-BE49-F238E27FC236}">
-                <a16:creationId xmlns:a16="http://schemas.microsoft.com/office/drawing/2014/main" xmlns="" id="{67591FC1-D4AA-4ED0-87F5-9E6A83A604C8}"/>
+                <a16:creationId xmlns:a16="http://schemas.microsoft.com/office/drawing/2014/main" id="{67591FC1-D4AA-4ED0-87F5-9E6A83A604C8}"/>
               </a:ext>
             </a:extLst>
           </p:cNvPr>
@@ -2575,7 +2591,7 @@
           <p:cNvPr id="4" name="텍스트 개체 틀 3">
             <a:extLst>
               <a:ext uri="{FF2B5EF4-FFF2-40B4-BE49-F238E27FC236}">
-                <a16:creationId xmlns:a16="http://schemas.microsoft.com/office/drawing/2014/main" xmlns="" id="{6A498104-496D-4C37-A787-720D488B6320}"/>
+                <a16:creationId xmlns:a16="http://schemas.microsoft.com/office/drawing/2014/main" id="{6A498104-496D-4C37-A787-720D488B6320}"/>
               </a:ext>
             </a:extLst>
           </p:cNvPr>
@@ -2646,7 +2662,7 @@
           <p:cNvPr id="5" name="날짜 개체 틀 4">
             <a:extLst>
               <a:ext uri="{FF2B5EF4-FFF2-40B4-BE49-F238E27FC236}">
-                <a16:creationId xmlns:a16="http://schemas.microsoft.com/office/drawing/2014/main" xmlns="" id="{56F3DEA0-1360-4636-B855-7ECD87EABCF8}"/>
+                <a16:creationId xmlns:a16="http://schemas.microsoft.com/office/drawing/2014/main" id="{56F3DEA0-1360-4636-B855-7ECD87EABCF8}"/>
               </a:ext>
             </a:extLst>
           </p:cNvPr>
@@ -2664,7 +2680,7 @@
           <a:p>
             <a:fld id="{AF83E163-FBD7-42B7-B3E5-75ED40F0AE29}" type="datetimeFigureOut">
               <a:rPr lang="ko-KR" altLang="en-US" smtClean="0"/>
-              <a:t>2021-06-20</a:t>
+              <a:t>2021-06-24</a:t>
             </a:fld>
             <a:endParaRPr lang="ko-KR" altLang="en-US"/>
           </a:p>
@@ -2675,7 +2691,7 @@
           <p:cNvPr id="6" name="바닥글 개체 틀 5">
             <a:extLst>
               <a:ext uri="{FF2B5EF4-FFF2-40B4-BE49-F238E27FC236}">
-                <a16:creationId xmlns:a16="http://schemas.microsoft.com/office/drawing/2014/main" xmlns="" id="{6B59E623-02CB-44BD-9E6B-342C7FCBDDAD}"/>
+                <a16:creationId xmlns:a16="http://schemas.microsoft.com/office/drawing/2014/main" id="{6B59E623-02CB-44BD-9E6B-342C7FCBDDAD}"/>
               </a:ext>
             </a:extLst>
           </p:cNvPr>
@@ -2700,7 +2716,7 @@
           <p:cNvPr id="7" name="슬라이드 번호 개체 틀 6">
             <a:extLst>
               <a:ext uri="{FF2B5EF4-FFF2-40B4-BE49-F238E27FC236}">
-                <a16:creationId xmlns:a16="http://schemas.microsoft.com/office/drawing/2014/main" xmlns="" id="{BDC258C1-96BD-4302-9D9F-E0AD6540EFEF}"/>
+                <a16:creationId xmlns:a16="http://schemas.microsoft.com/office/drawing/2014/main" id="{BDC258C1-96BD-4302-9D9F-E0AD6540EFEF}"/>
               </a:ext>
             </a:extLst>
           </p:cNvPr>
@@ -2764,7 +2780,7 @@
           <p:cNvPr id="2" name="제목 개체 틀 1">
             <a:extLst>
               <a:ext uri="{FF2B5EF4-FFF2-40B4-BE49-F238E27FC236}">
-                <a16:creationId xmlns:a16="http://schemas.microsoft.com/office/drawing/2014/main" xmlns="" id="{6FB88E9D-D2DC-4108-9170-BE4E5197ADB4}"/>
+                <a16:creationId xmlns:a16="http://schemas.microsoft.com/office/drawing/2014/main" id="{6FB88E9D-D2DC-4108-9170-BE4E5197ADB4}"/>
               </a:ext>
             </a:extLst>
           </p:cNvPr>
@@ -2802,7 +2818,7 @@
           <p:cNvPr id="3" name="텍스트 개체 틀 2">
             <a:extLst>
               <a:ext uri="{FF2B5EF4-FFF2-40B4-BE49-F238E27FC236}">
-                <a16:creationId xmlns:a16="http://schemas.microsoft.com/office/drawing/2014/main" xmlns="" id="{0AF6BCC4-DD9C-48D7-A5CF-DF568D10DDD2}"/>
+                <a16:creationId xmlns:a16="http://schemas.microsoft.com/office/drawing/2014/main" id="{0AF6BCC4-DD9C-48D7-A5CF-DF568D10DDD2}"/>
               </a:ext>
             </a:extLst>
           </p:cNvPr>
@@ -2869,7 +2885,7 @@
           <p:cNvPr id="4" name="날짜 개체 틀 3">
             <a:extLst>
               <a:ext uri="{FF2B5EF4-FFF2-40B4-BE49-F238E27FC236}">
-                <a16:creationId xmlns:a16="http://schemas.microsoft.com/office/drawing/2014/main" xmlns="" id="{8E874712-A6E2-41CF-9E56-7FB6E84B0E5C}"/>
+                <a16:creationId xmlns:a16="http://schemas.microsoft.com/office/drawing/2014/main" id="{8E874712-A6E2-41CF-9E56-7FB6E84B0E5C}"/>
               </a:ext>
             </a:extLst>
           </p:cNvPr>
@@ -2905,7 +2921,7 @@
           <a:p>
             <a:fld id="{AF83E163-FBD7-42B7-B3E5-75ED40F0AE29}" type="datetimeFigureOut">
               <a:rPr lang="ko-KR" altLang="en-US" smtClean="0"/>
-              <a:t>2021-06-20</a:t>
+              <a:t>2021-06-24</a:t>
             </a:fld>
             <a:endParaRPr lang="ko-KR" altLang="en-US"/>
           </a:p>
@@ -2916,7 +2932,7 @@
           <p:cNvPr id="5" name="바닥글 개체 틀 4">
             <a:extLst>
               <a:ext uri="{FF2B5EF4-FFF2-40B4-BE49-F238E27FC236}">
-                <a16:creationId xmlns:a16="http://schemas.microsoft.com/office/drawing/2014/main" xmlns="" id="{863AEF45-0C54-4695-801C-B83F0371BDB6}"/>
+                <a16:creationId xmlns:a16="http://schemas.microsoft.com/office/drawing/2014/main" id="{863AEF45-0C54-4695-801C-B83F0371BDB6}"/>
               </a:ext>
             </a:extLst>
           </p:cNvPr>
@@ -2959,7 +2975,7 @@
           <p:cNvPr id="6" name="슬라이드 번호 개체 틀 5">
             <a:extLst>
               <a:ext uri="{FF2B5EF4-FFF2-40B4-BE49-F238E27FC236}">
-                <a16:creationId xmlns:a16="http://schemas.microsoft.com/office/drawing/2014/main" xmlns="" id="{33531DB1-C1A1-4B23-835A-60CAFDB9DD6B}"/>
+                <a16:creationId xmlns:a16="http://schemas.microsoft.com/office/drawing/2014/main" id="{33531DB1-C1A1-4B23-835A-60CAFDB9DD6B}"/>
               </a:ext>
             </a:extLst>
           </p:cNvPr>
@@ -3327,7 +3343,7 @@
           <p:cNvPr id="4" name="직사각형 3">
             <a:extLst>
               <a:ext uri="{FF2B5EF4-FFF2-40B4-BE49-F238E27FC236}">
-                <a16:creationId xmlns:a16="http://schemas.microsoft.com/office/drawing/2014/main" xmlns="" id="{7FCC0554-9C1C-4188-BE6B-D9EFED8A7BA2}"/>
+                <a16:creationId xmlns:a16="http://schemas.microsoft.com/office/drawing/2014/main" id="{7FCC0554-9C1C-4188-BE6B-D9EFED8A7BA2}"/>
               </a:ext>
             </a:extLst>
           </p:cNvPr>
@@ -3377,7 +3393,7 @@
           <p:cNvPr id="15" name="직사각형 14">
             <a:extLst>
               <a:ext uri="{FF2B5EF4-FFF2-40B4-BE49-F238E27FC236}">
-                <a16:creationId xmlns:a16="http://schemas.microsoft.com/office/drawing/2014/main" xmlns="" id="{32444BD8-578C-4652-A6D1-9549BD5126E5}"/>
+                <a16:creationId xmlns:a16="http://schemas.microsoft.com/office/drawing/2014/main" id="{32444BD8-578C-4652-A6D1-9549BD5126E5}"/>
               </a:ext>
             </a:extLst>
           </p:cNvPr>
@@ -3423,7 +3439,7 @@
           <p:cNvPr id="7" name="직사각형 6">
             <a:extLst>
               <a:ext uri="{FF2B5EF4-FFF2-40B4-BE49-F238E27FC236}">
-                <a16:creationId xmlns:a16="http://schemas.microsoft.com/office/drawing/2014/main" xmlns="" id="{CAFB7B42-DA73-43AF-93E6-8D6FAA7A42E3}"/>
+                <a16:creationId xmlns:a16="http://schemas.microsoft.com/office/drawing/2014/main" id="{CAFB7B42-DA73-43AF-93E6-8D6FAA7A42E3}"/>
               </a:ext>
             </a:extLst>
           </p:cNvPr>
@@ -3473,7 +3489,7 @@
           <p:cNvPr id="8" name="직사각형 7">
             <a:extLst>
               <a:ext uri="{FF2B5EF4-FFF2-40B4-BE49-F238E27FC236}">
-                <a16:creationId xmlns:a16="http://schemas.microsoft.com/office/drawing/2014/main" xmlns="" id="{F2A02047-38B7-46CB-8833-13852E1C7DF0}"/>
+                <a16:creationId xmlns:a16="http://schemas.microsoft.com/office/drawing/2014/main" id="{F2A02047-38B7-46CB-8833-13852E1C7DF0}"/>
               </a:ext>
             </a:extLst>
           </p:cNvPr>
@@ -3546,7 +3562,7 @@
           <p:cNvPr id="18" name="직사각형 17">
             <a:extLst>
               <a:ext uri="{FF2B5EF4-FFF2-40B4-BE49-F238E27FC236}">
-                <a16:creationId xmlns:a16="http://schemas.microsoft.com/office/drawing/2014/main" xmlns="" id="{4B2A0FB5-993E-479A-85FB-9BB80515D45F}"/>
+                <a16:creationId xmlns:a16="http://schemas.microsoft.com/office/drawing/2014/main" id="{4B2A0FB5-993E-479A-85FB-9BB80515D45F}"/>
               </a:ext>
             </a:extLst>
           </p:cNvPr>
@@ -3598,7 +3614,7 @@
           <p:cNvPr id="19" name="직사각형 18">
             <a:extLst>
               <a:ext uri="{FF2B5EF4-FFF2-40B4-BE49-F238E27FC236}">
-                <a16:creationId xmlns:a16="http://schemas.microsoft.com/office/drawing/2014/main" xmlns="" id="{8C1E69F7-E17F-4CDB-ADB8-7D31DFF70EF8}"/>
+                <a16:creationId xmlns:a16="http://schemas.microsoft.com/office/drawing/2014/main" id="{8C1E69F7-E17F-4CDB-ADB8-7D31DFF70EF8}"/>
               </a:ext>
             </a:extLst>
           </p:cNvPr>
@@ -3650,7 +3666,7 @@
           <p:cNvPr id="5" name="직사각형 4">
             <a:extLst>
               <a:ext uri="{FF2B5EF4-FFF2-40B4-BE49-F238E27FC236}">
-                <a16:creationId xmlns:a16="http://schemas.microsoft.com/office/drawing/2014/main" xmlns="" id="{DF4A529C-CEA8-4248-8CA9-E9CEE8D611BE}"/>
+                <a16:creationId xmlns:a16="http://schemas.microsoft.com/office/drawing/2014/main" id="{DF4A529C-CEA8-4248-8CA9-E9CEE8D611BE}"/>
               </a:ext>
             </a:extLst>
           </p:cNvPr>
@@ -3699,7 +3715,7 @@
           <p:cNvPr id="22" name="직사각형 21">
             <a:extLst>
               <a:ext uri="{FF2B5EF4-FFF2-40B4-BE49-F238E27FC236}">
-                <a16:creationId xmlns:a16="http://schemas.microsoft.com/office/drawing/2014/main" xmlns="" id="{0DA3DC81-7144-44D3-8D05-08E951DEB844}"/>
+                <a16:creationId xmlns:a16="http://schemas.microsoft.com/office/drawing/2014/main" id="{0DA3DC81-7144-44D3-8D05-08E951DEB844}"/>
               </a:ext>
             </a:extLst>
           </p:cNvPr>
@@ -3748,7 +3764,7 @@
           <p:cNvPr id="23" name="직사각형 22">
             <a:extLst>
               <a:ext uri="{FF2B5EF4-FFF2-40B4-BE49-F238E27FC236}">
-                <a16:creationId xmlns:a16="http://schemas.microsoft.com/office/drawing/2014/main" xmlns="" id="{954ABD9C-6B6E-4629-A093-6B08A6F5B2AA}"/>
+                <a16:creationId xmlns:a16="http://schemas.microsoft.com/office/drawing/2014/main" id="{954ABD9C-6B6E-4629-A093-6B08A6F5B2AA}"/>
               </a:ext>
             </a:extLst>
           </p:cNvPr>
@@ -3797,7 +3813,7 @@
           <p:cNvPr id="6" name="직사각형 5">
             <a:extLst>
               <a:ext uri="{FF2B5EF4-FFF2-40B4-BE49-F238E27FC236}">
-                <a16:creationId xmlns:a16="http://schemas.microsoft.com/office/drawing/2014/main" xmlns="" id="{0B551ABD-0C3E-4B89-8892-411A5019CD30}"/>
+                <a16:creationId xmlns:a16="http://schemas.microsoft.com/office/drawing/2014/main" id="{0B551ABD-0C3E-4B89-8892-411A5019CD30}"/>
               </a:ext>
             </a:extLst>
           </p:cNvPr>
@@ -3854,7 +3870,7 @@
           <p:cNvPr id="25" name="직사각형 24">
             <a:extLst>
               <a:ext uri="{FF2B5EF4-FFF2-40B4-BE49-F238E27FC236}">
-                <a16:creationId xmlns:a16="http://schemas.microsoft.com/office/drawing/2014/main" xmlns="" id="{CD20D9BA-484E-4A96-BFDD-608AAEC0034C}"/>
+                <a16:creationId xmlns:a16="http://schemas.microsoft.com/office/drawing/2014/main" id="{CD20D9BA-484E-4A96-BFDD-608AAEC0034C}"/>
               </a:ext>
             </a:extLst>
           </p:cNvPr>
@@ -3912,7 +3928,7 @@
           <p:cNvPr id="26" name="직사각형 25">
             <a:extLst>
               <a:ext uri="{FF2B5EF4-FFF2-40B4-BE49-F238E27FC236}">
-                <a16:creationId xmlns:a16="http://schemas.microsoft.com/office/drawing/2014/main" xmlns="" id="{0589F64C-66B2-4781-B009-C81DE02230BE}"/>
+                <a16:creationId xmlns:a16="http://schemas.microsoft.com/office/drawing/2014/main" id="{0589F64C-66B2-4781-B009-C81DE02230BE}"/>
               </a:ext>
             </a:extLst>
           </p:cNvPr>
@@ -3970,7 +3986,7 @@
           <p:cNvPr id="33" name="그림 32">
             <a:extLst>
               <a:ext uri="{FF2B5EF4-FFF2-40B4-BE49-F238E27FC236}">
-                <a16:creationId xmlns:a16="http://schemas.microsoft.com/office/drawing/2014/main" xmlns="" id="{3B662A48-D5E8-46C7-A613-7F0AE7BBCEB3}"/>
+                <a16:creationId xmlns:a16="http://schemas.microsoft.com/office/drawing/2014/main" id="{3B662A48-D5E8-46C7-A613-7F0AE7BBCEB3}"/>
               </a:ext>
             </a:extLst>
           </p:cNvPr>
@@ -3999,7 +4015,7 @@
           <p:cNvPr id="13" name="직사각형 12">
             <a:extLst>
               <a:ext uri="{FF2B5EF4-FFF2-40B4-BE49-F238E27FC236}">
-                <a16:creationId xmlns:a16="http://schemas.microsoft.com/office/drawing/2014/main" xmlns="" id="{617A50F4-C826-4E04-9D81-1D4BA00084B8}"/>
+                <a16:creationId xmlns:a16="http://schemas.microsoft.com/office/drawing/2014/main" id="{617A50F4-C826-4E04-9D81-1D4BA00084B8}"/>
               </a:ext>
             </a:extLst>
           </p:cNvPr>
@@ -4075,7 +4091,7 @@
           <p:cNvPr id="14" name="직사각형 13">
             <a:extLst>
               <a:ext uri="{FF2B5EF4-FFF2-40B4-BE49-F238E27FC236}">
-                <a16:creationId xmlns:a16="http://schemas.microsoft.com/office/drawing/2014/main" xmlns="" id="{781553B8-0460-4CB6-842D-A930D51E2172}"/>
+                <a16:creationId xmlns:a16="http://schemas.microsoft.com/office/drawing/2014/main" id="{781553B8-0460-4CB6-842D-A930D51E2172}"/>
               </a:ext>
             </a:extLst>
           </p:cNvPr>
@@ -4151,7 +4167,7 @@
           <p:cNvPr id="20" name="직사각형 19">
             <a:extLst>
               <a:ext uri="{FF2B5EF4-FFF2-40B4-BE49-F238E27FC236}">
-                <a16:creationId xmlns:a16="http://schemas.microsoft.com/office/drawing/2014/main" xmlns="" id="{DB433129-E1E7-4D41-99AE-C5677B5D9EDC}"/>
+                <a16:creationId xmlns:a16="http://schemas.microsoft.com/office/drawing/2014/main" id="{DB433129-E1E7-4D41-99AE-C5677B5D9EDC}"/>
               </a:ext>
             </a:extLst>
           </p:cNvPr>
@@ -4200,7 +4216,7 @@
           <p:cNvPr id="21" name="직사각형 20">
             <a:extLst>
               <a:ext uri="{FF2B5EF4-FFF2-40B4-BE49-F238E27FC236}">
-                <a16:creationId xmlns:a16="http://schemas.microsoft.com/office/drawing/2014/main" xmlns="" id="{524BB07A-CA6F-4545-A290-C1647F832260}"/>
+                <a16:creationId xmlns:a16="http://schemas.microsoft.com/office/drawing/2014/main" id="{524BB07A-CA6F-4545-A290-C1647F832260}"/>
               </a:ext>
             </a:extLst>
           </p:cNvPr>
@@ -4249,7 +4265,7 @@
           <p:cNvPr id="36" name="직사각형 35">
             <a:extLst>
               <a:ext uri="{FF2B5EF4-FFF2-40B4-BE49-F238E27FC236}">
-                <a16:creationId xmlns:a16="http://schemas.microsoft.com/office/drawing/2014/main" xmlns="" id="{8B6E51E2-8A5E-4351-BF1B-668341C809F8}"/>
+                <a16:creationId xmlns:a16="http://schemas.microsoft.com/office/drawing/2014/main" id="{8B6E51E2-8A5E-4351-BF1B-668341C809F8}"/>
               </a:ext>
             </a:extLst>
           </p:cNvPr>
@@ -4301,7 +4317,7 @@
           <p:cNvPr id="37" name="직사각형 36">
             <a:extLst>
               <a:ext uri="{FF2B5EF4-FFF2-40B4-BE49-F238E27FC236}">
-                <a16:creationId xmlns:a16="http://schemas.microsoft.com/office/drawing/2014/main" xmlns="" id="{6EBE8186-4FCB-4464-BF2B-7D26D89F5661}"/>
+                <a16:creationId xmlns:a16="http://schemas.microsoft.com/office/drawing/2014/main" id="{6EBE8186-4FCB-4464-BF2B-7D26D89F5661}"/>
               </a:ext>
             </a:extLst>
           </p:cNvPr>
@@ -4350,7 +4366,7 @@
           <p:cNvPr id="38" name="직사각형 37">
             <a:extLst>
               <a:ext uri="{FF2B5EF4-FFF2-40B4-BE49-F238E27FC236}">
-                <a16:creationId xmlns:a16="http://schemas.microsoft.com/office/drawing/2014/main" xmlns="" id="{D2D33256-2616-4945-AB1D-BD49A0E27776}"/>
+                <a16:creationId xmlns:a16="http://schemas.microsoft.com/office/drawing/2014/main" id="{D2D33256-2616-4945-AB1D-BD49A0E27776}"/>
               </a:ext>
             </a:extLst>
           </p:cNvPr>
@@ -4400,7 +4416,7 @@
           <p:cNvPr id="39" name="직사각형 38">
             <a:extLst>
               <a:ext uri="{FF2B5EF4-FFF2-40B4-BE49-F238E27FC236}">
-                <a16:creationId xmlns:a16="http://schemas.microsoft.com/office/drawing/2014/main" xmlns="" id="{93B7B6E9-F5EC-4A3A-971F-E59D88696885}"/>
+                <a16:creationId xmlns:a16="http://schemas.microsoft.com/office/drawing/2014/main" id="{93B7B6E9-F5EC-4A3A-971F-E59D88696885}"/>
               </a:ext>
             </a:extLst>
           </p:cNvPr>
@@ -4452,7 +4468,7 @@
           <p:cNvPr id="40" name="직사각형 39">
             <a:extLst>
               <a:ext uri="{FF2B5EF4-FFF2-40B4-BE49-F238E27FC236}">
-                <a16:creationId xmlns:a16="http://schemas.microsoft.com/office/drawing/2014/main" xmlns="" id="{7083E5CD-D813-4B27-AF2B-E3588A422E5E}"/>
+                <a16:creationId xmlns:a16="http://schemas.microsoft.com/office/drawing/2014/main" id="{7083E5CD-D813-4B27-AF2B-E3588A422E5E}"/>
               </a:ext>
             </a:extLst>
           </p:cNvPr>
@@ -4501,7 +4517,7 @@
           <p:cNvPr id="41" name="직사각형 40">
             <a:extLst>
               <a:ext uri="{FF2B5EF4-FFF2-40B4-BE49-F238E27FC236}">
-                <a16:creationId xmlns:a16="http://schemas.microsoft.com/office/drawing/2014/main" xmlns="" id="{AA011D08-46D9-4131-8BC6-6CE41E1913A7}"/>
+                <a16:creationId xmlns:a16="http://schemas.microsoft.com/office/drawing/2014/main" id="{AA011D08-46D9-4131-8BC6-6CE41E1913A7}"/>
               </a:ext>
             </a:extLst>
           </p:cNvPr>
@@ -4551,7 +4567,7 @@
           <p:cNvPr id="42" name="직사각형 41">
             <a:extLst>
               <a:ext uri="{FF2B5EF4-FFF2-40B4-BE49-F238E27FC236}">
-                <a16:creationId xmlns:a16="http://schemas.microsoft.com/office/drawing/2014/main" xmlns="" id="{FEE6448A-5DD4-4852-8B2D-FDA4E3E169D2}"/>
+                <a16:creationId xmlns:a16="http://schemas.microsoft.com/office/drawing/2014/main" id="{FEE6448A-5DD4-4852-8B2D-FDA4E3E169D2}"/>
               </a:ext>
             </a:extLst>
           </p:cNvPr>
@@ -4603,7 +4619,7 @@
           <p:cNvPr id="43" name="직사각형 42">
             <a:extLst>
               <a:ext uri="{FF2B5EF4-FFF2-40B4-BE49-F238E27FC236}">
-                <a16:creationId xmlns:a16="http://schemas.microsoft.com/office/drawing/2014/main" xmlns="" id="{44FB13AB-C83C-44AB-97E3-A819C5197C84}"/>
+                <a16:creationId xmlns:a16="http://schemas.microsoft.com/office/drawing/2014/main" id="{44FB13AB-C83C-44AB-97E3-A819C5197C84}"/>
               </a:ext>
             </a:extLst>
           </p:cNvPr>
@@ -4652,7 +4668,7 @@
           <p:cNvPr id="44" name="직사각형 43">
             <a:extLst>
               <a:ext uri="{FF2B5EF4-FFF2-40B4-BE49-F238E27FC236}">
-                <a16:creationId xmlns:a16="http://schemas.microsoft.com/office/drawing/2014/main" xmlns="" id="{19AB7D70-4E17-48B5-80F9-4EC509BE4EF7}"/>
+                <a16:creationId xmlns:a16="http://schemas.microsoft.com/office/drawing/2014/main" id="{19AB7D70-4E17-48B5-80F9-4EC509BE4EF7}"/>
               </a:ext>
             </a:extLst>
           </p:cNvPr>
@@ -4702,7 +4718,7 @@
           <p:cNvPr id="55" name="직사각형 54">
             <a:extLst>
               <a:ext uri="{FF2B5EF4-FFF2-40B4-BE49-F238E27FC236}">
-                <a16:creationId xmlns:a16="http://schemas.microsoft.com/office/drawing/2014/main" xmlns="" id="{01B17684-597B-4FD5-947E-34B07FAC167F}"/>
+                <a16:creationId xmlns:a16="http://schemas.microsoft.com/office/drawing/2014/main" id="{01B17684-597B-4FD5-947E-34B07FAC167F}"/>
               </a:ext>
             </a:extLst>
           </p:cNvPr>
@@ -4751,7 +4767,7 @@
           <p:cNvPr id="56" name="직사각형 55">
             <a:extLst>
               <a:ext uri="{FF2B5EF4-FFF2-40B4-BE49-F238E27FC236}">
-                <a16:creationId xmlns:a16="http://schemas.microsoft.com/office/drawing/2014/main" xmlns="" id="{1E23C401-8569-425A-99A8-E1C21031929C}"/>
+                <a16:creationId xmlns:a16="http://schemas.microsoft.com/office/drawing/2014/main" id="{1E23C401-8569-425A-99A8-E1C21031929C}"/>
               </a:ext>
             </a:extLst>
           </p:cNvPr>
@@ -4819,7 +4835,7 @@
           <p:cNvPr id="57" name="직사각형 56">
             <a:extLst>
               <a:ext uri="{FF2B5EF4-FFF2-40B4-BE49-F238E27FC236}">
-                <a16:creationId xmlns:a16="http://schemas.microsoft.com/office/drawing/2014/main" xmlns="" id="{60A520DA-CA03-419B-A28A-221FE3084621}"/>
+                <a16:creationId xmlns:a16="http://schemas.microsoft.com/office/drawing/2014/main" id="{60A520DA-CA03-419B-A28A-221FE3084621}"/>
               </a:ext>
             </a:extLst>
           </p:cNvPr>
@@ -4868,7 +4884,7 @@
           <p:cNvPr id="59" name="직사각형 58">
             <a:extLst>
               <a:ext uri="{FF2B5EF4-FFF2-40B4-BE49-F238E27FC236}">
-                <a16:creationId xmlns:a16="http://schemas.microsoft.com/office/drawing/2014/main" xmlns="" id="{D1FDD95E-A577-4AA5-A8C7-6795AE4726B9}"/>
+                <a16:creationId xmlns:a16="http://schemas.microsoft.com/office/drawing/2014/main" id="{D1FDD95E-A577-4AA5-A8C7-6795AE4726B9}"/>
               </a:ext>
             </a:extLst>
           </p:cNvPr>
@@ -4928,7 +4944,7 @@
           <p:cNvPr id="60" name="직사각형 59">
             <a:extLst>
               <a:ext uri="{FF2B5EF4-FFF2-40B4-BE49-F238E27FC236}">
-                <a16:creationId xmlns:a16="http://schemas.microsoft.com/office/drawing/2014/main" xmlns="" id="{A81D1C24-DAE1-4B1A-A86B-19F7DDEFE536}"/>
+                <a16:creationId xmlns:a16="http://schemas.microsoft.com/office/drawing/2014/main" id="{A81D1C24-DAE1-4B1A-A86B-19F7DDEFE536}"/>
               </a:ext>
             </a:extLst>
           </p:cNvPr>
@@ -4977,7 +4993,7 @@
           <p:cNvPr id="62" name="직사각형 61">
             <a:extLst>
               <a:ext uri="{FF2B5EF4-FFF2-40B4-BE49-F238E27FC236}">
-                <a16:creationId xmlns:a16="http://schemas.microsoft.com/office/drawing/2014/main" xmlns="" id="{769C978A-429C-4037-B17D-28183BD06B49}"/>
+                <a16:creationId xmlns:a16="http://schemas.microsoft.com/office/drawing/2014/main" id="{769C978A-429C-4037-B17D-28183BD06B49}"/>
               </a:ext>
             </a:extLst>
           </p:cNvPr>
@@ -5037,7 +5053,7 @@
           <p:cNvPr id="63" name="직사각형 62">
             <a:extLst>
               <a:ext uri="{FF2B5EF4-FFF2-40B4-BE49-F238E27FC236}">
-                <a16:creationId xmlns:a16="http://schemas.microsoft.com/office/drawing/2014/main" xmlns="" id="{32F70EFA-E9DC-4608-B17F-F04C727E7699}"/>
+                <a16:creationId xmlns:a16="http://schemas.microsoft.com/office/drawing/2014/main" id="{32F70EFA-E9DC-4608-B17F-F04C727E7699}"/>
               </a:ext>
             </a:extLst>
           </p:cNvPr>
@@ -5086,7 +5102,7 @@
           <p:cNvPr id="65" name="타원 64">
             <a:extLst>
               <a:ext uri="{FF2B5EF4-FFF2-40B4-BE49-F238E27FC236}">
-                <a16:creationId xmlns:a16="http://schemas.microsoft.com/office/drawing/2014/main" xmlns="" id="{6F5EDD28-6DC2-4787-A894-E0C7EAA417FA}"/>
+                <a16:creationId xmlns:a16="http://schemas.microsoft.com/office/drawing/2014/main" id="{6F5EDD28-6DC2-4787-A894-E0C7EAA417FA}"/>
               </a:ext>
             </a:extLst>
           </p:cNvPr>
@@ -5136,7 +5152,7 @@
           <p:cNvPr id="66" name="직사각형 65">
             <a:extLst>
               <a:ext uri="{FF2B5EF4-FFF2-40B4-BE49-F238E27FC236}">
-                <a16:creationId xmlns:a16="http://schemas.microsoft.com/office/drawing/2014/main" xmlns="" id="{6872134B-B62E-4929-855E-1B5476862633}"/>
+                <a16:creationId xmlns:a16="http://schemas.microsoft.com/office/drawing/2014/main" id="{6872134B-B62E-4929-855E-1B5476862633}"/>
               </a:ext>
             </a:extLst>
           </p:cNvPr>
@@ -5202,7 +5218,7 @@
           <p:cNvPr id="68" name="직사각형 67">
             <a:extLst>
               <a:ext uri="{FF2B5EF4-FFF2-40B4-BE49-F238E27FC236}">
-                <a16:creationId xmlns:a16="http://schemas.microsoft.com/office/drawing/2014/main" xmlns="" id="{ABEF8BB4-3B77-4FF6-8E38-C8678C101321}"/>
+                <a16:creationId xmlns:a16="http://schemas.microsoft.com/office/drawing/2014/main" id="{ABEF8BB4-3B77-4FF6-8E38-C8678C101321}"/>
               </a:ext>
             </a:extLst>
           </p:cNvPr>
@@ -5268,7 +5284,7 @@
           <p:cNvPr id="69" name="직사각형 68">
             <a:extLst>
               <a:ext uri="{FF2B5EF4-FFF2-40B4-BE49-F238E27FC236}">
-                <a16:creationId xmlns:a16="http://schemas.microsoft.com/office/drawing/2014/main" xmlns="" id="{E360B523-A066-40A4-BB51-16F96A6A94D7}"/>
+                <a16:creationId xmlns:a16="http://schemas.microsoft.com/office/drawing/2014/main" id="{E360B523-A066-40A4-BB51-16F96A6A94D7}"/>
               </a:ext>
             </a:extLst>
           </p:cNvPr>
@@ -5334,7 +5350,7 @@
           <p:cNvPr id="70" name="직사각형 69">
             <a:extLst>
               <a:ext uri="{FF2B5EF4-FFF2-40B4-BE49-F238E27FC236}">
-                <a16:creationId xmlns:a16="http://schemas.microsoft.com/office/drawing/2014/main" xmlns="" id="{F54115CA-917B-4574-A82F-583FA331ACDC}"/>
+                <a16:creationId xmlns:a16="http://schemas.microsoft.com/office/drawing/2014/main" id="{F54115CA-917B-4574-A82F-583FA331ACDC}"/>
               </a:ext>
             </a:extLst>
           </p:cNvPr>
@@ -5392,7 +5408,7 @@
           <p:cNvPr id="71" name="직사각형 70">
             <a:extLst>
               <a:ext uri="{FF2B5EF4-FFF2-40B4-BE49-F238E27FC236}">
-                <a16:creationId xmlns:a16="http://schemas.microsoft.com/office/drawing/2014/main" xmlns="" id="{E6F50F9A-B305-4C1A-A4E6-E54414C6691F}"/>
+                <a16:creationId xmlns:a16="http://schemas.microsoft.com/office/drawing/2014/main" id="{E6F50F9A-B305-4C1A-A4E6-E54414C6691F}"/>
               </a:ext>
             </a:extLst>
           </p:cNvPr>
@@ -5430,7 +5446,7 @@
           <a:p>
             <a:pPr algn="ctr"/>
             <a:r>
-              <a:rPr lang="ko-KR" altLang="en-US" sz="1000" dirty="0" err="1" smtClean="0"/>
+              <a:rPr lang="ko-KR" altLang="en-US" sz="1000" dirty="0" err="1"/>
               <a:t>상태창</a:t>
             </a:r>
             <a:endParaRPr lang="ko-KR" altLang="en-US" sz="1000" dirty="0"/>
@@ -5442,7 +5458,7 @@
           <p:cNvPr id="72" name="타원 71">
             <a:extLst>
               <a:ext uri="{FF2B5EF4-FFF2-40B4-BE49-F238E27FC236}">
-                <a16:creationId xmlns:a16="http://schemas.microsoft.com/office/drawing/2014/main" xmlns="" id="{2C680906-43C9-4C71-B45F-CEF82C5D2213}"/>
+                <a16:creationId xmlns:a16="http://schemas.microsoft.com/office/drawing/2014/main" id="{2C680906-43C9-4C71-B45F-CEF82C5D2213}"/>
               </a:ext>
             </a:extLst>
           </p:cNvPr>
@@ -5492,7 +5508,7 @@
           <p:cNvPr id="73" name="직사각형 72">
             <a:extLst>
               <a:ext uri="{FF2B5EF4-FFF2-40B4-BE49-F238E27FC236}">
-                <a16:creationId xmlns:a16="http://schemas.microsoft.com/office/drawing/2014/main" xmlns="" id="{C3AC6B8A-C29A-40DD-B35F-F65E6F66B05F}"/>
+                <a16:creationId xmlns:a16="http://schemas.microsoft.com/office/drawing/2014/main" id="{C3AC6B8A-C29A-40DD-B35F-F65E6F66B05F}"/>
               </a:ext>
             </a:extLst>
           </p:cNvPr>
@@ -5545,7 +5561,7 @@
           <p:cNvPr id="74" name="직사각형 73">
             <a:extLst>
               <a:ext uri="{FF2B5EF4-FFF2-40B4-BE49-F238E27FC236}">
-                <a16:creationId xmlns:a16="http://schemas.microsoft.com/office/drawing/2014/main" xmlns="" id="{6F013CB6-C648-4706-AA47-CC34D922AD52}"/>
+                <a16:creationId xmlns:a16="http://schemas.microsoft.com/office/drawing/2014/main" id="{6F013CB6-C648-4706-AA47-CC34D922AD52}"/>
               </a:ext>
             </a:extLst>
           </p:cNvPr>
@@ -5598,7 +5614,7 @@
           <p:cNvPr id="75" name="직사각형 74">
             <a:extLst>
               <a:ext uri="{FF2B5EF4-FFF2-40B4-BE49-F238E27FC236}">
-                <a16:creationId xmlns:a16="http://schemas.microsoft.com/office/drawing/2014/main" xmlns="" id="{9CCD6EC5-5D0A-4DC4-8F07-F98FB504F79B}"/>
+                <a16:creationId xmlns:a16="http://schemas.microsoft.com/office/drawing/2014/main" id="{9CCD6EC5-5D0A-4DC4-8F07-F98FB504F79B}"/>
               </a:ext>
             </a:extLst>
           </p:cNvPr>
@@ -5651,7 +5667,7 @@
           <p:cNvPr id="76" name="직사각형 75">
             <a:extLst>
               <a:ext uri="{FF2B5EF4-FFF2-40B4-BE49-F238E27FC236}">
-                <a16:creationId xmlns:a16="http://schemas.microsoft.com/office/drawing/2014/main" xmlns="" id="{40F93126-907B-44A5-B273-ED1E6092CB53}"/>
+                <a16:creationId xmlns:a16="http://schemas.microsoft.com/office/drawing/2014/main" id="{40F93126-907B-44A5-B273-ED1E6092CB53}"/>
               </a:ext>
             </a:extLst>
           </p:cNvPr>
@@ -5720,7 +5736,7 @@
           <p:cNvPr id="77" name="직사각형 76">
             <a:extLst>
               <a:ext uri="{FF2B5EF4-FFF2-40B4-BE49-F238E27FC236}">
-                <a16:creationId xmlns:a16="http://schemas.microsoft.com/office/drawing/2014/main" xmlns="" id="{9ECB35A4-7AB1-4A64-8F58-F9424E5C14C1}"/>
+                <a16:creationId xmlns:a16="http://schemas.microsoft.com/office/drawing/2014/main" id="{9ECB35A4-7AB1-4A64-8F58-F9424E5C14C1}"/>
               </a:ext>
             </a:extLst>
           </p:cNvPr>
@@ -5773,7 +5789,7 @@
           <p:cNvPr id="78" name="직사각형 77">
             <a:extLst>
               <a:ext uri="{FF2B5EF4-FFF2-40B4-BE49-F238E27FC236}">
-                <a16:creationId xmlns:a16="http://schemas.microsoft.com/office/drawing/2014/main" xmlns="" id="{DB67AF3E-95E5-46EB-A276-A1E59AEE51D0}"/>
+                <a16:creationId xmlns:a16="http://schemas.microsoft.com/office/drawing/2014/main" id="{DB67AF3E-95E5-46EB-A276-A1E59AEE51D0}"/>
               </a:ext>
             </a:extLst>
           </p:cNvPr>
@@ -5826,7 +5842,7 @@
           <p:cNvPr id="81" name="직사각형 80">
             <a:extLst>
               <a:ext uri="{FF2B5EF4-FFF2-40B4-BE49-F238E27FC236}">
-                <a16:creationId xmlns:a16="http://schemas.microsoft.com/office/drawing/2014/main" xmlns="" id="{B15874B6-479E-4D74-95FA-C8337494D65C}"/>
+                <a16:creationId xmlns:a16="http://schemas.microsoft.com/office/drawing/2014/main" id="{B15874B6-479E-4D74-95FA-C8337494D65C}"/>
               </a:ext>
             </a:extLst>
           </p:cNvPr>
@@ -5879,7 +5895,7 @@
           <p:cNvPr id="84" name="직사각형 83">
             <a:extLst>
               <a:ext uri="{FF2B5EF4-FFF2-40B4-BE49-F238E27FC236}">
-                <a16:creationId xmlns:a16="http://schemas.microsoft.com/office/drawing/2014/main" xmlns="" id="{E65D4DD3-6A7B-40E6-9641-272649AE70E5}"/>
+                <a16:creationId xmlns:a16="http://schemas.microsoft.com/office/drawing/2014/main" id="{E65D4DD3-6A7B-40E6-9641-272649AE70E5}"/>
               </a:ext>
             </a:extLst>
           </p:cNvPr>
@@ -5945,7 +5961,7 @@
           <p:cNvPr id="88" name="직사각형 87">
             <a:extLst>
               <a:ext uri="{FF2B5EF4-FFF2-40B4-BE49-F238E27FC236}">
-                <a16:creationId xmlns:a16="http://schemas.microsoft.com/office/drawing/2014/main" xmlns="" id="{5F8B4544-276F-4DF1-A4E5-A05D7C0EC1A0}"/>
+                <a16:creationId xmlns:a16="http://schemas.microsoft.com/office/drawing/2014/main" id="{5F8B4544-276F-4DF1-A4E5-A05D7C0EC1A0}"/>
               </a:ext>
             </a:extLst>
           </p:cNvPr>
@@ -6003,7 +6019,7 @@
           <p:cNvPr id="89" name="직사각형 88">
             <a:extLst>
               <a:ext uri="{FF2B5EF4-FFF2-40B4-BE49-F238E27FC236}">
-                <a16:creationId xmlns:a16="http://schemas.microsoft.com/office/drawing/2014/main" xmlns="" id="{A381535A-2D8A-404C-AF68-570969631203}"/>
+                <a16:creationId xmlns:a16="http://schemas.microsoft.com/office/drawing/2014/main" id="{A381535A-2D8A-404C-AF68-570969631203}"/>
               </a:ext>
             </a:extLst>
           </p:cNvPr>
@@ -6053,7 +6069,7 @@
           <p:cNvPr id="90" name="직사각형 89">
             <a:extLst>
               <a:ext uri="{FF2B5EF4-FFF2-40B4-BE49-F238E27FC236}">
-                <a16:creationId xmlns:a16="http://schemas.microsoft.com/office/drawing/2014/main" xmlns="" id="{9FCFBD19-89A4-45A7-B61B-EEE537C8AAF7}"/>
+                <a16:creationId xmlns:a16="http://schemas.microsoft.com/office/drawing/2014/main" id="{9FCFBD19-89A4-45A7-B61B-EEE537C8AAF7}"/>
               </a:ext>
             </a:extLst>
           </p:cNvPr>
@@ -6107,7 +6123,7 @@
           <p:cNvPr id="91" name="직사각형 90">
             <a:extLst>
               <a:ext uri="{FF2B5EF4-FFF2-40B4-BE49-F238E27FC236}">
-                <a16:creationId xmlns:a16="http://schemas.microsoft.com/office/drawing/2014/main" xmlns="" id="{BC3FF537-9B99-49F9-B482-A2EC7BBB8540}"/>
+                <a16:creationId xmlns:a16="http://schemas.microsoft.com/office/drawing/2014/main" id="{BC3FF537-9B99-49F9-B482-A2EC7BBB8540}"/>
               </a:ext>
             </a:extLst>
           </p:cNvPr>
@@ -6160,7 +6176,7 @@
           <p:cNvPr id="92" name="직사각형 91">
             <a:extLst>
               <a:ext uri="{FF2B5EF4-FFF2-40B4-BE49-F238E27FC236}">
-                <a16:creationId xmlns:a16="http://schemas.microsoft.com/office/drawing/2014/main" xmlns="" id="{F8CB2CE3-4DD4-4EB6-884B-0D4B658DD6CD}"/>
+                <a16:creationId xmlns:a16="http://schemas.microsoft.com/office/drawing/2014/main" id="{F8CB2CE3-4DD4-4EB6-884B-0D4B658DD6CD}"/>
               </a:ext>
             </a:extLst>
           </p:cNvPr>
@@ -6213,7 +6229,7 @@
           <p:cNvPr id="93" name="직사각형 92">
             <a:extLst>
               <a:ext uri="{FF2B5EF4-FFF2-40B4-BE49-F238E27FC236}">
-                <a16:creationId xmlns:a16="http://schemas.microsoft.com/office/drawing/2014/main" xmlns="" id="{062B7E94-371F-4301-82B0-162539055B17}"/>
+                <a16:creationId xmlns:a16="http://schemas.microsoft.com/office/drawing/2014/main" id="{062B7E94-371F-4301-82B0-162539055B17}"/>
               </a:ext>
             </a:extLst>
           </p:cNvPr>
@@ -6270,7 +6286,7 @@
           <p:cNvPr id="10" name="직사각형 9">
             <a:extLst>
               <a:ext uri="{FF2B5EF4-FFF2-40B4-BE49-F238E27FC236}">
-                <a16:creationId xmlns:a16="http://schemas.microsoft.com/office/drawing/2014/main" xmlns="" id="{318B42CB-E0B6-46F0-BAA6-291DD24C4804}"/>
+                <a16:creationId xmlns:a16="http://schemas.microsoft.com/office/drawing/2014/main" id="{318B42CB-E0B6-46F0-BAA6-291DD24C4804}"/>
               </a:ext>
             </a:extLst>
           </p:cNvPr>
@@ -6320,7 +6336,7 @@
           <p:cNvPr id="106" name="직사각형 105">
             <a:extLst>
               <a:ext uri="{FF2B5EF4-FFF2-40B4-BE49-F238E27FC236}">
-                <a16:creationId xmlns:a16="http://schemas.microsoft.com/office/drawing/2014/main" xmlns="" id="{BF504308-551E-418A-AA72-84BA49EC95E2}"/>
+                <a16:creationId xmlns:a16="http://schemas.microsoft.com/office/drawing/2014/main" id="{BF504308-551E-418A-AA72-84BA49EC95E2}"/>
               </a:ext>
             </a:extLst>
           </p:cNvPr>
@@ -6370,7 +6386,7 @@
           <p:cNvPr id="107" name="직사각형 106">
             <a:extLst>
               <a:ext uri="{FF2B5EF4-FFF2-40B4-BE49-F238E27FC236}">
-                <a16:creationId xmlns:a16="http://schemas.microsoft.com/office/drawing/2014/main" xmlns="" id="{F44621CF-ED08-4EAA-B976-8B3A5C37A34E}"/>
+                <a16:creationId xmlns:a16="http://schemas.microsoft.com/office/drawing/2014/main" id="{F44621CF-ED08-4EAA-B976-8B3A5C37A34E}"/>
               </a:ext>
             </a:extLst>
           </p:cNvPr>
@@ -6427,7 +6443,7 @@
           <p:cNvPr id="108" name="직사각형 107">
             <a:extLst>
               <a:ext uri="{FF2B5EF4-FFF2-40B4-BE49-F238E27FC236}">
-                <a16:creationId xmlns:a16="http://schemas.microsoft.com/office/drawing/2014/main" xmlns="" id="{9B8A010A-F788-4334-8390-569FD2F6F8EF}"/>
+                <a16:creationId xmlns:a16="http://schemas.microsoft.com/office/drawing/2014/main" id="{9B8A010A-F788-4334-8390-569FD2F6F8EF}"/>
               </a:ext>
             </a:extLst>
           </p:cNvPr>
@@ -6475,7 +6491,7 @@
           <p:cNvPr id="110" name="직사각형 109">
             <a:extLst>
               <a:ext uri="{FF2B5EF4-FFF2-40B4-BE49-F238E27FC236}">
-                <a16:creationId xmlns:a16="http://schemas.microsoft.com/office/drawing/2014/main" xmlns="" id="{891633B7-4388-476D-B59C-2F6A5F7F0551}"/>
+                <a16:creationId xmlns:a16="http://schemas.microsoft.com/office/drawing/2014/main" id="{891633B7-4388-476D-B59C-2F6A5F7F0551}"/>
               </a:ext>
             </a:extLst>
           </p:cNvPr>
@@ -6524,7 +6540,7 @@
           <p:cNvPr id="113" name="직사각형 112">
             <a:extLst>
               <a:ext uri="{FF2B5EF4-FFF2-40B4-BE49-F238E27FC236}">
-                <a16:creationId xmlns:a16="http://schemas.microsoft.com/office/drawing/2014/main" xmlns="" id="{F6921F2E-2D8C-4E2C-BC6C-02937EB24BB7}"/>
+                <a16:creationId xmlns:a16="http://schemas.microsoft.com/office/drawing/2014/main" id="{F6921F2E-2D8C-4E2C-BC6C-02937EB24BB7}"/>
               </a:ext>
             </a:extLst>
           </p:cNvPr>
@@ -6586,7 +6602,7 @@
           <p:cNvPr id="115" name="직사각형 114">
             <a:extLst>
               <a:ext uri="{FF2B5EF4-FFF2-40B4-BE49-F238E27FC236}">
-                <a16:creationId xmlns:a16="http://schemas.microsoft.com/office/drawing/2014/main" xmlns="" id="{79DF6276-0182-4845-863C-D626CEDDC8B9}"/>
+                <a16:creationId xmlns:a16="http://schemas.microsoft.com/office/drawing/2014/main" id="{79DF6276-0182-4845-863C-D626CEDDC8B9}"/>
               </a:ext>
             </a:extLst>
           </p:cNvPr>
@@ -6636,7 +6652,7 @@
           <p:cNvPr id="116" name="직사각형 115">
             <a:extLst>
               <a:ext uri="{FF2B5EF4-FFF2-40B4-BE49-F238E27FC236}">
-                <a16:creationId xmlns:a16="http://schemas.microsoft.com/office/drawing/2014/main" xmlns="" id="{5E83815E-198C-4F21-AC95-09B76F3C8DE0}"/>
+                <a16:creationId xmlns:a16="http://schemas.microsoft.com/office/drawing/2014/main" id="{5E83815E-198C-4F21-AC95-09B76F3C8DE0}"/>
               </a:ext>
             </a:extLst>
           </p:cNvPr>
@@ -6686,7 +6702,7 @@
           <p:cNvPr id="117" name="직사각형 116">
             <a:extLst>
               <a:ext uri="{FF2B5EF4-FFF2-40B4-BE49-F238E27FC236}">
-                <a16:creationId xmlns:a16="http://schemas.microsoft.com/office/drawing/2014/main" xmlns="" id="{59491258-DE83-4600-B802-CCE37F5702D0}"/>
+                <a16:creationId xmlns:a16="http://schemas.microsoft.com/office/drawing/2014/main" id="{59491258-DE83-4600-B802-CCE37F5702D0}"/>
               </a:ext>
             </a:extLst>
           </p:cNvPr>
@@ -6736,7 +6752,7 @@
           <p:cNvPr id="118" name="직사각형 117">
             <a:extLst>
               <a:ext uri="{FF2B5EF4-FFF2-40B4-BE49-F238E27FC236}">
-                <a16:creationId xmlns:a16="http://schemas.microsoft.com/office/drawing/2014/main" xmlns="" id="{554AE0F4-0332-4950-A5CE-389202CE69EC}"/>
+                <a16:creationId xmlns:a16="http://schemas.microsoft.com/office/drawing/2014/main" id="{554AE0F4-0332-4950-A5CE-389202CE69EC}"/>
               </a:ext>
             </a:extLst>
           </p:cNvPr>
@@ -6786,7 +6802,7 @@
           <p:cNvPr id="119" name="직사각형 118">
             <a:extLst>
               <a:ext uri="{FF2B5EF4-FFF2-40B4-BE49-F238E27FC236}">
-                <a16:creationId xmlns:a16="http://schemas.microsoft.com/office/drawing/2014/main" xmlns="" id="{368F064A-5D94-49B3-B708-AA42B099B37A}"/>
+                <a16:creationId xmlns:a16="http://schemas.microsoft.com/office/drawing/2014/main" id="{368F064A-5D94-49B3-B708-AA42B099B37A}"/>
               </a:ext>
             </a:extLst>
           </p:cNvPr>
@@ -6836,7 +6852,7 @@
           <p:cNvPr id="120" name="직사각형 119">
             <a:extLst>
               <a:ext uri="{FF2B5EF4-FFF2-40B4-BE49-F238E27FC236}">
-                <a16:creationId xmlns:a16="http://schemas.microsoft.com/office/drawing/2014/main" xmlns="" id="{157B121B-9985-43BB-B3A2-03A4C2A30728}"/>
+                <a16:creationId xmlns:a16="http://schemas.microsoft.com/office/drawing/2014/main" id="{157B121B-9985-43BB-B3A2-03A4C2A30728}"/>
               </a:ext>
             </a:extLst>
           </p:cNvPr>
@@ -6886,7 +6902,7 @@
           <p:cNvPr id="125" name="직사각형 124">
             <a:extLst>
               <a:ext uri="{FF2B5EF4-FFF2-40B4-BE49-F238E27FC236}">
-                <a16:creationId xmlns:a16="http://schemas.microsoft.com/office/drawing/2014/main" xmlns="" id="{C6C59A4F-98DD-44AC-B669-1B8DF1572BC2}"/>
+                <a16:creationId xmlns:a16="http://schemas.microsoft.com/office/drawing/2014/main" id="{C6C59A4F-98DD-44AC-B669-1B8DF1572BC2}"/>
               </a:ext>
             </a:extLst>
           </p:cNvPr>
@@ -6940,7 +6956,7 @@
           <p:cNvPr id="126" name="직사각형 125">
             <a:extLst>
               <a:ext uri="{FF2B5EF4-FFF2-40B4-BE49-F238E27FC236}">
-                <a16:creationId xmlns:a16="http://schemas.microsoft.com/office/drawing/2014/main" xmlns="" id="{D2C2F8E3-8FDE-4A1E-B549-2811ABE75A95}"/>
+                <a16:creationId xmlns:a16="http://schemas.microsoft.com/office/drawing/2014/main" id="{D2C2F8E3-8FDE-4A1E-B549-2811ABE75A95}"/>
               </a:ext>
             </a:extLst>
           </p:cNvPr>
@@ -7002,7 +7018,7 @@
           <p:cNvPr id="127" name="직사각형 126">
             <a:extLst>
               <a:ext uri="{FF2B5EF4-FFF2-40B4-BE49-F238E27FC236}">
-                <a16:creationId xmlns:a16="http://schemas.microsoft.com/office/drawing/2014/main" xmlns="" id="{DEFBF645-CF8A-4AFE-B84C-BD87DAEAB0A6}"/>
+                <a16:creationId xmlns:a16="http://schemas.microsoft.com/office/drawing/2014/main" id="{DEFBF645-CF8A-4AFE-B84C-BD87DAEAB0A6}"/>
               </a:ext>
             </a:extLst>
           </p:cNvPr>
@@ -7051,7 +7067,7 @@
           <p:cNvPr id="137" name="직사각형 136">
             <a:extLst>
               <a:ext uri="{FF2B5EF4-FFF2-40B4-BE49-F238E27FC236}">
-                <a16:creationId xmlns:a16="http://schemas.microsoft.com/office/drawing/2014/main" xmlns="" id="{8702418E-C916-40D2-8C8F-812C988AAC2C}"/>
+                <a16:creationId xmlns:a16="http://schemas.microsoft.com/office/drawing/2014/main" id="{8702418E-C916-40D2-8C8F-812C988AAC2C}"/>
               </a:ext>
             </a:extLst>
           </p:cNvPr>
@@ -7117,7 +7133,7 @@
           <p:cNvPr id="138" name="직사각형 137">
             <a:extLst>
               <a:ext uri="{FF2B5EF4-FFF2-40B4-BE49-F238E27FC236}">
-                <a16:creationId xmlns:a16="http://schemas.microsoft.com/office/drawing/2014/main" xmlns="" id="{25CDF546-49E3-4634-BF70-D0A6BCFB49A3}"/>
+                <a16:creationId xmlns:a16="http://schemas.microsoft.com/office/drawing/2014/main" id="{25CDF546-49E3-4634-BF70-D0A6BCFB49A3}"/>
               </a:ext>
             </a:extLst>
           </p:cNvPr>
@@ -7183,7 +7199,7 @@
           <p:cNvPr id="86" name="직사각형 85">
             <a:extLst>
               <a:ext uri="{FF2B5EF4-FFF2-40B4-BE49-F238E27FC236}">
-                <a16:creationId xmlns:a16="http://schemas.microsoft.com/office/drawing/2014/main" xmlns="" id="{15CC9011-D578-4A8F-8FF8-CCBE6182F035}"/>
+                <a16:creationId xmlns:a16="http://schemas.microsoft.com/office/drawing/2014/main" id="{15CC9011-D578-4A8F-8FF8-CCBE6182F035}"/>
               </a:ext>
             </a:extLst>
           </p:cNvPr>
@@ -7242,7 +7258,7 @@
           <p:cNvPr id="87" name="직사각형 86">
             <a:extLst>
               <a:ext uri="{FF2B5EF4-FFF2-40B4-BE49-F238E27FC236}">
-                <a16:creationId xmlns:a16="http://schemas.microsoft.com/office/drawing/2014/main" xmlns="" id="{A3F8F1AF-F0A6-4FE2-99B9-F8C0C7E4DD9C}"/>
+                <a16:creationId xmlns:a16="http://schemas.microsoft.com/office/drawing/2014/main" id="{A3F8F1AF-F0A6-4FE2-99B9-F8C0C7E4DD9C}"/>
               </a:ext>
             </a:extLst>
           </p:cNvPr>
@@ -7303,7 +7319,7 @@
           <p:cNvPr id="94" name="직사각형 93">
             <a:extLst>
               <a:ext uri="{FF2B5EF4-FFF2-40B4-BE49-F238E27FC236}">
-                <a16:creationId xmlns:a16="http://schemas.microsoft.com/office/drawing/2014/main" xmlns="" id="{B40EE1D5-E028-4B23-BEC0-A7EC357E7E7C}"/>
+                <a16:creationId xmlns:a16="http://schemas.microsoft.com/office/drawing/2014/main" id="{B40EE1D5-E028-4B23-BEC0-A7EC357E7E7C}"/>
               </a:ext>
             </a:extLst>
           </p:cNvPr>
@@ -7312,7 +7328,7 @@
         </p:nvSpPr>
         <p:spPr>
           <a:xfrm>
-            <a:off x="9044558" y="5267850"/>
+            <a:off x="10297458" y="5700633"/>
             <a:ext cx="699626" cy="419450"/>
           </a:xfrm>
           <a:prstGeom prst="rect">
@@ -7360,7 +7376,7 @@
           <p:cNvPr id="98" name="직사각형 97">
             <a:extLst>
               <a:ext uri="{FF2B5EF4-FFF2-40B4-BE49-F238E27FC236}">
-                <a16:creationId xmlns:a16="http://schemas.microsoft.com/office/drawing/2014/main" xmlns="" id="{50C47454-43E9-4A72-A506-B1BE3313218E}"/>
+                <a16:creationId xmlns:a16="http://schemas.microsoft.com/office/drawing/2014/main" id="{50C47454-43E9-4A72-A506-B1BE3313218E}"/>
               </a:ext>
             </a:extLst>
           </p:cNvPr>
@@ -7432,7 +7448,7 @@
           <p:cNvPr id="121" name="직사각형 120">
             <a:extLst>
               <a:ext uri="{FF2B5EF4-FFF2-40B4-BE49-F238E27FC236}">
-                <a16:creationId xmlns:a16="http://schemas.microsoft.com/office/drawing/2014/main" xmlns="" id="{2572F0FA-E4D7-419A-A58A-253CBB798E80}"/>
+                <a16:creationId xmlns:a16="http://schemas.microsoft.com/office/drawing/2014/main" id="{2572F0FA-E4D7-419A-A58A-253CBB798E80}"/>
               </a:ext>
             </a:extLst>
           </p:cNvPr>
@@ -7441,7 +7457,7 @@
         </p:nvSpPr>
         <p:spPr>
           <a:xfrm rot="16200000">
-            <a:off x="8995899" y="4780961"/>
+            <a:off x="9121337" y="4755042"/>
             <a:ext cx="205234" cy="591710"/>
           </a:xfrm>
           <a:prstGeom prst="rect">
@@ -7498,7 +7514,7 @@
           <p:cNvPr id="122" name="직사각형 121">
             <a:extLst>
               <a:ext uri="{FF2B5EF4-FFF2-40B4-BE49-F238E27FC236}">
-                <a16:creationId xmlns:a16="http://schemas.microsoft.com/office/drawing/2014/main" xmlns="" id="{DACA5A4D-C9B0-4173-87D0-CA48A076129F}"/>
+                <a16:creationId xmlns:a16="http://schemas.microsoft.com/office/drawing/2014/main" id="{DACA5A4D-C9B0-4173-87D0-CA48A076129F}"/>
               </a:ext>
             </a:extLst>
           </p:cNvPr>
@@ -7564,7 +7580,7 @@
           <p:cNvPr id="123" name="직사각형 122">
             <a:extLst>
               <a:ext uri="{FF2B5EF4-FFF2-40B4-BE49-F238E27FC236}">
-                <a16:creationId xmlns:a16="http://schemas.microsoft.com/office/drawing/2014/main" xmlns="" id="{C517AD94-5906-4EE5-BB15-E802FC800AC3}"/>
+                <a16:creationId xmlns:a16="http://schemas.microsoft.com/office/drawing/2014/main" id="{C517AD94-5906-4EE5-BB15-E802FC800AC3}"/>
               </a:ext>
             </a:extLst>
           </p:cNvPr>
@@ -7643,7 +7659,7 @@
           <p:cNvPr id="124" name="직사각형 123">
             <a:extLst>
               <a:ext uri="{FF2B5EF4-FFF2-40B4-BE49-F238E27FC236}">
-                <a16:creationId xmlns:a16="http://schemas.microsoft.com/office/drawing/2014/main" xmlns="" id="{089D8DB6-3B5D-4836-8286-F6E5B4B93528}"/>
+                <a16:creationId xmlns:a16="http://schemas.microsoft.com/office/drawing/2014/main" id="{089D8DB6-3B5D-4836-8286-F6E5B4B93528}"/>
               </a:ext>
             </a:extLst>
           </p:cNvPr>
@@ -7715,7 +7731,7 @@
           <p:cNvPr id="128" name="직사각형 127">
             <a:extLst>
               <a:ext uri="{FF2B5EF4-FFF2-40B4-BE49-F238E27FC236}">
-                <a16:creationId xmlns:a16="http://schemas.microsoft.com/office/drawing/2014/main" xmlns="" id="{7FB6D4B7-ED45-44C4-A6B2-E4CC0CDCE3CF}"/>
+                <a16:creationId xmlns:a16="http://schemas.microsoft.com/office/drawing/2014/main" id="{7FB6D4B7-ED45-44C4-A6B2-E4CC0CDCE3CF}"/>
               </a:ext>
             </a:extLst>
           </p:cNvPr>
@@ -7786,7 +7802,7 @@
           <p:cNvPr id="130" name="직사각형 129">
             <a:extLst>
               <a:ext uri="{FF2B5EF4-FFF2-40B4-BE49-F238E27FC236}">
-                <a16:creationId xmlns:a16="http://schemas.microsoft.com/office/drawing/2014/main" xmlns="" id="{66F98FBD-9AD9-4859-B399-98736371C7B5}"/>
+                <a16:creationId xmlns:a16="http://schemas.microsoft.com/office/drawing/2014/main" id="{66F98FBD-9AD9-4859-B399-98736371C7B5}"/>
               </a:ext>
             </a:extLst>
           </p:cNvPr>
@@ -7897,7 +7913,7 @@
           <p:cNvPr id="131" name="직사각형 130">
             <a:extLst>
               <a:ext uri="{FF2B5EF4-FFF2-40B4-BE49-F238E27FC236}">
-                <a16:creationId xmlns:a16="http://schemas.microsoft.com/office/drawing/2014/main" xmlns="" id="{C8450865-4ED2-4E7B-8E3B-EDA381B7D3E3}"/>
+                <a16:creationId xmlns:a16="http://schemas.microsoft.com/office/drawing/2014/main" id="{C8450865-4ED2-4E7B-8E3B-EDA381B7D3E3}"/>
               </a:ext>
             </a:extLst>
           </p:cNvPr>
@@ -7946,7 +7962,7 @@
           <p:cNvPr id="132" name="직사각형 131">
             <a:extLst>
               <a:ext uri="{FF2B5EF4-FFF2-40B4-BE49-F238E27FC236}">
-                <a16:creationId xmlns:a16="http://schemas.microsoft.com/office/drawing/2014/main" xmlns="" id="{002D5B23-216C-438D-AD99-80F98BE1B117}"/>
+                <a16:creationId xmlns:a16="http://schemas.microsoft.com/office/drawing/2014/main" id="{002D5B23-216C-438D-AD99-80F98BE1B117}"/>
               </a:ext>
             </a:extLst>
           </p:cNvPr>
@@ -7995,7 +8011,7 @@
           <p:cNvPr id="133" name="직사각형 132">
             <a:extLst>
               <a:ext uri="{FF2B5EF4-FFF2-40B4-BE49-F238E27FC236}">
-                <a16:creationId xmlns:a16="http://schemas.microsoft.com/office/drawing/2014/main" xmlns="" id="{1126C0E0-461F-4202-AEA8-36A5EC13A0FD}"/>
+                <a16:creationId xmlns:a16="http://schemas.microsoft.com/office/drawing/2014/main" id="{1126C0E0-461F-4202-AEA8-36A5EC13A0FD}"/>
               </a:ext>
             </a:extLst>
           </p:cNvPr>
@@ -8044,7 +8060,7 @@
           <p:cNvPr id="134" name="직사각형 133">
             <a:extLst>
               <a:ext uri="{FF2B5EF4-FFF2-40B4-BE49-F238E27FC236}">
-                <a16:creationId xmlns:a16="http://schemas.microsoft.com/office/drawing/2014/main" xmlns="" id="{397F8246-2346-4D63-A33D-D193FA016D76}"/>
+                <a16:creationId xmlns:a16="http://schemas.microsoft.com/office/drawing/2014/main" id="{397F8246-2346-4D63-A33D-D193FA016D76}"/>
               </a:ext>
             </a:extLst>
           </p:cNvPr>
@@ -8093,7 +8109,7 @@
           <p:cNvPr id="135" name="직사각형 134">
             <a:extLst>
               <a:ext uri="{FF2B5EF4-FFF2-40B4-BE49-F238E27FC236}">
-                <a16:creationId xmlns:a16="http://schemas.microsoft.com/office/drawing/2014/main" xmlns="" id="{8EECBE0F-D445-4B8C-A199-53966EEE8D83}"/>
+                <a16:creationId xmlns:a16="http://schemas.microsoft.com/office/drawing/2014/main" id="{8EECBE0F-D445-4B8C-A199-53966EEE8D83}"/>
               </a:ext>
             </a:extLst>
           </p:cNvPr>
@@ -8142,7 +8158,7 @@
           <p:cNvPr id="136" name="직사각형 135">
             <a:extLst>
               <a:ext uri="{FF2B5EF4-FFF2-40B4-BE49-F238E27FC236}">
-                <a16:creationId xmlns:a16="http://schemas.microsoft.com/office/drawing/2014/main" xmlns="" id="{A1E22FC3-3251-4FC5-9B62-20A17926AAC4}"/>
+                <a16:creationId xmlns:a16="http://schemas.microsoft.com/office/drawing/2014/main" id="{A1E22FC3-3251-4FC5-9B62-20A17926AAC4}"/>
               </a:ext>
             </a:extLst>
           </p:cNvPr>
@@ -8209,55 +8225,185 @@
           <a:lstStyle/>
           <a:p>
             <a:r>
-              <a:rPr lang="ko-KR" altLang="en-US" dirty="0" smtClean="0"/>
+              <a:rPr lang="ko-KR" altLang="en-US" dirty="0"/>
               <a:t>열 추가 버튼</a:t>
             </a:r>
-            <a:endParaRPr lang="en-US" altLang="ko-KR" dirty="0" smtClean="0"/>
-          </a:p>
-          <a:p>
-            <a:r>
-              <a:rPr lang="ko-KR" altLang="en-US" dirty="0" smtClean="0"/>
+            <a:endParaRPr lang="en-US" altLang="ko-KR" dirty="0"/>
+          </a:p>
+          <a:p>
+            <a:r>
+              <a:rPr lang="ko-KR" altLang="en-US" dirty="0"/>
               <a:t>열 삭제 버튼</a:t>
             </a:r>
             <a:r>
-              <a:rPr lang="en-US" altLang="ko-KR" dirty="0" smtClean="0"/>
+              <a:rPr lang="en-US" altLang="ko-KR" dirty="0"/>
               <a:t>(</a:t>
             </a:r>
             <a:r>
-              <a:rPr lang="ko-KR" altLang="en-US" dirty="0" smtClean="0"/>
+              <a:rPr lang="ko-KR" altLang="en-US" dirty="0"/>
               <a:t>각각</a:t>
             </a:r>
             <a:r>
-              <a:rPr lang="en-US" altLang="ko-KR" dirty="0" smtClean="0"/>
+              <a:rPr lang="en-US" altLang="ko-KR" dirty="0"/>
               <a:t>)</a:t>
             </a:r>
           </a:p>
           <a:p>
             <a:r>
-              <a:rPr lang="ko-KR" altLang="en-US" dirty="0" smtClean="0"/>
+              <a:rPr lang="ko-KR" altLang="en-US" dirty="0"/>
               <a:t>열 </a:t>
             </a:r>
             <a:r>
-              <a:rPr lang="ko-KR" altLang="en-US" dirty="0" err="1" smtClean="0"/>
+              <a:rPr lang="ko-KR" altLang="en-US" dirty="0" err="1"/>
               <a:t>즐겨찾기</a:t>
             </a:r>
             <a:r>
-              <a:rPr lang="ko-KR" altLang="en-US" dirty="0" smtClean="0"/>
+              <a:rPr lang="ko-KR" altLang="en-US" dirty="0"/>
               <a:t> 버튼</a:t>
             </a:r>
             <a:r>
-              <a:rPr lang="en-US" altLang="ko-KR" dirty="0" smtClean="0"/>
+              <a:rPr lang="en-US" altLang="ko-KR" dirty="0"/>
               <a:t>(</a:t>
             </a:r>
             <a:r>
-              <a:rPr lang="ko-KR" altLang="en-US" dirty="0" smtClean="0"/>
+              <a:rPr lang="ko-KR" altLang="en-US" dirty="0"/>
               <a:t>각각</a:t>
             </a:r>
             <a:r>
-              <a:rPr lang="en-US" altLang="ko-KR" dirty="0" smtClean="0"/>
+              <a:rPr lang="en-US" altLang="ko-KR" dirty="0"/>
               <a:t>)</a:t>
             </a:r>
             <a:endParaRPr lang="ko-KR" altLang="en-US" dirty="0"/>
+          </a:p>
+        </p:txBody>
+      </p:sp>
+      <p:sp>
+        <p:nvSpPr>
+          <p:cNvPr id="95" name="직사각형 94">
+            <a:extLst>
+              <a:ext uri="{FF2B5EF4-FFF2-40B4-BE49-F238E27FC236}">
+                <a16:creationId xmlns:a16="http://schemas.microsoft.com/office/drawing/2014/main" id="{3621FD93-D025-4288-9B22-E2343377CB4B}"/>
+              </a:ext>
+            </a:extLst>
+          </p:cNvPr>
+          <p:cNvSpPr/>
+          <p:nvPr/>
+        </p:nvSpPr>
+        <p:spPr>
+          <a:xfrm>
+            <a:off x="8449452" y="5226601"/>
+            <a:ext cx="653304" cy="289070"/>
+          </a:xfrm>
+          <a:prstGeom prst="rect">
+            <a:avLst/>
+          </a:prstGeom>
+        </p:spPr>
+        <p:style>
+          <a:lnRef idx="2">
+            <a:schemeClr val="accent1">
+              <a:shade val="50000"/>
+            </a:schemeClr>
+          </a:lnRef>
+          <a:fillRef idx="1">
+            <a:schemeClr val="accent1"/>
+          </a:fillRef>
+          <a:effectRef idx="0">
+            <a:schemeClr val="accent1"/>
+          </a:effectRef>
+          <a:fontRef idx="minor">
+            <a:schemeClr val="lt1"/>
+          </a:fontRef>
+        </p:style>
+        <p:txBody>
+          <a:bodyPr rtlCol="0" anchor="ctr"/>
+          <a:lstStyle/>
+          <a:p>
+            <a:pPr algn="ctr"/>
+            <a:r>
+              <a:rPr lang="ko-KR" altLang="en-US" sz="1050" dirty="0"/>
+              <a:t>광고비</a:t>
+            </a:r>
+            <a:endParaRPr lang="en-US" altLang="ko-KR" sz="1050" dirty="0"/>
+          </a:p>
+          <a:p>
+            <a:pPr algn="ctr"/>
+            <a:r>
+              <a:rPr lang="en-US" altLang="ko-KR" sz="1050" dirty="0"/>
+              <a:t>(</a:t>
+            </a:r>
+            <a:r>
+              <a:rPr lang="ko-KR" altLang="en-US" sz="1050" dirty="0"/>
+              <a:t>한달</a:t>
+            </a:r>
+            <a:r>
+              <a:rPr lang="en-US" altLang="ko-KR" sz="1050" dirty="0"/>
+              <a:t>)</a:t>
+            </a:r>
+          </a:p>
+        </p:txBody>
+      </p:sp>
+      <p:sp>
+        <p:nvSpPr>
+          <p:cNvPr id="96" name="직사각형 95">
+            <a:extLst>
+              <a:ext uri="{FF2B5EF4-FFF2-40B4-BE49-F238E27FC236}">
+                <a16:creationId xmlns:a16="http://schemas.microsoft.com/office/drawing/2014/main" id="{0B9069AD-E994-4366-95B4-917308B78444}"/>
+              </a:ext>
+            </a:extLst>
+          </p:cNvPr>
+          <p:cNvSpPr/>
+          <p:nvPr/>
+        </p:nvSpPr>
+        <p:spPr>
+          <a:xfrm>
+            <a:off x="8449452" y="5527866"/>
+            <a:ext cx="653304" cy="289070"/>
+          </a:xfrm>
+          <a:prstGeom prst="rect">
+            <a:avLst/>
+          </a:prstGeom>
+        </p:spPr>
+        <p:style>
+          <a:lnRef idx="2">
+            <a:schemeClr val="accent1">
+              <a:shade val="50000"/>
+            </a:schemeClr>
+          </a:lnRef>
+          <a:fillRef idx="1">
+            <a:schemeClr val="accent1"/>
+          </a:fillRef>
+          <a:effectRef idx="0">
+            <a:schemeClr val="accent1"/>
+          </a:effectRef>
+          <a:fontRef idx="minor">
+            <a:schemeClr val="lt1"/>
+          </a:fontRef>
+        </p:style>
+        <p:txBody>
+          <a:bodyPr rtlCol="0" anchor="ctr"/>
+          <a:lstStyle/>
+          <a:p>
+            <a:pPr algn="ctr"/>
+            <a:r>
+              <a:rPr lang="ko-KR" altLang="en-US" sz="1050" dirty="0" err="1"/>
+              <a:t>전환비</a:t>
+            </a:r>
+            <a:endParaRPr lang="en-US" altLang="ko-KR" sz="1050"/>
+          </a:p>
+          <a:p>
+            <a:pPr algn="ctr"/>
+            <a:r>
+              <a:rPr lang="en-US" altLang="ko-KR" sz="1050"/>
+              <a:t>(</a:t>
+            </a:r>
+            <a:r>
+              <a:rPr lang="ko-KR" altLang="en-US" sz="1050" dirty="0"/>
+              <a:t>한달</a:t>
+            </a:r>
+            <a:r>
+              <a:rPr lang="en-US" altLang="ko-KR" sz="1050" dirty="0"/>
+              <a:t>)</a:t>
+            </a:r>
           </a:p>
         </p:txBody>
       </p:sp>
@@ -8593,7 +8739,7 @@
   <a:extraClrSchemeLst/>
   <a:extLst>
     <a:ext uri="{05A4C25C-085E-4340-85A3-A5531E510DB2}">
-      <thm15:themeFamily xmlns:thm15="http://schemas.microsoft.com/office/thememl/2012/main" xmlns="" name="Office Theme" id="{62F939B6-93AF-4DB8-9C6B-D6C7DFDC589F}" vid="{4A3C46E8-61CC-4603-A589-7422A47A8E4A}"/>
+      <thm15:themeFamily xmlns:thm15="http://schemas.microsoft.com/office/thememl/2012/main" name="Office Theme" id="{62F939B6-93AF-4DB8-9C6B-D6C7DFDC589F}" vid="{4A3C46E8-61CC-4603-A589-7422A47A8E4A}"/>
     </a:ext>
   </a:extLst>
 </a:theme>
